--- a/export/Mantel Test/Dry Season Mantel Test.pptx
+++ b/export/Mantel Test/Dry Season Mantel Test.pptx
@@ -4,6 +4,9 @@
   <p:sldMasterIdLst>
     <p:sldMasterId id="2147483648" r:id="rId1"/>
   </p:sldMasterIdLst>
+  <p:notesMasterIdLst>
+    <p:notesMasterId r:id="rId3"/>
+  </p:notesMasterIdLst>
   <p:sldIdLst>
     <p:sldId id="256" r:id="rId2"/>
   </p:sldIdLst>
@@ -123,6 +126,439 @@
 </p:presentation>
 </file>
 
+<file path=ppt/notesMasters/notesMaster1.xml><?xml version="1.0" encoding="utf-8"?>
+<p:notesMaster xmlns:a="http://schemas.openxmlformats.org/drawingml/2006/main" xmlns:r="http://schemas.openxmlformats.org/officeDocument/2006/relationships" xmlns:p="http://schemas.openxmlformats.org/presentationml/2006/main">
+  <p:cSld>
+    <p:bg>
+      <p:bgRef idx="1001">
+        <a:schemeClr val="bg1"/>
+      </p:bgRef>
+    </p:bg>
+    <p:spTree>
+      <p:nvGrpSpPr>
+        <p:cNvPr id="1" name=""/>
+        <p:cNvGrpSpPr/>
+        <p:nvPr/>
+      </p:nvGrpSpPr>
+      <p:grpSpPr>
+        <a:xfrm>
+          <a:off x="0" y="0"/>
+          <a:ext cx="0" cy="0"/>
+          <a:chOff x="0" y="0"/>
+          <a:chExt cx="0" cy="0"/>
+        </a:xfrm>
+      </p:grpSpPr>
+      <p:sp>
+        <p:nvSpPr>
+          <p:cNvPr id="2" name="页眉占位符 1"/>
+          <p:cNvSpPr>
+            <a:spLocks noGrp="1"/>
+          </p:cNvSpPr>
+          <p:nvPr>
+            <p:ph type="hdr" sz="quarter"/>
+          </p:nvPr>
+        </p:nvSpPr>
+        <p:spPr>
+          <a:xfrm>
+            <a:off x="0" y="0"/>
+            <a:ext cx="4627563" cy="379413"/>
+          </a:xfrm>
+          <a:prstGeom prst="rect">
+            <a:avLst/>
+          </a:prstGeom>
+        </p:spPr>
+        <p:txBody>
+          <a:bodyPr vert="horz" lIns="91440" tIns="45720" rIns="91440" bIns="45720" rtlCol="0"/>
+          <a:lstStyle>
+            <a:lvl1pPr algn="l">
+              <a:defRPr sz="1200"/>
+            </a:lvl1pPr>
+          </a:lstStyle>
+          <a:p>
+            <a:endParaRPr lang="zh-CN" altLang="en-US"/>
+          </a:p>
+        </p:txBody>
+      </p:sp>
+      <p:sp>
+        <p:nvSpPr>
+          <p:cNvPr id="3" name="日期占位符 2"/>
+          <p:cNvSpPr>
+            <a:spLocks noGrp="1"/>
+          </p:cNvSpPr>
+          <p:nvPr>
+            <p:ph type="dt" idx="1"/>
+          </p:nvPr>
+        </p:nvSpPr>
+        <p:spPr>
+          <a:xfrm>
+            <a:off x="6049963" y="0"/>
+            <a:ext cx="4627562" cy="379413"/>
+          </a:xfrm>
+          <a:prstGeom prst="rect">
+            <a:avLst/>
+          </a:prstGeom>
+        </p:spPr>
+        <p:txBody>
+          <a:bodyPr vert="horz" lIns="91440" tIns="45720" rIns="91440" bIns="45720" rtlCol="0"/>
+          <a:lstStyle>
+            <a:lvl1pPr algn="r">
+              <a:defRPr sz="1200"/>
+            </a:lvl1pPr>
+          </a:lstStyle>
+          <a:p>
+            <a:fld id="{783D7947-B205-4F97-B4A6-97E5B863C6C9}" type="datetimeFigureOut">
+              <a:rPr lang="zh-CN" altLang="en-US" smtClean="0"/>
+              <a:t>2023/2/14</a:t>
+            </a:fld>
+            <a:endParaRPr lang="zh-CN" altLang="en-US"/>
+          </a:p>
+        </p:txBody>
+      </p:sp>
+      <p:sp>
+        <p:nvSpPr>
+          <p:cNvPr id="4" name="幻灯片图像占位符 3"/>
+          <p:cNvSpPr>
+            <a:spLocks noGrp="1" noRot="1" noChangeAspect="1"/>
+          </p:cNvSpPr>
+          <p:nvPr>
+            <p:ph type="sldImg" idx="2"/>
+          </p:nvPr>
+        </p:nvSpPr>
+        <p:spPr>
+          <a:xfrm>
+            <a:off x="3536950" y="944563"/>
+            <a:ext cx="3606800" cy="2551112"/>
+          </a:xfrm>
+          <a:prstGeom prst="rect">
+            <a:avLst/>
+          </a:prstGeom>
+          <a:noFill/>
+          <a:ln w="12700">
+            <a:solidFill>
+              <a:prstClr val="black"/>
+            </a:solidFill>
+          </a:ln>
+        </p:spPr>
+        <p:txBody>
+          <a:bodyPr vert="horz" lIns="91440" tIns="45720" rIns="91440" bIns="45720" rtlCol="0" anchor="ctr"/>
+          <a:lstStyle/>
+          <a:p>
+            <a:endParaRPr lang="zh-CN" altLang="en-US"/>
+          </a:p>
+        </p:txBody>
+      </p:sp>
+      <p:sp>
+        <p:nvSpPr>
+          <p:cNvPr id="5" name="备注占位符 4"/>
+          <p:cNvSpPr>
+            <a:spLocks noGrp="1"/>
+          </p:cNvSpPr>
+          <p:nvPr>
+            <p:ph type="body" sz="quarter" idx="3"/>
+          </p:nvPr>
+        </p:nvSpPr>
+        <p:spPr>
+          <a:xfrm>
+            <a:off x="1068388" y="3636963"/>
+            <a:ext cx="8543925" cy="2974975"/>
+          </a:xfrm>
+          <a:prstGeom prst="rect">
+            <a:avLst/>
+          </a:prstGeom>
+        </p:spPr>
+        <p:txBody>
+          <a:bodyPr vert="horz" lIns="91440" tIns="45720" rIns="91440" bIns="45720" rtlCol="0"/>
+          <a:lstStyle/>
+          <a:p>
+            <a:pPr lvl="0"/>
+            <a:r>
+              <a:rPr lang="zh-CN" altLang="en-US"/>
+              <a:t>单击此处编辑母版文本样式</a:t>
+            </a:r>
+          </a:p>
+          <a:p>
+            <a:pPr lvl="1"/>
+            <a:r>
+              <a:rPr lang="zh-CN" altLang="en-US"/>
+              <a:t>二级</a:t>
+            </a:r>
+          </a:p>
+          <a:p>
+            <a:pPr lvl="2"/>
+            <a:r>
+              <a:rPr lang="zh-CN" altLang="en-US"/>
+              <a:t>三级</a:t>
+            </a:r>
+          </a:p>
+          <a:p>
+            <a:pPr lvl="3"/>
+            <a:r>
+              <a:rPr lang="zh-CN" altLang="en-US"/>
+              <a:t>四级</a:t>
+            </a:r>
+          </a:p>
+          <a:p>
+            <a:pPr lvl="4"/>
+            <a:r>
+              <a:rPr lang="zh-CN" altLang="en-US"/>
+              <a:t>五级</a:t>
+            </a:r>
+          </a:p>
+        </p:txBody>
+      </p:sp>
+      <p:sp>
+        <p:nvSpPr>
+          <p:cNvPr id="6" name="页脚占位符 5"/>
+          <p:cNvSpPr>
+            <a:spLocks noGrp="1"/>
+          </p:cNvSpPr>
+          <p:nvPr>
+            <p:ph type="ftr" sz="quarter" idx="4"/>
+          </p:nvPr>
+        </p:nvSpPr>
+        <p:spPr>
+          <a:xfrm>
+            <a:off x="0" y="7177088"/>
+            <a:ext cx="4627563" cy="379412"/>
+          </a:xfrm>
+          <a:prstGeom prst="rect">
+            <a:avLst/>
+          </a:prstGeom>
+        </p:spPr>
+        <p:txBody>
+          <a:bodyPr vert="horz" lIns="91440" tIns="45720" rIns="91440" bIns="45720" rtlCol="0" anchor="b"/>
+          <a:lstStyle>
+            <a:lvl1pPr algn="l">
+              <a:defRPr sz="1200"/>
+            </a:lvl1pPr>
+          </a:lstStyle>
+          <a:p>
+            <a:endParaRPr lang="zh-CN" altLang="en-US"/>
+          </a:p>
+        </p:txBody>
+      </p:sp>
+      <p:sp>
+        <p:nvSpPr>
+          <p:cNvPr id="7" name="灯片编号占位符 6"/>
+          <p:cNvSpPr>
+            <a:spLocks noGrp="1"/>
+          </p:cNvSpPr>
+          <p:nvPr>
+            <p:ph type="sldNum" sz="quarter" idx="5"/>
+          </p:nvPr>
+        </p:nvSpPr>
+        <p:spPr>
+          <a:xfrm>
+            <a:off x="6049963" y="7177088"/>
+            <a:ext cx="4627562" cy="379412"/>
+          </a:xfrm>
+          <a:prstGeom prst="rect">
+            <a:avLst/>
+          </a:prstGeom>
+        </p:spPr>
+        <p:txBody>
+          <a:bodyPr vert="horz" lIns="91440" tIns="45720" rIns="91440" bIns="45720" rtlCol="0" anchor="b"/>
+          <a:lstStyle>
+            <a:lvl1pPr algn="r">
+              <a:defRPr sz="1200"/>
+            </a:lvl1pPr>
+          </a:lstStyle>
+          <a:p>
+            <a:fld id="{5983ABFB-9D83-4C03-AAC6-9EB735ECAC5E}" type="slidenum">
+              <a:rPr lang="zh-CN" altLang="en-US" smtClean="0"/>
+              <a:t>‹#›</a:t>
+            </a:fld>
+            <a:endParaRPr lang="zh-CN" altLang="en-US"/>
+          </a:p>
+        </p:txBody>
+      </p:sp>
+    </p:spTree>
+    <p:extLst>
+      <p:ext uri="{BB962C8B-B14F-4D97-AF65-F5344CB8AC3E}">
+        <p14:creationId xmlns:p14="http://schemas.microsoft.com/office/powerpoint/2010/main" val="938005215"/>
+      </p:ext>
+    </p:extLst>
+  </p:cSld>
+  <p:clrMap bg1="lt1" tx1="dk1" bg2="lt2" tx2="dk2" accent1="accent1" accent2="accent2" accent3="accent3" accent4="accent4" accent5="accent5" accent6="accent6" hlink="hlink" folHlink="folHlink"/>
+  <p:notesStyle>
+    <a:lvl1pPr marL="0" algn="l" defTabSz="914400" rtl="0" eaLnBrk="1" latinLnBrk="0" hangingPunct="1">
+      <a:defRPr sz="1200" kern="1200">
+        <a:solidFill>
+          <a:schemeClr val="tx1"/>
+        </a:solidFill>
+        <a:latin typeface="+mn-lt"/>
+        <a:ea typeface="+mn-ea"/>
+        <a:cs typeface="+mn-cs"/>
+      </a:defRPr>
+    </a:lvl1pPr>
+    <a:lvl2pPr marL="457200" algn="l" defTabSz="914400" rtl="0" eaLnBrk="1" latinLnBrk="0" hangingPunct="1">
+      <a:defRPr sz="1200" kern="1200">
+        <a:solidFill>
+          <a:schemeClr val="tx1"/>
+        </a:solidFill>
+        <a:latin typeface="+mn-lt"/>
+        <a:ea typeface="+mn-ea"/>
+        <a:cs typeface="+mn-cs"/>
+      </a:defRPr>
+    </a:lvl2pPr>
+    <a:lvl3pPr marL="914400" algn="l" defTabSz="914400" rtl="0" eaLnBrk="1" latinLnBrk="0" hangingPunct="1">
+      <a:defRPr sz="1200" kern="1200">
+        <a:solidFill>
+          <a:schemeClr val="tx1"/>
+        </a:solidFill>
+        <a:latin typeface="+mn-lt"/>
+        <a:ea typeface="+mn-ea"/>
+        <a:cs typeface="+mn-cs"/>
+      </a:defRPr>
+    </a:lvl3pPr>
+    <a:lvl4pPr marL="1371600" algn="l" defTabSz="914400" rtl="0" eaLnBrk="1" latinLnBrk="0" hangingPunct="1">
+      <a:defRPr sz="1200" kern="1200">
+        <a:solidFill>
+          <a:schemeClr val="tx1"/>
+        </a:solidFill>
+        <a:latin typeface="+mn-lt"/>
+        <a:ea typeface="+mn-ea"/>
+        <a:cs typeface="+mn-cs"/>
+      </a:defRPr>
+    </a:lvl4pPr>
+    <a:lvl5pPr marL="1828800" algn="l" defTabSz="914400" rtl="0" eaLnBrk="1" latinLnBrk="0" hangingPunct="1">
+      <a:defRPr sz="1200" kern="1200">
+        <a:solidFill>
+          <a:schemeClr val="tx1"/>
+        </a:solidFill>
+        <a:latin typeface="+mn-lt"/>
+        <a:ea typeface="+mn-ea"/>
+        <a:cs typeface="+mn-cs"/>
+      </a:defRPr>
+    </a:lvl5pPr>
+    <a:lvl6pPr marL="2286000" algn="l" defTabSz="914400" rtl="0" eaLnBrk="1" latinLnBrk="0" hangingPunct="1">
+      <a:defRPr sz="1200" kern="1200">
+        <a:solidFill>
+          <a:schemeClr val="tx1"/>
+        </a:solidFill>
+        <a:latin typeface="+mn-lt"/>
+        <a:ea typeface="+mn-ea"/>
+        <a:cs typeface="+mn-cs"/>
+      </a:defRPr>
+    </a:lvl6pPr>
+    <a:lvl7pPr marL="2743200" algn="l" defTabSz="914400" rtl="0" eaLnBrk="1" latinLnBrk="0" hangingPunct="1">
+      <a:defRPr sz="1200" kern="1200">
+        <a:solidFill>
+          <a:schemeClr val="tx1"/>
+        </a:solidFill>
+        <a:latin typeface="+mn-lt"/>
+        <a:ea typeface="+mn-ea"/>
+        <a:cs typeface="+mn-cs"/>
+      </a:defRPr>
+    </a:lvl7pPr>
+    <a:lvl8pPr marL="3200400" algn="l" defTabSz="914400" rtl="0" eaLnBrk="1" latinLnBrk="0" hangingPunct="1">
+      <a:defRPr sz="1200" kern="1200">
+        <a:solidFill>
+          <a:schemeClr val="tx1"/>
+        </a:solidFill>
+        <a:latin typeface="+mn-lt"/>
+        <a:ea typeface="+mn-ea"/>
+        <a:cs typeface="+mn-cs"/>
+      </a:defRPr>
+    </a:lvl8pPr>
+    <a:lvl9pPr marL="3657600" algn="l" defTabSz="914400" rtl="0" eaLnBrk="1" latinLnBrk="0" hangingPunct="1">
+      <a:defRPr sz="1200" kern="1200">
+        <a:solidFill>
+          <a:schemeClr val="tx1"/>
+        </a:solidFill>
+        <a:latin typeface="+mn-lt"/>
+        <a:ea typeface="+mn-ea"/>
+        <a:cs typeface="+mn-cs"/>
+      </a:defRPr>
+    </a:lvl9pPr>
+  </p:notesStyle>
+</p:notesMaster>
+</file>
+
+<file path=ppt/notesSlides/notesSlide1.xml><?xml version="1.0" encoding="utf-8"?>
+<p:notes xmlns:a="http://schemas.openxmlformats.org/drawingml/2006/main" xmlns:r="http://schemas.openxmlformats.org/officeDocument/2006/relationships" xmlns:p="http://schemas.openxmlformats.org/presentationml/2006/main">
+  <p:cSld>
+    <p:spTree>
+      <p:nvGrpSpPr>
+        <p:cNvPr id="1" name=""/>
+        <p:cNvGrpSpPr/>
+        <p:nvPr/>
+      </p:nvGrpSpPr>
+      <p:grpSpPr>
+        <a:xfrm>
+          <a:off x="0" y="0"/>
+          <a:ext cx="0" cy="0"/>
+          <a:chOff x="0" y="0"/>
+          <a:chExt cx="0" cy="0"/>
+        </a:xfrm>
+      </p:grpSpPr>
+      <p:sp>
+        <p:nvSpPr>
+          <p:cNvPr id="2" name="幻灯片图像占位符 1"/>
+          <p:cNvSpPr>
+            <a:spLocks noGrp="1" noRot="1" noChangeAspect="1"/>
+          </p:cNvSpPr>
+          <p:nvPr>
+            <p:ph type="sldImg"/>
+          </p:nvPr>
+        </p:nvSpPr>
+        <p:spPr/>
+      </p:sp>
+      <p:sp>
+        <p:nvSpPr>
+          <p:cNvPr id="3" name="备注占位符 2"/>
+          <p:cNvSpPr>
+            <a:spLocks noGrp="1"/>
+          </p:cNvSpPr>
+          <p:nvPr>
+            <p:ph type="body" idx="1"/>
+          </p:nvPr>
+        </p:nvSpPr>
+        <p:spPr/>
+        <p:txBody>
+          <a:bodyPr/>
+          <a:lstStyle/>
+          <a:p>
+            <a:endParaRPr lang="zh-CN" altLang="en-US" dirty="0"/>
+          </a:p>
+        </p:txBody>
+      </p:sp>
+      <p:sp>
+        <p:nvSpPr>
+          <p:cNvPr id="4" name="灯片编号占位符 3"/>
+          <p:cNvSpPr>
+            <a:spLocks noGrp="1"/>
+          </p:cNvSpPr>
+          <p:nvPr>
+            <p:ph type="sldNum" sz="quarter" idx="5"/>
+          </p:nvPr>
+        </p:nvSpPr>
+        <p:spPr/>
+        <p:txBody>
+          <a:bodyPr/>
+          <a:lstStyle/>
+          <a:p>
+            <a:fld id="{5983ABFB-9D83-4C03-AAC6-9EB735ECAC5E}" type="slidenum">
+              <a:rPr lang="zh-CN" altLang="en-US" smtClean="0"/>
+              <a:t>1</a:t>
+            </a:fld>
+            <a:endParaRPr lang="zh-CN" altLang="en-US"/>
+          </a:p>
+        </p:txBody>
+      </p:sp>
+    </p:spTree>
+    <p:extLst>
+      <p:ext uri="{BB962C8B-B14F-4D97-AF65-F5344CB8AC3E}">
+        <p14:creationId xmlns:p14="http://schemas.microsoft.com/office/powerpoint/2010/main" val="817085808"/>
+      </p:ext>
+    </p:extLst>
+  </p:cSld>
+  <p:clrMapOvr>
+    <a:masterClrMapping/>
+  </p:clrMapOvr>
+</p:notes>
+</file>
+
 <file path=ppt/slideLayouts/slideLayout1.xml><?xml version="1.0" encoding="utf-8"?>
 <p:sldLayout xmlns:a="http://schemas.openxmlformats.org/drawingml/2006/main" xmlns:r="http://schemas.openxmlformats.org/officeDocument/2006/relationships" xmlns:p="http://schemas.openxmlformats.org/presentationml/2006/main" type="obj" preserve="1">
   <p:cSld name="Title Slide">
@@ -262,7 +698,7 @@
           <a:p>
             <a:fld id="{1D8BD707-D9CF-40AE-B4C6-C98DA3205C09}" type="datetimeFigureOut">
               <a:rPr lang="en-US"/>
-              <a:t>1/21/2023</a:t>
+              <a:t>2/14/2023</a:t>
             </a:fld>
             <a:endParaRPr lang="en-US"/>
           </a:p>
@@ -427,7 +863,7 @@
           <a:p>
             <a:fld id="{1D8BD707-D9CF-40AE-B4C6-C98DA3205C09}" type="datetimeFigureOut">
               <a:rPr lang="en-US"/>
-              <a:t>1/21/2023</a:t>
+              <a:t>2/14/2023</a:t>
             </a:fld>
             <a:endParaRPr lang="en-US"/>
           </a:p>
@@ -635,7 +1071,7 @@
           <a:p>
             <a:fld id="{1D8BD707-D9CF-40AE-B4C6-C98DA3205C09}" type="datetimeFigureOut">
               <a:rPr lang="en-US"/>
-              <a:t>1/21/2023</a:t>
+              <a:t>2/14/2023</a:t>
             </a:fld>
             <a:endParaRPr lang="en-US"/>
           </a:p>
@@ -777,7 +1213,7 @@
           <a:p>
             <a:fld id="{1D8BD707-D9CF-40AE-B4C6-C98DA3205C09}" type="datetimeFigureOut">
               <a:rPr lang="en-US"/>
-              <a:t>1/21/2023</a:t>
+              <a:t>2/14/2023</a:t>
             </a:fld>
             <a:endParaRPr lang="en-US"/>
           </a:p>
@@ -896,7 +1332,7 @@
           <a:p>
             <a:fld id="{1D8BD707-D9CF-40AE-B4C6-C98DA3205C09}" type="datetimeFigureOut">
               <a:rPr lang="en-US"/>
-              <a:t>1/21/2023</a:t>
+              <a:t>2/14/2023</a:t>
             </a:fld>
             <a:endParaRPr lang="en-US"/>
           </a:p>
@@ -54320,7 +54756,7 @@
           <a:p>
             <a:fld id="{1D8BD707-D9CF-40AE-B4C6-C98DA3205C09}" type="datetimeFigureOut">
               <a:rPr lang="en-US"/>
-              <a:t>1/21/2023</a:t>
+              <a:t>2/14/2023</a:t>
             </a:fld>
             <a:endParaRPr lang="en-US"/>
           </a:p>
@@ -54541,10 +54977,10 @@
       </p:grpSpPr>
       <p:sp>
         <p:nvSpPr>
-          <p:cNvPr id="65" name="object 2">
+          <p:cNvPr id="2" name="object 2">
             <a:extLst>
               <a:ext uri="{FF2B5EF4-FFF2-40B4-BE49-F238E27FC236}">
-                <a16:creationId xmlns:a16="http://schemas.microsoft.com/office/drawing/2014/main" id="{C02EF474-21EE-303B-3F54-7FD002B673D8}"/>
+                <a16:creationId xmlns:a16="http://schemas.microsoft.com/office/drawing/2014/main" id="{F966F08A-451D-514C-1ADC-0680FBDCAD62}"/>
               </a:ext>
             </a:extLst>
           </p:cNvPr>
@@ -54553,8 +54989,8 @@
         </p:nvSpPr>
         <p:spPr>
           <a:xfrm>
-            <a:off x="6711950" y="805681"/>
-            <a:ext cx="2542921" cy="197490"/>
+            <a:off x="6630783" y="774785"/>
+            <a:ext cx="2542921" cy="259045"/>
           </a:xfrm>
           <a:prstGeom prst="rect">
             <a:avLst/>
@@ -54572,58 +55008,22 @@
               </a:spcBef>
             </a:pPr>
             <a:r>
-              <a:rPr lang="en-US" altLang="zh-CN" sz="1200" i="1" kern="0" dirty="0" err="1">
-                <a:latin typeface="Times New Roman" panose="02020603050405020304" pitchFamily="18" charset="0"/>
-                <a:ea typeface="宋体" panose="02010600030101010101" pitchFamily="2" charset="-122"/>
+              <a:rPr lang="en-US" altLang="zh-CN" sz="1600" kern="0" dirty="0">
+                <a:latin typeface="Cambria Math" panose="02040503050406030204" pitchFamily="18" charset="0"/>
+                <a:ea typeface="Cambria Math" panose="02040503050406030204" pitchFamily="18" charset="0"/>
                 <a:cs typeface="Times New Roman" panose="02020603050405020304" pitchFamily="18" charset="0"/>
               </a:rPr>
-              <a:t>AOA_amoA</a:t>
+              <a:t>Nitrification</a:t>
             </a:r>
-            <a:r>
-              <a:rPr lang="en-US" altLang="zh-CN" sz="1200" i="1" kern="0" dirty="0">
-                <a:latin typeface="Times New Roman" panose="02020603050405020304" pitchFamily="18" charset="0"/>
-                <a:ea typeface="宋体" panose="02010600030101010101" pitchFamily="2" charset="-122"/>
-                <a:cs typeface="Times New Roman" panose="02020603050405020304" pitchFamily="18" charset="0"/>
-              </a:rPr>
-              <a:t>, </a:t>
-            </a:r>
-            <a:r>
-              <a:rPr lang="en-US" altLang="zh-CN" sz="1200" i="1" kern="0" dirty="0" err="1">
-                <a:latin typeface="Times New Roman" panose="02020603050405020304" pitchFamily="18" charset="0"/>
-                <a:ea typeface="宋体" panose="02010600030101010101" pitchFamily="2" charset="-122"/>
-                <a:cs typeface="Times New Roman" panose="02020603050405020304" pitchFamily="18" charset="0"/>
-              </a:rPr>
-              <a:t>AOB_amoA</a:t>
-            </a:r>
-            <a:r>
-              <a:rPr lang="en-US" altLang="zh-CN" sz="1200" i="1" kern="0" dirty="0">
-                <a:latin typeface="Times New Roman" panose="02020603050405020304" pitchFamily="18" charset="0"/>
-                <a:ea typeface="宋体" panose="02010600030101010101" pitchFamily="2" charset="-122"/>
-                <a:cs typeface="Times New Roman" panose="02020603050405020304" pitchFamily="18" charset="0"/>
-              </a:rPr>
-              <a:t> and </a:t>
-            </a:r>
-            <a:r>
-              <a:rPr lang="en-US" altLang="zh-CN" sz="1200" i="1" dirty="0" err="1">
-                <a:latin typeface="Times New Roman" panose="02020603050405020304" pitchFamily="18" charset="0"/>
-                <a:ea typeface="宋体" panose="02010600030101010101" pitchFamily="2" charset="-122"/>
-                <a:cs typeface="Times New Roman" panose="02020603050405020304" pitchFamily="18" charset="0"/>
-              </a:rPr>
-              <a:t>nxrA</a:t>
-            </a:r>
-            <a:endParaRPr lang="zh-CN" altLang="en-US" sz="1200" dirty="0">
-              <a:latin typeface="Times New Roman" panose="02020603050405020304" pitchFamily="18" charset="0"/>
-              <a:cs typeface="Times New Roman" panose="02020603050405020304" pitchFamily="18" charset="0"/>
-            </a:endParaRPr>
-          </a:p>
-        </p:txBody>
-      </p:sp>
-      <p:sp>
-        <p:nvSpPr>
-          <p:cNvPr id="66" name="object 3">
+          </a:p>
+        </p:txBody>
+      </p:sp>
+      <p:sp>
+        <p:nvSpPr>
+          <p:cNvPr id="3" name="object 3">
             <a:extLst>
               <a:ext uri="{FF2B5EF4-FFF2-40B4-BE49-F238E27FC236}">
-                <a16:creationId xmlns:a16="http://schemas.microsoft.com/office/drawing/2014/main" id="{FB50720B-1D38-6572-02E3-F41A404D4C83}"/>
+                <a16:creationId xmlns:a16="http://schemas.microsoft.com/office/drawing/2014/main" id="{B7BC8D5E-AE9D-0FF3-D766-7DB302256BC6}"/>
               </a:ext>
             </a:extLst>
           </p:cNvPr>
@@ -54632,8 +55032,8 @@
         </p:nvSpPr>
         <p:spPr>
           <a:xfrm>
-            <a:off x="7702550" y="1873250"/>
-            <a:ext cx="2542921" cy="197490"/>
+            <a:off x="7621383" y="1842354"/>
+            <a:ext cx="2542921" cy="259045"/>
           </a:xfrm>
           <a:prstGeom prst="rect">
             <a:avLst/>
@@ -54651,107 +55051,22 @@
               </a:spcBef>
             </a:pPr>
             <a:r>
-              <a:rPr lang="en-US" altLang="zh-CN" sz="1200" i="1" kern="0" dirty="0" err="1">
-                <a:latin typeface="Times New Roman" panose="02020603050405020304" pitchFamily="18" charset="0"/>
-                <a:ea typeface="宋体" panose="02010600030101010101" pitchFamily="2" charset="-122"/>
+              <a:rPr lang="en-US" altLang="zh-CN" sz="1600" kern="0" dirty="0">
+                <a:latin typeface="Cambria Math" panose="02040503050406030204" pitchFamily="18" charset="0"/>
+                <a:ea typeface="Cambria Math" panose="02040503050406030204" pitchFamily="18" charset="0"/>
                 <a:cs typeface="Times New Roman" panose="02020603050405020304" pitchFamily="18" charset="0"/>
               </a:rPr>
-              <a:t>narG</a:t>
+              <a:t>Denitrification</a:t>
             </a:r>
-            <a:r>
-              <a:rPr lang="en-US" altLang="zh-CN" sz="1200" i="1" kern="0" dirty="0">
-                <a:latin typeface="Times New Roman" panose="02020603050405020304" pitchFamily="18" charset="0"/>
-                <a:ea typeface="宋体" panose="02010600030101010101" pitchFamily="2" charset="-122"/>
-                <a:cs typeface="Times New Roman" panose="02020603050405020304" pitchFamily="18" charset="0"/>
-              </a:rPr>
-              <a:t>, </a:t>
-            </a:r>
-            <a:r>
-              <a:rPr lang="en-US" altLang="zh-CN" sz="1200" i="1" kern="0" dirty="0" err="1">
-                <a:latin typeface="Times New Roman" panose="02020603050405020304" pitchFamily="18" charset="0"/>
-                <a:ea typeface="宋体" panose="02010600030101010101" pitchFamily="2" charset="-122"/>
-                <a:cs typeface="Times New Roman" panose="02020603050405020304" pitchFamily="18" charset="0"/>
-              </a:rPr>
-              <a:t>napA</a:t>
-            </a:r>
-            <a:r>
-              <a:rPr lang="en-US" altLang="zh-CN" sz="1200" i="1" kern="0" dirty="0">
-                <a:latin typeface="Times New Roman" panose="02020603050405020304" pitchFamily="18" charset="0"/>
-                <a:ea typeface="宋体" panose="02010600030101010101" pitchFamily="2" charset="-122"/>
-                <a:cs typeface="Times New Roman" panose="02020603050405020304" pitchFamily="18" charset="0"/>
-              </a:rPr>
-              <a:t>, </a:t>
-            </a:r>
-            <a:r>
-              <a:rPr lang="en-US" altLang="zh-CN" sz="1200" i="1" kern="0" dirty="0" err="1">
-                <a:latin typeface="Times New Roman" panose="02020603050405020304" pitchFamily="18" charset="0"/>
-                <a:ea typeface="宋体" panose="02010600030101010101" pitchFamily="2" charset="-122"/>
-                <a:cs typeface="Times New Roman" panose="02020603050405020304" pitchFamily="18" charset="0"/>
-              </a:rPr>
-              <a:t>nirK</a:t>
-            </a:r>
-            <a:r>
-              <a:rPr lang="en-US" altLang="zh-CN" sz="1200" i="1" kern="0" dirty="0">
-                <a:latin typeface="Times New Roman" panose="02020603050405020304" pitchFamily="18" charset="0"/>
-                <a:ea typeface="宋体" panose="02010600030101010101" pitchFamily="2" charset="-122"/>
-                <a:cs typeface="Times New Roman" panose="02020603050405020304" pitchFamily="18" charset="0"/>
-              </a:rPr>
-              <a:t>, </a:t>
-            </a:r>
-            <a:r>
-              <a:rPr lang="en-US" altLang="zh-CN" sz="1200" i="1" kern="0" dirty="0" err="1">
-                <a:latin typeface="Times New Roman" panose="02020603050405020304" pitchFamily="18" charset="0"/>
-                <a:ea typeface="宋体" panose="02010600030101010101" pitchFamily="2" charset="-122"/>
-                <a:cs typeface="Times New Roman" panose="02020603050405020304" pitchFamily="18" charset="0"/>
-              </a:rPr>
-              <a:t>nirS</a:t>
-            </a:r>
-            <a:r>
-              <a:rPr lang="en-US" altLang="zh-CN" sz="1200" i="1" kern="0" dirty="0">
-                <a:latin typeface="Times New Roman" panose="02020603050405020304" pitchFamily="18" charset="0"/>
-                <a:ea typeface="宋体" panose="02010600030101010101" pitchFamily="2" charset="-122"/>
-                <a:cs typeface="Times New Roman" panose="02020603050405020304" pitchFamily="18" charset="0"/>
-              </a:rPr>
-              <a:t>, </a:t>
-            </a:r>
-            <a:r>
-              <a:rPr lang="en-US" altLang="zh-CN" sz="1200" i="1" kern="0" dirty="0" err="1">
-                <a:latin typeface="Times New Roman" panose="02020603050405020304" pitchFamily="18" charset="0"/>
-                <a:ea typeface="宋体" panose="02010600030101010101" pitchFamily="2" charset="-122"/>
-                <a:cs typeface="Times New Roman" panose="02020603050405020304" pitchFamily="18" charset="0"/>
-              </a:rPr>
-              <a:t>nosZ</a:t>
-            </a:r>
-            <a:r>
-              <a:rPr lang="en-US" altLang="zh-CN" sz="1200" i="1" kern="0" dirty="0">
-                <a:latin typeface="Times New Roman" panose="02020603050405020304" pitchFamily="18" charset="0"/>
-                <a:ea typeface="宋体" panose="02010600030101010101" pitchFamily="2" charset="-122"/>
-                <a:cs typeface="Times New Roman" panose="02020603050405020304" pitchFamily="18" charset="0"/>
-              </a:rPr>
-              <a:t> and </a:t>
-            </a:r>
-            <a:r>
-              <a:rPr lang="en-US" altLang="zh-CN" sz="1200" i="1" kern="0" dirty="0" err="1">
-                <a:latin typeface="Times New Roman" panose="02020603050405020304" pitchFamily="18" charset="0"/>
-                <a:ea typeface="宋体" panose="02010600030101010101" pitchFamily="2" charset="-122"/>
-                <a:cs typeface="Times New Roman" panose="02020603050405020304" pitchFamily="18" charset="0"/>
-              </a:rPr>
-              <a:t>norB</a:t>
-            </a:r>
-            <a:endParaRPr lang="zh-CN" altLang="en-US" sz="1200" i="1" kern="0" dirty="0">
-              <a:latin typeface="Times New Roman" panose="02020603050405020304" pitchFamily="18" charset="0"/>
-              <a:ea typeface="宋体" panose="02010600030101010101" pitchFamily="2" charset="-122"/>
-              <a:cs typeface="Times New Roman" panose="02020603050405020304" pitchFamily="18" charset="0"/>
-            </a:endParaRPr>
-          </a:p>
-        </p:txBody>
-      </p:sp>
-      <p:sp>
-        <p:nvSpPr>
-          <p:cNvPr id="67" name="object 4">
+          </a:p>
+        </p:txBody>
+      </p:sp>
+      <p:sp>
+        <p:nvSpPr>
+          <p:cNvPr id="4" name="object 4">
             <a:extLst>
               <a:ext uri="{FF2B5EF4-FFF2-40B4-BE49-F238E27FC236}">
-                <a16:creationId xmlns:a16="http://schemas.microsoft.com/office/drawing/2014/main" id="{F8C017D6-330B-EBF6-764B-49B17E7723AF}"/>
+                <a16:creationId xmlns:a16="http://schemas.microsoft.com/office/drawing/2014/main" id="{D3FD9873-BA5B-6343-AB08-8C77DA5AB502}"/>
               </a:ext>
             </a:extLst>
           </p:cNvPr>
@@ -54760,8 +55075,8 @@
         </p:nvSpPr>
         <p:spPr>
           <a:xfrm>
-            <a:off x="8693150" y="2940819"/>
-            <a:ext cx="2112772" cy="197490"/>
+            <a:off x="8611983" y="2909923"/>
+            <a:ext cx="2112772" cy="259045"/>
           </a:xfrm>
           <a:prstGeom prst="rect">
             <a:avLst/>
@@ -54779,59 +55094,22 @@
               </a:spcBef>
             </a:pPr>
             <a:r>
-              <a:rPr lang="en-US" altLang="zh-CN" sz="1200" i="1" kern="0" dirty="0" err="1">
-                <a:latin typeface="Times New Roman" panose="02020603050405020304" pitchFamily="18" charset="0"/>
-                <a:ea typeface="宋体" panose="02010600030101010101" pitchFamily="2" charset="-122"/>
+              <a:rPr lang="en-US" altLang="zh-CN" sz="1600" kern="0" dirty="0">
+                <a:latin typeface="Cambria Math" panose="02040503050406030204" pitchFamily="18" charset="0"/>
+                <a:ea typeface="Cambria Math" panose="02040503050406030204" pitchFamily="18" charset="0"/>
                 <a:cs typeface="Times New Roman" panose="02020603050405020304" pitchFamily="18" charset="0"/>
               </a:rPr>
-              <a:t>hzsA</a:t>
+              <a:t>ANAMMOX</a:t>
             </a:r>
-            <a:r>
-              <a:rPr lang="en-US" altLang="zh-CN" sz="1200" i="1" kern="0" dirty="0">
-                <a:latin typeface="Times New Roman" panose="02020603050405020304" pitchFamily="18" charset="0"/>
-                <a:ea typeface="宋体" panose="02010600030101010101" pitchFamily="2" charset="-122"/>
-                <a:cs typeface="Times New Roman" panose="02020603050405020304" pitchFamily="18" charset="0"/>
-              </a:rPr>
-              <a:t>, </a:t>
-            </a:r>
-            <a:r>
-              <a:rPr lang="en-US" altLang="zh-CN" sz="1200" i="1" kern="0" dirty="0" err="1">
-                <a:latin typeface="Times New Roman" panose="02020603050405020304" pitchFamily="18" charset="0"/>
-                <a:ea typeface="宋体" panose="02010600030101010101" pitchFamily="2" charset="-122"/>
-                <a:cs typeface="Times New Roman" panose="02020603050405020304" pitchFamily="18" charset="0"/>
-              </a:rPr>
-              <a:t>hzsB</a:t>
-            </a:r>
-            <a:r>
-              <a:rPr lang="en-US" altLang="zh-CN" sz="1200" i="1" kern="0" dirty="0">
-                <a:latin typeface="Times New Roman" panose="02020603050405020304" pitchFamily="18" charset="0"/>
-                <a:ea typeface="宋体" panose="02010600030101010101" pitchFamily="2" charset="-122"/>
-                <a:cs typeface="Times New Roman" panose="02020603050405020304" pitchFamily="18" charset="0"/>
-              </a:rPr>
-              <a:t> and </a:t>
-            </a:r>
-            <a:r>
-              <a:rPr lang="en-US" altLang="zh-CN" sz="1200" i="1" kern="0" dirty="0" err="1">
-                <a:latin typeface="Times New Roman" panose="02020603050405020304" pitchFamily="18" charset="0"/>
-                <a:ea typeface="宋体" panose="02010600030101010101" pitchFamily="2" charset="-122"/>
-                <a:cs typeface="Times New Roman" panose="02020603050405020304" pitchFamily="18" charset="0"/>
-              </a:rPr>
-              <a:t>hzo</a:t>
-            </a:r>
-            <a:endParaRPr lang="zh-CN" altLang="en-US" sz="1200" i="1" kern="0" dirty="0">
-              <a:latin typeface="Times New Roman" panose="02020603050405020304" pitchFamily="18" charset="0"/>
-              <a:ea typeface="宋体" panose="02010600030101010101" pitchFamily="2" charset="-122"/>
-              <a:cs typeface="Times New Roman" panose="02020603050405020304" pitchFamily="18" charset="0"/>
-            </a:endParaRPr>
-          </a:p>
-        </p:txBody>
-      </p:sp>
-      <p:sp>
-        <p:nvSpPr>
-          <p:cNvPr id="68" name="object 5">
+          </a:p>
+        </p:txBody>
+      </p:sp>
+      <p:sp>
+        <p:nvSpPr>
+          <p:cNvPr id="5" name="object 5">
             <a:extLst>
               <a:ext uri="{FF2B5EF4-FFF2-40B4-BE49-F238E27FC236}">
-                <a16:creationId xmlns:a16="http://schemas.microsoft.com/office/drawing/2014/main" id="{90A31B6B-D041-E570-D92F-123D5F9B42B1}"/>
+                <a16:creationId xmlns:a16="http://schemas.microsoft.com/office/drawing/2014/main" id="{66B6BB5E-4484-997E-8D99-84AC4912035A}"/>
               </a:ext>
             </a:extLst>
           </p:cNvPr>
@@ -54840,8 +55118,8 @@
         </p:nvSpPr>
         <p:spPr>
           <a:xfrm>
-            <a:off x="9683750" y="4003573"/>
-            <a:ext cx="499745" cy="197490"/>
+            <a:off x="9587995" y="3868067"/>
+            <a:ext cx="1005975" cy="505267"/>
           </a:xfrm>
           <a:prstGeom prst="rect">
             <a:avLst/>
@@ -54859,250 +55137,22 @@
               </a:spcBef>
             </a:pPr>
             <a:r>
-              <a:rPr lang="en-US" altLang="zh-CN" sz="1200" i="1" kern="0" dirty="0" err="1">
-                <a:latin typeface="Times New Roman" panose="02020603050405020304" pitchFamily="18" charset="0"/>
-                <a:ea typeface="宋体" panose="02010600030101010101" pitchFamily="2" charset="-122"/>
+              <a:rPr lang="en-US" altLang="zh-CN" sz="1600" kern="0" dirty="0">
+                <a:latin typeface="Cambria Math" panose="02040503050406030204" pitchFamily="18" charset="0"/>
+                <a:ea typeface="Cambria Math" panose="02040503050406030204" pitchFamily="18" charset="0"/>
                 <a:cs typeface="Times New Roman" panose="02020603050405020304" pitchFamily="18" charset="0"/>
               </a:rPr>
-              <a:t>nifH</a:t>
+              <a:t>Nitrogen Fixation</a:t>
             </a:r>
-            <a:endParaRPr sz="1200" i="1" kern="0" dirty="0">
-              <a:latin typeface="Times New Roman" panose="02020603050405020304" pitchFamily="18" charset="0"/>
-              <a:ea typeface="宋体" panose="02010600030101010101" pitchFamily="2" charset="-122"/>
-              <a:cs typeface="Times New Roman" panose="02020603050405020304" pitchFamily="18" charset="0"/>
-            </a:endParaRPr>
-          </a:p>
-        </p:txBody>
-      </p:sp>
-      <mc:AlternateContent xmlns:mc="http://schemas.openxmlformats.org/markup-compatibility/2006">
-        <mc:Choice xmlns:a14="http://schemas.microsoft.com/office/drawing/2010/main" Requires="a14">
-          <p:sp>
-            <p:nvSpPr>
-              <p:cNvPr id="69" name="文本框 68">
-                <a:extLst>
-                  <a:ext uri="{FF2B5EF4-FFF2-40B4-BE49-F238E27FC236}">
-                    <a16:creationId xmlns:a16="http://schemas.microsoft.com/office/drawing/2014/main" id="{4C563420-7C20-BCCE-C22F-8492F0391A0D}"/>
-                  </a:ext>
-                </a:extLst>
-              </p:cNvPr>
-              <p:cNvSpPr txBox="1"/>
-              <p:nvPr/>
-            </p:nvSpPr>
-            <p:spPr>
-              <a:xfrm>
-                <a:off x="2278838" y="438954"/>
-                <a:ext cx="237502" cy="166712"/>
-              </a:xfrm>
-              <a:prstGeom prst="rect">
-                <a:avLst/>
-              </a:prstGeom>
-            </p:spPr>
-            <p:txBody>
-              <a:bodyPr vert="horz" wrap="square" lIns="0" tIns="12700" rIns="0" bIns="0" rtlCol="0">
-                <a:spAutoFit/>
-              </a:bodyPr>
-              <a:lstStyle>
-                <a:defPPr>
-                  <a:defRPr lang="zh-CN"/>
-                </a:defPPr>
-                <a:lvl1pPr marL="12700">
-                  <a:lnSpc>
-                    <a:spcPct val="100000"/>
-                  </a:lnSpc>
-                  <a:spcBef>
-                    <a:spcPts val="100"/>
-                  </a:spcBef>
-                  <a:defRPr sz="1100" i="1">
-                    <a:latin typeface="Times New Roman" panose="02020603050405020304" pitchFamily="18" charset="0"/>
-                    <a:cs typeface="Times New Roman" panose="02020603050405020304" pitchFamily="18" charset="0"/>
-                  </a:defRPr>
-                </a:lvl1pPr>
-              </a:lstStyle>
-              <a:p>
-                <a:pPr/>
-                <a14:m>
-                  <m:oMathPara xmlns:m="http://schemas.openxmlformats.org/officeDocument/2006/math">
-                    <m:oMathParaPr>
-                      <m:jc m:val="centerGroup"/>
-                    </m:oMathParaPr>
-                    <m:oMath xmlns:m="http://schemas.openxmlformats.org/officeDocument/2006/math">
-                      <m:r>
-                        <a:rPr lang="en-US" altLang="zh-CN" sz="1000">
-                          <a:latin typeface="Cambria Math" panose="02040503050406030204" pitchFamily="18" charset="0"/>
-                        </a:rPr>
-                        <m:t>𝑇𝑁</m:t>
-                      </m:r>
-                    </m:oMath>
-                  </m:oMathPara>
-                </a14:m>
-                <a:endParaRPr lang="zh-CN" altLang="en-US" sz="1000" dirty="0"/>
-              </a:p>
-            </p:txBody>
-          </p:sp>
-        </mc:Choice>
-        <mc:Fallback>
-          <p:sp>
-            <p:nvSpPr>
-              <p:cNvPr id="69" name="文本框 68">
-                <a:extLst>
-                  <a:ext uri="{FF2B5EF4-FFF2-40B4-BE49-F238E27FC236}">
-                    <a16:creationId xmlns:a16="http://schemas.microsoft.com/office/drawing/2014/main" id="{4C563420-7C20-BCCE-C22F-8492F0391A0D}"/>
-                  </a:ext>
-                </a:extLst>
-              </p:cNvPr>
-              <p:cNvSpPr txBox="1">
-                <a:spLocks noRot="1" noChangeAspect="1" noMove="1" noResize="1" noEditPoints="1" noAdjustHandles="1" noChangeArrowheads="1" noChangeShapeType="1" noTextEdit="1"/>
-              </p:cNvSpPr>
-              <p:nvPr/>
-            </p:nvSpPr>
-            <p:spPr>
-              <a:xfrm>
-                <a:off x="2278838" y="438954"/>
-                <a:ext cx="237502" cy="166712"/>
-              </a:xfrm>
-              <a:prstGeom prst="rect">
-                <a:avLst/>
-              </a:prstGeom>
-              <a:blipFill>
-                <a:blip r:embed="rId2"/>
-                <a:stretch>
-                  <a:fillRect l="-10256" b="-11111"/>
-                </a:stretch>
-              </a:blipFill>
-            </p:spPr>
-            <p:txBody>
-              <a:bodyPr/>
-              <a:lstStyle/>
-              <a:p>
-                <a:r>
-                  <a:rPr lang="zh-CN" altLang="en-US">
-                    <a:noFill/>
-                  </a:rPr>
-                  <a:t> </a:t>
-                </a:r>
-              </a:p>
-            </p:txBody>
-          </p:sp>
-        </mc:Fallback>
-      </mc:AlternateContent>
-      <mc:AlternateContent xmlns:mc="http://schemas.openxmlformats.org/markup-compatibility/2006">
-        <mc:Choice xmlns:a14="http://schemas.microsoft.com/office/drawing/2010/main" Requires="a14">
-          <p:sp>
-            <p:nvSpPr>
-              <p:cNvPr id="70" name="文本框 69">
-                <a:extLst>
-                  <a:ext uri="{FF2B5EF4-FFF2-40B4-BE49-F238E27FC236}">
-                    <a16:creationId xmlns:a16="http://schemas.microsoft.com/office/drawing/2014/main" id="{DE4CFEE7-5D5C-A175-1A64-00F749DF323C}"/>
-                  </a:ext>
-                </a:extLst>
-              </p:cNvPr>
-              <p:cNvSpPr txBox="1"/>
-              <p:nvPr/>
-            </p:nvSpPr>
-            <p:spPr>
-              <a:xfrm>
-                <a:off x="2309110" y="654050"/>
-                <a:ext cx="271894" cy="166712"/>
-              </a:xfrm>
-              <a:prstGeom prst="rect">
-                <a:avLst/>
-              </a:prstGeom>
-            </p:spPr>
-            <p:txBody>
-              <a:bodyPr vert="horz" wrap="square" lIns="0" tIns="12700" rIns="0" bIns="0" rtlCol="0">
-                <a:spAutoFit/>
-              </a:bodyPr>
-              <a:lstStyle>
-                <a:defPPr>
-                  <a:defRPr lang="zh-CN"/>
-                </a:defPPr>
-                <a:lvl1pPr marL="12700">
-                  <a:lnSpc>
-                    <a:spcPct val="100000"/>
-                  </a:lnSpc>
-                  <a:spcBef>
-                    <a:spcPts val="100"/>
-                  </a:spcBef>
-                  <a:defRPr sz="1100" i="1">
-                    <a:latin typeface="Times New Roman" panose="02020603050405020304" pitchFamily="18" charset="0"/>
-                    <a:cs typeface="Times New Roman" panose="02020603050405020304" pitchFamily="18" charset="0"/>
-                  </a:defRPr>
-                </a:lvl1pPr>
-              </a:lstStyle>
-              <a:p>
-                <a14:m>
-                  <m:oMath xmlns:m="http://schemas.openxmlformats.org/officeDocument/2006/math">
-                    <m:r>
-                      <m:rPr>
-                        <m:sty m:val="p"/>
-                      </m:rPr>
-                      <a:rPr lang="en-US" altLang="zh-CN" sz="1000" i="0">
-                        <a:latin typeface="Cambria Math" panose="02040503050406030204" pitchFamily="18" charset="0"/>
-                      </a:rPr>
-                      <m:t>T</m:t>
-                    </m:r>
-                  </m:oMath>
-                </a14:m>
-                <a:r>
-                  <a:rPr lang="en-US" altLang="zh-CN" sz="1000" i="0" dirty="0"/>
-                  <a:t>P</a:t>
-                </a:r>
-                <a:endParaRPr lang="zh-CN" altLang="en-US" sz="1000" i="0" dirty="0"/>
-              </a:p>
-            </p:txBody>
-          </p:sp>
-        </mc:Choice>
-        <mc:Fallback>
-          <p:sp>
-            <p:nvSpPr>
-              <p:cNvPr id="70" name="文本框 69">
-                <a:extLst>
-                  <a:ext uri="{FF2B5EF4-FFF2-40B4-BE49-F238E27FC236}">
-                    <a16:creationId xmlns:a16="http://schemas.microsoft.com/office/drawing/2014/main" id="{DE4CFEE7-5D5C-A175-1A64-00F749DF323C}"/>
-                  </a:ext>
-                </a:extLst>
-              </p:cNvPr>
-              <p:cNvSpPr txBox="1">
-                <a:spLocks noRot="1" noChangeAspect="1" noMove="1" noResize="1" noEditPoints="1" noAdjustHandles="1" noChangeArrowheads="1" noChangeShapeType="1" noTextEdit="1"/>
-              </p:cNvSpPr>
-              <p:nvPr/>
-            </p:nvSpPr>
-            <p:spPr>
-              <a:xfrm>
-                <a:off x="2309110" y="654050"/>
-                <a:ext cx="271894" cy="166712"/>
-              </a:xfrm>
-              <a:prstGeom prst="rect">
-                <a:avLst/>
-              </a:prstGeom>
-              <a:blipFill>
-                <a:blip r:embed="rId3"/>
-                <a:stretch>
-                  <a:fillRect l="-13636" t="-14286" b="-42857"/>
-                </a:stretch>
-              </a:blipFill>
-            </p:spPr>
-            <p:txBody>
-              <a:bodyPr/>
-              <a:lstStyle/>
-              <a:p>
-                <a:r>
-                  <a:rPr lang="zh-CN" altLang="en-US">
-                    <a:noFill/>
-                  </a:rPr>
-                  <a:t> </a:t>
-                </a:r>
-              </a:p>
-            </p:txBody>
-          </p:sp>
-        </mc:Fallback>
-      </mc:AlternateContent>
-      <p:sp>
-        <p:nvSpPr>
-          <p:cNvPr id="71" name="文本框 70">
+          </a:p>
+        </p:txBody>
+      </p:sp>
+      <p:sp>
+        <p:nvSpPr>
+          <p:cNvPr id="6" name="文本框 5">
             <a:extLst>
               <a:ext uri="{FF2B5EF4-FFF2-40B4-BE49-F238E27FC236}">
-                <a16:creationId xmlns:a16="http://schemas.microsoft.com/office/drawing/2014/main" id="{430208DA-5004-3D1F-85B4-D20BF3EE4AAA}"/>
+                <a16:creationId xmlns:a16="http://schemas.microsoft.com/office/drawing/2014/main" id="{353C177E-B237-0906-5CE1-0DF7936AE262}"/>
               </a:ext>
             </a:extLst>
           </p:cNvPr>
@@ -55111,8 +55161,8 @@
         </p:nvSpPr>
         <p:spPr>
           <a:xfrm>
-            <a:off x="1934721" y="882650"/>
-            <a:ext cx="884646" cy="166712"/>
+            <a:off x="2266344" y="416552"/>
+            <a:ext cx="285455" cy="259045"/>
           </a:xfrm>
           <a:prstGeom prst="rect">
             <a:avLst/>
@@ -55141,57 +55191,24 @@
           </a:lstStyle>
           <a:p>
             <a:r>
-              <a:rPr lang="en-US" altLang="zh-CN" sz="1000" i="0" dirty="0"/>
-              <a:t>Size-d(0.1)</a:t>
+              <a:rPr lang="en-US" altLang="zh-CN" sz="1600" i="0" dirty="0">
+                <a:latin typeface="Cambria Math" panose="02040503050406030204" pitchFamily="18" charset="0"/>
+                <a:ea typeface="Cambria Math" panose="02040503050406030204" pitchFamily="18" charset="0"/>
+              </a:rPr>
+              <a:t>TN</a:t>
             </a:r>
-            <a:endParaRPr lang="zh-CN" altLang="en-US" sz="1000" i="0" dirty="0"/>
-          </a:p>
-        </p:txBody>
-      </p:sp>
-      <p:cxnSp>
-        <p:nvCxnSpPr>
-          <p:cNvPr id="72" name="直接连接符 71">
+            <a:endParaRPr lang="zh-CN" altLang="en-US" sz="1600" i="0" dirty="0">
+              <a:latin typeface="Cambria Math" panose="02040503050406030204" pitchFamily="18" charset="0"/>
+            </a:endParaRPr>
+          </a:p>
+        </p:txBody>
+      </p:sp>
+      <p:sp>
+        <p:nvSpPr>
+          <p:cNvPr id="7" name="文本框 6">
             <a:extLst>
               <a:ext uri="{FF2B5EF4-FFF2-40B4-BE49-F238E27FC236}">
-                <a16:creationId xmlns:a16="http://schemas.microsoft.com/office/drawing/2014/main" id="{15FBDB81-FE20-0579-BA77-7EE8DAEABC1F}"/>
-              </a:ext>
-            </a:extLst>
-          </p:cNvPr>
-          <p:cNvCxnSpPr>
-            <a:cxnSpLocks/>
-          </p:cNvCxnSpPr>
-          <p:nvPr/>
-        </p:nvCxnSpPr>
-        <p:spPr>
-          <a:xfrm>
-            <a:off x="1361803" y="413180"/>
-            <a:ext cx="0" cy="3351214"/>
-          </a:xfrm>
-          <a:prstGeom prst="line">
-            <a:avLst/>
-          </a:prstGeom>
-        </p:spPr>
-        <p:style>
-          <a:lnRef idx="1">
-            <a:schemeClr val="dk1"/>
-          </a:lnRef>
-          <a:fillRef idx="0">
-            <a:schemeClr val="dk1"/>
-          </a:fillRef>
-          <a:effectRef idx="0">
-            <a:schemeClr val="dk1"/>
-          </a:effectRef>
-          <a:fontRef idx="minor">
-            <a:schemeClr val="tx1"/>
-          </a:fontRef>
-        </p:style>
-      </p:cxnSp>
-      <p:sp>
-        <p:nvSpPr>
-          <p:cNvPr id="73" name="文本框 72">
-            <a:extLst>
-              <a:ext uri="{FF2B5EF4-FFF2-40B4-BE49-F238E27FC236}">
-                <a16:creationId xmlns:a16="http://schemas.microsoft.com/office/drawing/2014/main" id="{A79589D1-025F-F813-2C0A-5E83C53D2B87}"/>
+                <a16:creationId xmlns:a16="http://schemas.microsoft.com/office/drawing/2014/main" id="{0625C4B6-95FC-137A-6E20-6D9002E1B780}"/>
               </a:ext>
             </a:extLst>
           </p:cNvPr>
@@ -55200,8 +55217,8 @@
         </p:nvSpPr>
         <p:spPr>
           <a:xfrm>
-            <a:off x="752203" y="2050536"/>
-            <a:ext cx="543751" cy="166712"/>
+            <a:off x="2295549" y="651349"/>
+            <a:ext cx="285455" cy="259045"/>
           </a:xfrm>
           <a:prstGeom prst="rect">
             <a:avLst/>
@@ -55230,19 +55247,24 @@
           </a:lstStyle>
           <a:p>
             <a:r>
-              <a:rPr lang="en-US" altLang="zh-CN" sz="1000" i="0" dirty="0"/>
-              <a:t>Sediment</a:t>
+              <a:rPr lang="en-US" altLang="zh-CN" sz="1600" i="0" dirty="0">
+                <a:latin typeface="Cambria Math" panose="02040503050406030204" pitchFamily="18" charset="0"/>
+                <a:ea typeface="Cambria Math" panose="02040503050406030204" pitchFamily="18" charset="0"/>
+              </a:rPr>
+              <a:t>TP</a:t>
             </a:r>
-            <a:endParaRPr lang="zh-CN" altLang="en-US" sz="1000" i="0" dirty="0"/>
-          </a:p>
-        </p:txBody>
-      </p:sp>
-      <p:sp>
-        <p:nvSpPr>
-          <p:cNvPr id="74" name="文本框 73">
+            <a:endParaRPr lang="zh-CN" altLang="en-US" sz="1600" i="0" dirty="0">
+              <a:latin typeface="Cambria Math" panose="02040503050406030204" pitchFamily="18" charset="0"/>
+            </a:endParaRPr>
+          </a:p>
+        </p:txBody>
+      </p:sp>
+      <p:sp>
+        <p:nvSpPr>
+          <p:cNvPr id="8" name="文本框 7">
             <a:extLst>
               <a:ext uri="{FF2B5EF4-FFF2-40B4-BE49-F238E27FC236}">
-                <a16:creationId xmlns:a16="http://schemas.microsoft.com/office/drawing/2014/main" id="{9328DE36-3E78-AE73-4A83-00E70A9EFEAE}"/>
+                <a16:creationId xmlns:a16="http://schemas.microsoft.com/office/drawing/2014/main" id="{1601A932-BB30-3AF2-AF7F-2013D9F8F952}"/>
               </a:ext>
             </a:extLst>
           </p:cNvPr>
@@ -55251,8 +55273,8 @@
         </p:nvSpPr>
         <p:spPr>
           <a:xfrm>
-            <a:off x="1934721" y="1147584"/>
-            <a:ext cx="884646" cy="166712"/>
+            <a:off x="2252968" y="840393"/>
+            <a:ext cx="302233" cy="259045"/>
           </a:xfrm>
           <a:prstGeom prst="rect">
             <a:avLst/>
@@ -55280,20 +55302,71 @@
             </a:lvl1pPr>
           </a:lstStyle>
           <a:p>
+            <a:pPr algn="r"/>
             <a:r>
-              <a:rPr lang="en-US" altLang="zh-CN" sz="1000" i="0" dirty="0"/>
-              <a:t>Size-d(0.5)</a:t>
+              <a:rPr lang="en-US" altLang="zh-CN" sz="1600" i="0" dirty="0">
+                <a:latin typeface="Cambria Math" panose="02040503050406030204" pitchFamily="18" charset="0"/>
+                <a:ea typeface="Cambria Math" panose="02040503050406030204" pitchFamily="18" charset="0"/>
+              </a:rPr>
+              <a:t>d</a:t>
             </a:r>
-            <a:endParaRPr lang="zh-CN" altLang="en-US" sz="1000" i="0" dirty="0"/>
-          </a:p>
-        </p:txBody>
-      </p:sp>
-      <p:sp>
-        <p:nvSpPr>
-          <p:cNvPr id="75" name="文本框 74">
+            <a:r>
+              <a:rPr lang="en-US" altLang="zh-CN" sz="1600" i="0" baseline="-25000" dirty="0">
+                <a:latin typeface="Cambria Math" panose="02040503050406030204" pitchFamily="18" charset="0"/>
+                <a:ea typeface="Cambria Math" panose="02040503050406030204" pitchFamily="18" charset="0"/>
+              </a:rPr>
+              <a:t>0.1</a:t>
+            </a:r>
+            <a:endParaRPr lang="zh-CN" altLang="en-US" sz="1600" i="0" dirty="0">
+              <a:latin typeface="Cambria Math" panose="02040503050406030204" pitchFamily="18" charset="0"/>
+            </a:endParaRPr>
+          </a:p>
+        </p:txBody>
+      </p:sp>
+      <p:cxnSp>
+        <p:nvCxnSpPr>
+          <p:cNvPr id="9" name="直接连接符 8">
             <a:extLst>
               <a:ext uri="{FF2B5EF4-FFF2-40B4-BE49-F238E27FC236}">
-                <a16:creationId xmlns:a16="http://schemas.microsoft.com/office/drawing/2014/main" id="{52016BEE-6AB8-C312-5F9F-4185701341C7}"/>
+                <a16:creationId xmlns:a16="http://schemas.microsoft.com/office/drawing/2014/main" id="{A9C496F3-AA6D-50D6-9238-B0EB7B37A653}"/>
+              </a:ext>
+            </a:extLst>
+          </p:cNvPr>
+          <p:cNvCxnSpPr>
+            <a:cxnSpLocks/>
+          </p:cNvCxnSpPr>
+          <p:nvPr/>
+        </p:nvCxnSpPr>
+        <p:spPr>
+          <a:xfrm>
+            <a:off x="1361803" y="413180"/>
+            <a:ext cx="0" cy="3351214"/>
+          </a:xfrm>
+          <a:prstGeom prst="line">
+            <a:avLst/>
+          </a:prstGeom>
+        </p:spPr>
+        <p:style>
+          <a:lnRef idx="1">
+            <a:schemeClr val="dk1"/>
+          </a:lnRef>
+          <a:fillRef idx="0">
+            <a:schemeClr val="dk1"/>
+          </a:fillRef>
+          <a:effectRef idx="0">
+            <a:schemeClr val="dk1"/>
+          </a:effectRef>
+          <a:fontRef idx="minor">
+            <a:schemeClr val="tx1"/>
+          </a:fontRef>
+        </p:style>
+      </p:cxnSp>
+      <p:sp>
+        <p:nvSpPr>
+          <p:cNvPr id="10" name="文本框 9">
+            <a:extLst>
+              <a:ext uri="{FF2B5EF4-FFF2-40B4-BE49-F238E27FC236}">
+                <a16:creationId xmlns:a16="http://schemas.microsoft.com/office/drawing/2014/main" id="{0802E90A-C9B9-8E50-DB13-183B8B8DE7CB}"/>
               </a:ext>
             </a:extLst>
           </p:cNvPr>
@@ -55302,8 +55375,8 @@
         </p:nvSpPr>
         <p:spPr>
           <a:xfrm>
-            <a:off x="1934721" y="1378563"/>
-            <a:ext cx="884646" cy="166712"/>
+            <a:off x="426580" y="1959265"/>
+            <a:ext cx="865406" cy="259045"/>
           </a:xfrm>
           <a:prstGeom prst="rect">
             <a:avLst/>
@@ -55332,19 +55405,24 @@
           </a:lstStyle>
           <a:p>
             <a:r>
-              <a:rPr lang="en-US" altLang="zh-CN" sz="1000" i="0" dirty="0"/>
-              <a:t>Size-d(0.9)</a:t>
+              <a:rPr lang="en-US" altLang="zh-CN" sz="1600" i="0" dirty="0">
+                <a:latin typeface="Cambria Math" panose="02040503050406030204" pitchFamily="18" charset="0"/>
+                <a:ea typeface="Cambria Math" panose="02040503050406030204" pitchFamily="18" charset="0"/>
+              </a:rPr>
+              <a:t>Sediment</a:t>
             </a:r>
-            <a:endParaRPr lang="zh-CN" altLang="en-US" sz="1000" i="0" dirty="0"/>
-          </a:p>
-        </p:txBody>
-      </p:sp>
-      <p:sp>
-        <p:nvSpPr>
-          <p:cNvPr id="76" name="文本框 75">
+            <a:endParaRPr lang="zh-CN" altLang="en-US" sz="1600" i="0" dirty="0">
+              <a:latin typeface="Cambria Math" panose="02040503050406030204" pitchFamily="18" charset="0"/>
+            </a:endParaRPr>
+          </a:p>
+        </p:txBody>
+      </p:sp>
+      <p:sp>
+        <p:nvSpPr>
+          <p:cNvPr id="11" name="文本框 10">
             <a:extLst>
               <a:ext uri="{FF2B5EF4-FFF2-40B4-BE49-F238E27FC236}">
-                <a16:creationId xmlns:a16="http://schemas.microsoft.com/office/drawing/2014/main" id="{465B0752-7910-6AA0-24D3-9939D38811DE}"/>
+                <a16:creationId xmlns:a16="http://schemas.microsoft.com/office/drawing/2014/main" id="{FCD38DB0-ACA5-D8D3-E9C3-416E4D10969B}"/>
               </a:ext>
             </a:extLst>
           </p:cNvPr>
@@ -55353,8 +55431,8 @@
         </p:nvSpPr>
         <p:spPr>
           <a:xfrm>
-            <a:off x="1442314" y="1603114"/>
-            <a:ext cx="1050448" cy="166712"/>
+            <a:off x="1660503" y="1067596"/>
+            <a:ext cx="884646" cy="259045"/>
           </a:xfrm>
           <a:prstGeom prst="rect">
             <a:avLst/>
@@ -55382,20 +55460,33 @@
             </a:lvl1pPr>
           </a:lstStyle>
           <a:p>
+            <a:pPr algn="r"/>
             <a:r>
-              <a:rPr lang="en-US" altLang="zh-CN" sz="1000" i="0" dirty="0"/>
-              <a:t>Size-d[(0.9-0.1)/0.5]</a:t>
+              <a:rPr lang="en-US" altLang="zh-CN" sz="1600" i="0" dirty="0">
+                <a:latin typeface="Cambria Math" panose="02040503050406030204" pitchFamily="18" charset="0"/>
+                <a:ea typeface="Cambria Math" panose="02040503050406030204" pitchFamily="18" charset="0"/>
+              </a:rPr>
+              <a:t>d</a:t>
             </a:r>
-            <a:endParaRPr lang="zh-CN" altLang="en-US" sz="1000" i="0" dirty="0"/>
-          </a:p>
-        </p:txBody>
-      </p:sp>
-      <p:sp>
-        <p:nvSpPr>
-          <p:cNvPr id="77" name="文本框 76">
+            <a:r>
+              <a:rPr lang="en-US" altLang="zh-CN" sz="1600" i="0" baseline="-25000" dirty="0">
+                <a:latin typeface="Cambria Math" panose="02040503050406030204" pitchFamily="18" charset="0"/>
+                <a:ea typeface="Cambria Math" panose="02040503050406030204" pitchFamily="18" charset="0"/>
+              </a:rPr>
+              <a:t>0.5</a:t>
+            </a:r>
+            <a:endParaRPr lang="zh-CN" altLang="en-US" sz="1600" i="0" dirty="0">
+              <a:latin typeface="Cambria Math" panose="02040503050406030204" pitchFamily="18" charset="0"/>
+            </a:endParaRPr>
+          </a:p>
+        </p:txBody>
+      </p:sp>
+      <p:sp>
+        <p:nvSpPr>
+          <p:cNvPr id="12" name="文本框 11">
             <a:extLst>
               <a:ext uri="{FF2B5EF4-FFF2-40B4-BE49-F238E27FC236}">
-                <a16:creationId xmlns:a16="http://schemas.microsoft.com/office/drawing/2014/main" id="{8DDE2FFD-2929-63B1-B990-1E89079E9F6F}"/>
+                <a16:creationId xmlns:a16="http://schemas.microsoft.com/office/drawing/2014/main" id="{1CDC1516-3D4A-3C5E-864A-BE651ACE5BF0}"/>
               </a:ext>
             </a:extLst>
           </p:cNvPr>
@@ -55404,8 +55495,8 @@
         </p:nvSpPr>
         <p:spPr>
           <a:xfrm>
-            <a:off x="2352404" y="1837466"/>
-            <a:ext cx="178686" cy="166712"/>
+            <a:off x="1657275" y="1304629"/>
+            <a:ext cx="884646" cy="259045"/>
           </a:xfrm>
           <a:prstGeom prst="rect">
             <a:avLst/>
@@ -55433,20 +55524,33 @@
             </a:lvl1pPr>
           </a:lstStyle>
           <a:p>
+            <a:pPr algn="r"/>
             <a:r>
-              <a:rPr lang="en-US" altLang="zh-CN" sz="1000" i="0" dirty="0"/>
-              <a:t>FI</a:t>
+              <a:rPr lang="en-US" altLang="zh-CN" sz="1600" i="0" dirty="0">
+                <a:latin typeface="Cambria Math" panose="02040503050406030204" pitchFamily="18" charset="0"/>
+                <a:ea typeface="Cambria Math" panose="02040503050406030204" pitchFamily="18" charset="0"/>
+              </a:rPr>
+              <a:t>d</a:t>
             </a:r>
-            <a:endParaRPr lang="zh-CN" altLang="en-US" sz="1000" i="0" dirty="0"/>
-          </a:p>
-        </p:txBody>
-      </p:sp>
-      <p:sp>
-        <p:nvSpPr>
-          <p:cNvPr id="78" name="文本框 77">
+            <a:r>
+              <a:rPr lang="en-US" altLang="zh-CN" sz="1600" i="0" baseline="-25000" dirty="0">
+                <a:latin typeface="Cambria Math" panose="02040503050406030204" pitchFamily="18" charset="0"/>
+                <a:ea typeface="Cambria Math" panose="02040503050406030204" pitchFamily="18" charset="0"/>
+              </a:rPr>
+              <a:t>0.9</a:t>
+            </a:r>
+            <a:endParaRPr lang="zh-CN" altLang="en-US" sz="1600" i="0" dirty="0">
+              <a:latin typeface="Cambria Math" panose="02040503050406030204" pitchFamily="18" charset="0"/>
+            </a:endParaRPr>
+          </a:p>
+        </p:txBody>
+      </p:sp>
+      <p:sp>
+        <p:nvSpPr>
+          <p:cNvPr id="13" name="文本框 12">
             <a:extLst>
               <a:ext uri="{FF2B5EF4-FFF2-40B4-BE49-F238E27FC236}">
-                <a16:creationId xmlns:a16="http://schemas.microsoft.com/office/drawing/2014/main" id="{5AC322CE-F0C5-AFE2-716E-63749EEC5650}"/>
+                <a16:creationId xmlns:a16="http://schemas.microsoft.com/office/drawing/2014/main" id="{64252080-30D1-9EA8-F8CC-E276D2424F47}"/>
               </a:ext>
             </a:extLst>
           </p:cNvPr>
@@ -55455,8 +55559,8 @@
         </p:nvSpPr>
         <p:spPr>
           <a:xfrm>
-            <a:off x="2248611" y="2053669"/>
-            <a:ext cx="266761" cy="166712"/>
+            <a:off x="1225552" y="1548019"/>
+            <a:ext cx="1348777" cy="259045"/>
           </a:xfrm>
           <a:prstGeom prst="rect">
             <a:avLst/>
@@ -55484,20 +55588,61 @@
             </a:lvl1pPr>
           </a:lstStyle>
           <a:p>
+            <a:pPr algn="r"/>
             <a:r>
-              <a:rPr lang="en-US" altLang="zh-CN" sz="1000" i="0" dirty="0"/>
-              <a:t>BIX</a:t>
+              <a:rPr lang="en-US" altLang="zh-CN" sz="1600" i="0" dirty="0">
+                <a:latin typeface="Cambria Math" panose="02040503050406030204" pitchFamily="18" charset="0"/>
+                <a:ea typeface="Cambria Math" panose="02040503050406030204" pitchFamily="18" charset="0"/>
+              </a:rPr>
+              <a:t>(d</a:t>
             </a:r>
-            <a:endParaRPr lang="zh-CN" altLang="en-US" sz="1000" i="0" dirty="0"/>
-          </a:p>
-        </p:txBody>
-      </p:sp>
-      <p:sp>
-        <p:nvSpPr>
-          <p:cNvPr id="79" name="文本框 78">
+            <a:r>
+              <a:rPr lang="en-US" altLang="zh-CN" sz="1600" i="0" baseline="-25000" dirty="0">
+                <a:latin typeface="Cambria Math" panose="02040503050406030204" pitchFamily="18" charset="0"/>
+                <a:ea typeface="Cambria Math" panose="02040503050406030204" pitchFamily="18" charset="0"/>
+              </a:rPr>
+              <a:t>0.9</a:t>
+            </a:r>
+            <a:r>
+              <a:rPr lang="en-US" altLang="zh-CN" sz="1600" i="0" dirty="0">
+                <a:latin typeface="Cambria Math" panose="02040503050406030204" pitchFamily="18" charset="0"/>
+                <a:ea typeface="Cambria Math" panose="02040503050406030204" pitchFamily="18" charset="0"/>
+              </a:rPr>
+              <a:t>-d</a:t>
+            </a:r>
+            <a:r>
+              <a:rPr lang="en-US" altLang="zh-CN" sz="1600" i="0" baseline="-25000" dirty="0">
+                <a:latin typeface="Cambria Math" panose="02040503050406030204" pitchFamily="18" charset="0"/>
+                <a:ea typeface="Cambria Math" panose="02040503050406030204" pitchFamily="18" charset="0"/>
+              </a:rPr>
+              <a:t>0.1</a:t>
+            </a:r>
+            <a:r>
+              <a:rPr lang="en-US" altLang="zh-CN" sz="1600" i="0" dirty="0">
+                <a:latin typeface="Cambria Math" panose="02040503050406030204" pitchFamily="18" charset="0"/>
+                <a:ea typeface="Cambria Math" panose="02040503050406030204" pitchFamily="18" charset="0"/>
+              </a:rPr>
+              <a:t>)/d</a:t>
+            </a:r>
+            <a:r>
+              <a:rPr lang="en-US" altLang="zh-CN" sz="1600" i="0" baseline="-25000" dirty="0">
+                <a:latin typeface="Cambria Math" panose="02040503050406030204" pitchFamily="18" charset="0"/>
+                <a:ea typeface="Cambria Math" panose="02040503050406030204" pitchFamily="18" charset="0"/>
+              </a:rPr>
+              <a:t>0.5</a:t>
+            </a:r>
+            <a:endParaRPr lang="zh-CN" altLang="en-US" sz="1600" i="0" dirty="0">
+              <a:latin typeface="Cambria Math" panose="02040503050406030204" pitchFamily="18" charset="0"/>
+            </a:endParaRPr>
+          </a:p>
+        </p:txBody>
+      </p:sp>
+      <p:sp>
+        <p:nvSpPr>
+          <p:cNvPr id="14" name="文本框 13">
             <a:extLst>
               <a:ext uri="{FF2B5EF4-FFF2-40B4-BE49-F238E27FC236}">
-                <a16:creationId xmlns:a16="http://schemas.microsoft.com/office/drawing/2014/main" id="{DAF05835-3EE5-1C50-E7C3-D5FC1CA8AE69}"/>
+                <a16:creationId xmlns:a16="http://schemas.microsoft.com/office/drawing/2014/main" id="{C0610FFB-A2F4-643E-1741-114F2B4ECFCF}"/>
               </a:ext>
             </a:extLst>
           </p:cNvPr>
@@ -55506,8 +55651,8 @@
         </p:nvSpPr>
         <p:spPr>
           <a:xfrm>
-            <a:off x="2248611" y="2292465"/>
-            <a:ext cx="266761" cy="166712"/>
+            <a:off x="2228736" y="1813694"/>
+            <a:ext cx="317151" cy="259045"/>
           </a:xfrm>
           <a:prstGeom prst="rect">
             <a:avLst/>
@@ -55535,20 +55680,26 @@
             </a:lvl1pPr>
           </a:lstStyle>
           <a:p>
+            <a:pPr algn="r"/>
             <a:r>
-              <a:rPr lang="en-US" altLang="zh-CN" sz="1000" i="0" dirty="0"/>
-              <a:t>HIX</a:t>
+              <a:rPr lang="en-US" altLang="zh-CN" sz="1600" i="0" dirty="0">
+                <a:latin typeface="Cambria Math" panose="02040503050406030204" pitchFamily="18" charset="0"/>
+                <a:ea typeface="Cambria Math" panose="02040503050406030204" pitchFamily="18" charset="0"/>
+              </a:rPr>
+              <a:t>FI</a:t>
             </a:r>
-            <a:endParaRPr lang="zh-CN" altLang="en-US" sz="1000" i="0" dirty="0"/>
-          </a:p>
-        </p:txBody>
-      </p:sp>
-      <p:sp>
-        <p:nvSpPr>
-          <p:cNvPr id="80" name="文本框 79">
+            <a:endParaRPr lang="zh-CN" altLang="en-US" sz="1600" i="0" dirty="0">
+              <a:latin typeface="Cambria Math" panose="02040503050406030204" pitchFamily="18" charset="0"/>
+            </a:endParaRPr>
+          </a:p>
+        </p:txBody>
+      </p:sp>
+      <p:sp>
+        <p:nvSpPr>
+          <p:cNvPr id="15" name="文本框 14">
             <a:extLst>
               <a:ext uri="{FF2B5EF4-FFF2-40B4-BE49-F238E27FC236}">
-                <a16:creationId xmlns:a16="http://schemas.microsoft.com/office/drawing/2014/main" id="{38B60F1B-6BE6-36F4-B1BB-13B280BE8312}"/>
+                <a16:creationId xmlns:a16="http://schemas.microsoft.com/office/drawing/2014/main" id="{1A3B4251-D832-44EF-ACD1-B919C2954024}"/>
               </a:ext>
             </a:extLst>
           </p:cNvPr>
@@ -55557,8 +55708,8 @@
         </p:nvSpPr>
         <p:spPr>
           <a:xfrm>
-            <a:off x="2278838" y="2502752"/>
-            <a:ext cx="247318" cy="166712"/>
+            <a:off x="2089058" y="2023815"/>
+            <a:ext cx="473707" cy="259045"/>
           </a:xfrm>
           <a:prstGeom prst="rect">
             <a:avLst/>
@@ -55586,20 +55737,26 @@
             </a:lvl1pPr>
           </a:lstStyle>
           <a:p>
+            <a:pPr algn="r"/>
             <a:r>
-              <a:rPr lang="el-GR" altLang="zh-CN" sz="1000" i="0" dirty="0"/>
-              <a:t>β:α</a:t>
+              <a:rPr lang="en-US" altLang="zh-CN" sz="1600" i="0" dirty="0">
+                <a:latin typeface="Cambria Math" panose="02040503050406030204" pitchFamily="18" charset="0"/>
+                <a:ea typeface="Cambria Math" panose="02040503050406030204" pitchFamily="18" charset="0"/>
+              </a:rPr>
+              <a:t>BIX</a:t>
             </a:r>
-            <a:endParaRPr lang="zh-CN" altLang="en-US" sz="1000" i="0" dirty="0"/>
-          </a:p>
-        </p:txBody>
-      </p:sp>
-      <p:sp>
-        <p:nvSpPr>
-          <p:cNvPr id="81" name="文本框 80">
+            <a:endParaRPr lang="zh-CN" altLang="en-US" sz="1600" i="0" dirty="0">
+              <a:latin typeface="Cambria Math" panose="02040503050406030204" pitchFamily="18" charset="0"/>
+            </a:endParaRPr>
+          </a:p>
+        </p:txBody>
+      </p:sp>
+      <p:sp>
+        <p:nvSpPr>
+          <p:cNvPr id="16" name="文本框 15">
             <a:extLst>
               <a:ext uri="{FF2B5EF4-FFF2-40B4-BE49-F238E27FC236}">
-                <a16:creationId xmlns:a16="http://schemas.microsoft.com/office/drawing/2014/main" id="{507E6F14-6F4B-42ED-8000-FB3ED75BE2CD}"/>
+                <a16:creationId xmlns:a16="http://schemas.microsoft.com/office/drawing/2014/main" id="{D2C2630E-62B3-2C21-F31B-09E9FCF54192}"/>
               </a:ext>
             </a:extLst>
           </p:cNvPr>
@@ -55608,8 +55765,8 @@
         </p:nvSpPr>
         <p:spPr>
           <a:xfrm>
-            <a:off x="2123804" y="2725708"/>
-            <a:ext cx="407165" cy="166712"/>
+            <a:off x="2123804" y="2259628"/>
+            <a:ext cx="446898" cy="259045"/>
           </a:xfrm>
           <a:prstGeom prst="rect">
             <a:avLst/>
@@ -55637,20 +55794,26 @@
             </a:lvl1pPr>
           </a:lstStyle>
           <a:p>
+            <a:pPr algn="r"/>
             <a:r>
-              <a:rPr lang="en-US" altLang="zh-CN" sz="1000" i="0" dirty="0"/>
-              <a:t>Ⅰ-Area</a:t>
+              <a:rPr lang="en-US" altLang="zh-CN" sz="1600" i="0" dirty="0">
+                <a:latin typeface="Cambria Math" panose="02040503050406030204" pitchFamily="18" charset="0"/>
+                <a:ea typeface="Cambria Math" panose="02040503050406030204" pitchFamily="18" charset="0"/>
+              </a:rPr>
+              <a:t>HIX</a:t>
             </a:r>
-            <a:endParaRPr lang="zh-CN" altLang="en-US" sz="1000" i="0" dirty="0"/>
-          </a:p>
-        </p:txBody>
-      </p:sp>
-      <p:sp>
-        <p:nvSpPr>
-          <p:cNvPr id="82" name="文本框 81">
+            <a:endParaRPr lang="zh-CN" altLang="en-US" sz="1600" i="0" dirty="0">
+              <a:latin typeface="Cambria Math" panose="02040503050406030204" pitchFamily="18" charset="0"/>
+            </a:endParaRPr>
+          </a:p>
+        </p:txBody>
+      </p:sp>
+      <p:sp>
+        <p:nvSpPr>
+          <p:cNvPr id="17" name="文本框 16">
             <a:extLst>
               <a:ext uri="{FF2B5EF4-FFF2-40B4-BE49-F238E27FC236}">
-                <a16:creationId xmlns:a16="http://schemas.microsoft.com/office/drawing/2014/main" id="{1869D4EC-1A84-4525-FBE9-552A9BFAD858}"/>
+                <a16:creationId xmlns:a16="http://schemas.microsoft.com/office/drawing/2014/main" id="{EE57092D-3F91-85B8-A137-3B85F5CF9688}"/>
               </a:ext>
             </a:extLst>
           </p:cNvPr>
@@ -55659,8 +55822,8 @@
         </p:nvSpPr>
         <p:spPr>
           <a:xfrm>
-            <a:off x="2101748" y="2965482"/>
-            <a:ext cx="407165" cy="166712"/>
+            <a:off x="2110664" y="2473397"/>
+            <a:ext cx="437098" cy="259045"/>
           </a:xfrm>
           <a:prstGeom prst="rect">
             <a:avLst/>
@@ -55688,20 +55851,26 @@
             </a:lvl1pPr>
           </a:lstStyle>
           <a:p>
+            <a:pPr algn="r"/>
             <a:r>
-              <a:rPr lang="en-US" altLang="zh-CN" sz="1000" i="0" dirty="0"/>
-              <a:t>Ⅱ-Area</a:t>
+              <a:rPr lang="el-GR" altLang="zh-CN" sz="1600" i="0" dirty="0">
+                <a:latin typeface="Cambria Math" panose="02040503050406030204" pitchFamily="18" charset="0"/>
+                <a:ea typeface="Cambria Math" panose="02040503050406030204" pitchFamily="18" charset="0"/>
+              </a:rPr>
+              <a:t>β:α</a:t>
             </a:r>
-            <a:endParaRPr lang="zh-CN" altLang="en-US" sz="1000" i="0" dirty="0"/>
-          </a:p>
-        </p:txBody>
-      </p:sp>
-      <p:sp>
-        <p:nvSpPr>
-          <p:cNvPr id="83" name="文本框 82">
+            <a:endParaRPr lang="zh-CN" altLang="en-US" sz="1600" i="0" dirty="0">
+              <a:latin typeface="Cambria Math" panose="02040503050406030204" pitchFamily="18" charset="0"/>
+            </a:endParaRPr>
+          </a:p>
+        </p:txBody>
+      </p:sp>
+      <p:sp>
+        <p:nvSpPr>
+          <p:cNvPr id="18" name="文本框 17">
             <a:extLst>
               <a:ext uri="{FF2B5EF4-FFF2-40B4-BE49-F238E27FC236}">
-                <a16:creationId xmlns:a16="http://schemas.microsoft.com/office/drawing/2014/main" id="{88997F86-7D10-7E9E-68F6-A4CD9DB716C7}"/>
+                <a16:creationId xmlns:a16="http://schemas.microsoft.com/office/drawing/2014/main" id="{738B8D48-8179-DACF-1423-9450F01A44D1}"/>
               </a:ext>
             </a:extLst>
           </p:cNvPr>
@@ -55710,8 +55879,8 @@
         </p:nvSpPr>
         <p:spPr>
           <a:xfrm>
-            <a:off x="2068474" y="3223199"/>
-            <a:ext cx="473708" cy="166712"/>
+            <a:off x="1835150" y="2700115"/>
+            <a:ext cx="727615" cy="259045"/>
           </a:xfrm>
           <a:prstGeom prst="rect">
             <a:avLst/>
@@ -55739,20 +55908,26 @@
             </a:lvl1pPr>
           </a:lstStyle>
           <a:p>
+            <a:pPr algn="r"/>
             <a:r>
-              <a:rPr lang="en-US" altLang="zh-CN" sz="1000" i="0" dirty="0"/>
-              <a:t>Ⅲ-Area</a:t>
+              <a:rPr lang="en-US" altLang="zh-CN" sz="1600" i="0" dirty="0">
+                <a:latin typeface="Cambria Math" panose="02040503050406030204" pitchFamily="18" charset="0"/>
+                <a:ea typeface="Cambria Math" panose="02040503050406030204" pitchFamily="18" charset="0"/>
+              </a:rPr>
+              <a:t>Ⅰ-Area</a:t>
             </a:r>
-            <a:endParaRPr lang="zh-CN" altLang="en-US" sz="1000" i="0" dirty="0"/>
-          </a:p>
-        </p:txBody>
-      </p:sp>
-      <p:sp>
-        <p:nvSpPr>
-          <p:cNvPr id="84" name="文本框 83">
+            <a:endParaRPr lang="zh-CN" altLang="en-US" sz="1600" i="0" dirty="0">
+              <a:latin typeface="Cambria Math" panose="02040503050406030204" pitchFamily="18" charset="0"/>
+            </a:endParaRPr>
+          </a:p>
+        </p:txBody>
+      </p:sp>
+      <p:sp>
+        <p:nvSpPr>
+          <p:cNvPr id="23" name="文本框 22">
             <a:extLst>
               <a:ext uri="{FF2B5EF4-FFF2-40B4-BE49-F238E27FC236}">
-                <a16:creationId xmlns:a16="http://schemas.microsoft.com/office/drawing/2014/main" id="{2D9D9385-C6BC-DF77-10F6-BDFB8D228FF3}"/>
+                <a16:creationId xmlns:a16="http://schemas.microsoft.com/office/drawing/2014/main" id="{AFAAD408-B0C2-3B74-8C12-7C35F3A618F6}"/>
               </a:ext>
             </a:extLst>
           </p:cNvPr>
@@ -55761,8 +55936,8 @@
         </p:nvSpPr>
         <p:spPr>
           <a:xfrm>
-            <a:off x="2058122" y="3460332"/>
-            <a:ext cx="473707" cy="166712"/>
+            <a:off x="2224450" y="3860941"/>
+            <a:ext cx="310420" cy="259045"/>
           </a:xfrm>
           <a:prstGeom prst="rect">
             <a:avLst/>
@@ -55790,20 +55965,26 @@
             </a:lvl1pPr>
           </a:lstStyle>
           <a:p>
+            <a:pPr algn="r"/>
             <a:r>
-              <a:rPr lang="en-US" altLang="zh-CN" sz="1000" i="0" dirty="0"/>
-              <a:t>Ⅳ-Area</a:t>
+              <a:rPr lang="en-US" altLang="zh-CN" sz="1600" i="0" dirty="0">
+                <a:latin typeface="Cambria Math" panose="02040503050406030204" pitchFamily="18" charset="0"/>
+                <a:ea typeface="Cambria Math" panose="02040503050406030204" pitchFamily="18" charset="0"/>
+              </a:rPr>
+              <a:t>pH</a:t>
             </a:r>
-            <a:endParaRPr lang="zh-CN" altLang="en-US" sz="1000" i="0" dirty="0"/>
-          </a:p>
-        </p:txBody>
-      </p:sp>
-      <p:sp>
-        <p:nvSpPr>
-          <p:cNvPr id="85" name="文本框 84">
+            <a:endParaRPr lang="zh-CN" altLang="en-US" sz="1600" i="0" dirty="0">
+              <a:latin typeface="Cambria Math" panose="02040503050406030204" pitchFamily="18" charset="0"/>
+            </a:endParaRPr>
+          </a:p>
+        </p:txBody>
+      </p:sp>
+      <p:sp>
+        <p:nvSpPr>
+          <p:cNvPr id="24" name="文本框 23">
             <a:extLst>
               <a:ext uri="{FF2B5EF4-FFF2-40B4-BE49-F238E27FC236}">
-                <a16:creationId xmlns:a16="http://schemas.microsoft.com/office/drawing/2014/main" id="{12EFAF1E-1E9E-3BF8-AA5F-C36601FB5FD0}"/>
+                <a16:creationId xmlns:a16="http://schemas.microsoft.com/office/drawing/2014/main" id="{B6305A44-363B-A6DE-104A-305452A478B8}"/>
               </a:ext>
             </a:extLst>
           </p:cNvPr>
@@ -55812,8 +55993,8 @@
         </p:nvSpPr>
         <p:spPr>
           <a:xfrm>
-            <a:off x="2101747" y="3681038"/>
-            <a:ext cx="407165" cy="166712"/>
+            <a:off x="2228354" y="4097508"/>
+            <a:ext cx="317913" cy="259045"/>
           </a:xfrm>
           <a:prstGeom prst="rect">
             <a:avLst/>
@@ -55841,20 +56022,26 @@
             </a:lvl1pPr>
           </a:lstStyle>
           <a:p>
+            <a:pPr algn="r"/>
             <a:r>
-              <a:rPr lang="en-US" altLang="zh-CN" sz="1000" i="0" dirty="0"/>
-              <a:t>Ⅴ-Area</a:t>
+              <a:rPr lang="en-US" altLang="zh-CN" sz="1600" i="0" dirty="0">
+                <a:latin typeface="Cambria Math" panose="02040503050406030204" pitchFamily="18" charset="0"/>
+                <a:ea typeface="Cambria Math" panose="02040503050406030204" pitchFamily="18" charset="0"/>
+              </a:rPr>
+              <a:t>DO</a:t>
             </a:r>
-            <a:endParaRPr lang="zh-CN" altLang="en-US" sz="1000" i="0" dirty="0"/>
-          </a:p>
-        </p:txBody>
-      </p:sp>
-      <p:sp>
-        <p:nvSpPr>
-          <p:cNvPr id="86" name="文本框 85">
+            <a:endParaRPr lang="zh-CN" altLang="en-US" sz="1600" i="0" dirty="0">
+              <a:latin typeface="Cambria Math" panose="02040503050406030204" pitchFamily="18" charset="0"/>
+            </a:endParaRPr>
+          </a:p>
+        </p:txBody>
+      </p:sp>
+      <p:sp>
+        <p:nvSpPr>
+          <p:cNvPr id="25" name="文本框 24">
             <a:extLst>
               <a:ext uri="{FF2B5EF4-FFF2-40B4-BE49-F238E27FC236}">
-                <a16:creationId xmlns:a16="http://schemas.microsoft.com/office/drawing/2014/main" id="{ACEBC371-DEBA-CADD-F025-9EDC634E5CEB}"/>
+                <a16:creationId xmlns:a16="http://schemas.microsoft.com/office/drawing/2014/main" id="{36E908EC-E9AF-2618-4B67-6C7C402249FB}"/>
               </a:ext>
             </a:extLst>
           </p:cNvPr>
@@ -55863,8 +56050,8 @@
         </p:nvSpPr>
         <p:spPr>
           <a:xfrm>
-            <a:off x="2325912" y="3920812"/>
-            <a:ext cx="178686" cy="166712"/>
+            <a:off x="2248551" y="4330536"/>
+            <a:ext cx="291346" cy="259045"/>
           </a:xfrm>
           <a:prstGeom prst="rect">
             <a:avLst/>
@@ -55893,123 +56080,26 @@
           </a:lstStyle>
           <a:p>
             <a:r>
-              <a:rPr lang="en-US" altLang="zh-CN" sz="1000" i="0" dirty="0"/>
-              <a:t>pH</a:t>
-            </a:r>
-            <a:endParaRPr lang="zh-CN" altLang="en-US" sz="1000" i="0" dirty="0"/>
-          </a:p>
-        </p:txBody>
-      </p:sp>
-      <p:sp>
-        <p:nvSpPr>
-          <p:cNvPr id="87" name="文本框 86">
-            <a:extLst>
-              <a:ext uri="{FF2B5EF4-FFF2-40B4-BE49-F238E27FC236}">
-                <a16:creationId xmlns:a16="http://schemas.microsoft.com/office/drawing/2014/main" id="{D12C3269-0E28-1C9E-8E4C-8BE132279DDC}"/>
-              </a:ext>
-            </a:extLst>
-          </p:cNvPr>
-          <p:cNvSpPr txBox="1"/>
-          <p:nvPr/>
-        </p:nvSpPr>
-        <p:spPr>
-          <a:xfrm>
-            <a:off x="2306699" y="4147125"/>
-            <a:ext cx="219456" cy="166712"/>
-          </a:xfrm>
-          <a:prstGeom prst="rect">
-            <a:avLst/>
-          </a:prstGeom>
-        </p:spPr>
-        <p:txBody>
-          <a:bodyPr vert="horz" wrap="square" lIns="0" tIns="12700" rIns="0" bIns="0" rtlCol="0">
-            <a:spAutoFit/>
-          </a:bodyPr>
-          <a:lstStyle>
-            <a:defPPr>
-              <a:defRPr lang="zh-CN"/>
-            </a:defPPr>
-            <a:lvl1pPr marL="12700">
-              <a:lnSpc>
-                <a:spcPct val="100000"/>
-              </a:lnSpc>
-              <a:spcBef>
-                <a:spcPts val="100"/>
-              </a:spcBef>
-              <a:defRPr sz="1100" i="1">
-                <a:latin typeface="Times New Roman" panose="02020603050405020304" pitchFamily="18" charset="0"/>
-                <a:cs typeface="Times New Roman" panose="02020603050405020304" pitchFamily="18" charset="0"/>
-              </a:defRPr>
-            </a:lvl1pPr>
-          </a:lstStyle>
-          <a:p>
-            <a:r>
-              <a:rPr lang="en-US" altLang="zh-CN" sz="1000" i="0" dirty="0"/>
-              <a:t>DO</a:t>
-            </a:r>
-            <a:endParaRPr lang="zh-CN" altLang="en-US" sz="1000" i="0" dirty="0"/>
-          </a:p>
-        </p:txBody>
-      </p:sp>
-      <p:sp>
-        <p:nvSpPr>
-          <p:cNvPr id="88" name="文本框 87">
-            <a:extLst>
-              <a:ext uri="{FF2B5EF4-FFF2-40B4-BE49-F238E27FC236}">
-                <a16:creationId xmlns:a16="http://schemas.microsoft.com/office/drawing/2014/main" id="{7CA7CB1A-396B-80BA-A917-6E1E15E8728A}"/>
-              </a:ext>
-            </a:extLst>
-          </p:cNvPr>
-          <p:cNvSpPr txBox="1"/>
-          <p:nvPr/>
-        </p:nvSpPr>
-        <p:spPr>
-          <a:xfrm>
-            <a:off x="2306861" y="4381291"/>
-            <a:ext cx="219456" cy="166712"/>
-          </a:xfrm>
-          <a:prstGeom prst="rect">
-            <a:avLst/>
-          </a:prstGeom>
-        </p:spPr>
-        <p:txBody>
-          <a:bodyPr vert="horz" wrap="square" lIns="0" tIns="12700" rIns="0" bIns="0" rtlCol="0">
-            <a:spAutoFit/>
-          </a:bodyPr>
-          <a:lstStyle>
-            <a:defPPr>
-              <a:defRPr lang="zh-CN"/>
-            </a:defPPr>
-            <a:lvl1pPr marL="12700">
-              <a:lnSpc>
-                <a:spcPct val="100000"/>
-              </a:lnSpc>
-              <a:spcBef>
-                <a:spcPts val="100"/>
-              </a:spcBef>
-              <a:defRPr sz="1100" i="1">
-                <a:latin typeface="Times New Roman" panose="02020603050405020304" pitchFamily="18" charset="0"/>
-                <a:cs typeface="Times New Roman" panose="02020603050405020304" pitchFamily="18" charset="0"/>
-              </a:defRPr>
-            </a:lvl1pPr>
-          </a:lstStyle>
-          <a:p>
-            <a:r>
-              <a:rPr lang="en-US" altLang="zh-CN" sz="1000" i="0" dirty="0"/>
+              <a:rPr lang="en-US" altLang="zh-CN" sz="1600" i="0" dirty="0">
+                <a:latin typeface="Cambria Math" panose="02040503050406030204" pitchFamily="18" charset="0"/>
+                <a:ea typeface="Cambria Math" panose="02040503050406030204" pitchFamily="18" charset="0"/>
+              </a:rPr>
               <a:t>TN</a:t>
             </a:r>
-            <a:endParaRPr lang="zh-CN" altLang="en-US" sz="1000" i="0" dirty="0"/>
-          </a:p>
-        </p:txBody>
-      </p:sp>
-      <mc:AlternateContent xmlns:mc="http://schemas.openxmlformats.org/markup-compatibility/2006">
-        <mc:Choice xmlns:a14="http://schemas.microsoft.com/office/drawing/2010/main" Requires="a14">
+            <a:endParaRPr lang="zh-CN" altLang="en-US" sz="1600" i="0" dirty="0">
+              <a:latin typeface="Cambria Math" panose="02040503050406030204" pitchFamily="18" charset="0"/>
+            </a:endParaRPr>
+          </a:p>
+        </p:txBody>
+      </p:sp>
+      <mc:AlternateContent xmlns:mc="http://schemas.openxmlformats.org/markup-compatibility/2006" xmlns:a14="http://schemas.microsoft.com/office/drawing/2010/main">
+        <mc:Choice Requires="a14">
           <p:sp>
             <p:nvSpPr>
-              <p:cNvPr id="89" name="文本框 88">
+              <p:cNvPr id="26" name="文本框 25">
                 <a:extLst>
                   <a:ext uri="{FF2B5EF4-FFF2-40B4-BE49-F238E27FC236}">
-                    <a16:creationId xmlns:a16="http://schemas.microsoft.com/office/drawing/2014/main" id="{87DF3574-FB2F-5A51-6043-19325E3D9701}"/>
+                    <a16:creationId xmlns:a16="http://schemas.microsoft.com/office/drawing/2014/main" id="{E2939A9E-5441-72A0-5438-8FABF5206EB2}"/>
                   </a:ext>
                 </a:extLst>
               </p:cNvPr>
@@ -56018,8 +56108,8 @@
             </p:nvSpPr>
             <p:spPr>
               <a:xfrm>
-                <a:off x="2252347" y="4587737"/>
-                <a:ext cx="247318" cy="166712"/>
+                <a:off x="2172845" y="4551441"/>
+                <a:ext cx="247318" cy="259045"/>
               </a:xfrm>
               <a:prstGeom prst="rect">
                 <a:avLst/>
@@ -56057,31 +56147,38 @@
                       <m:sSubSup>
                         <m:sSubSupPr>
                           <m:ctrlPr>
-                            <a:rPr lang="en-US" altLang="zh-CN" sz="1000" i="1">
+                            <a:rPr lang="en-US" altLang="zh-CN" sz="1600" i="1">
                               <a:latin typeface="Cambria Math" panose="02040503050406030204" pitchFamily="18" charset="0"/>
+                              <a:ea typeface="Cambria Math" panose="02040503050406030204" pitchFamily="18" charset="0"/>
                             </a:rPr>
                           </m:ctrlPr>
                         </m:sSubSupPr>
                         <m:e>
                           <m:r>
-                            <a:rPr lang="en-US" altLang="zh-CN" sz="1000">
+                            <m:rPr>
+                              <m:sty m:val="p"/>
+                            </m:rPr>
+                            <a:rPr lang="en-US" altLang="zh-CN" sz="1600" i="0" smtClean="0">
                               <a:latin typeface="Cambria Math" panose="02040503050406030204" pitchFamily="18" charset="0"/>
+                              <a:ea typeface="Cambria Math" panose="02040503050406030204" pitchFamily="18" charset="0"/>
                             </a:rPr>
-                            <m:t>𝑁𝑂</m:t>
+                            <m:t>NO</m:t>
                           </m:r>
                         </m:e>
                         <m:sub>
                           <m:r>
-                            <a:rPr lang="en-US" altLang="zh-CN" sz="1000">
+                            <a:rPr lang="en-US" altLang="zh-CN" sz="1600" i="0" smtClean="0">
                               <a:latin typeface="Cambria Math" panose="02040503050406030204" pitchFamily="18" charset="0"/>
+                              <a:ea typeface="Cambria Math" panose="02040503050406030204" pitchFamily="18" charset="0"/>
                             </a:rPr>
                             <m:t>2</m:t>
                           </m:r>
                         </m:sub>
                         <m:sup>
                           <m:r>
-                            <a:rPr lang="en-US" altLang="zh-CN" sz="1000">
+                            <a:rPr lang="en-US" altLang="zh-CN" sz="1600" i="0" smtClean="0">
                               <a:latin typeface="Cambria Math" panose="02040503050406030204" pitchFamily="18" charset="0"/>
+                              <a:ea typeface="Cambria Math" panose="02040503050406030204" pitchFamily="18" charset="0"/>
                             </a:rPr>
                             <m:t>−</m:t>
                           </m:r>
@@ -56090,18 +56187,20 @@
                     </m:oMath>
                   </m:oMathPara>
                 </a14:m>
-                <a:endParaRPr lang="zh-CN" altLang="en-US" sz="1000" dirty="0"/>
+                <a:endParaRPr lang="zh-CN" altLang="en-US" sz="1600" i="0" dirty="0">
+                  <a:latin typeface="Cambria Math" panose="02040503050406030204" pitchFamily="18" charset="0"/>
+                </a:endParaRPr>
               </a:p>
             </p:txBody>
           </p:sp>
         </mc:Choice>
-        <mc:Fallback>
+        <mc:Fallback xmlns="">
           <p:sp>
             <p:nvSpPr>
-              <p:cNvPr id="89" name="文本框 88">
+              <p:cNvPr id="26" name="文本框 25">
                 <a:extLst>
                   <a:ext uri="{FF2B5EF4-FFF2-40B4-BE49-F238E27FC236}">
-                    <a16:creationId xmlns:a16="http://schemas.microsoft.com/office/drawing/2014/main" id="{87DF3574-FB2F-5A51-6043-19325E3D9701}"/>
+                    <a16:creationId xmlns:a16="http://schemas.microsoft.com/office/drawing/2014/main" id="{E2939A9E-5441-72A0-5438-8FABF5206EB2}"/>
                   </a:ext>
                 </a:extLst>
               </p:cNvPr>
@@ -56112,16 +56211,16 @@
             </p:nvSpPr>
             <p:spPr>
               <a:xfrm>
-                <a:off x="2252347" y="4587737"/>
-                <a:ext cx="247318" cy="166712"/>
+                <a:off x="2172845" y="4551441"/>
+                <a:ext cx="247318" cy="259045"/>
               </a:xfrm>
               <a:prstGeom prst="rect">
                 <a:avLst/>
               </a:prstGeom>
               <a:blipFill>
-                <a:blip r:embed="rId4"/>
+                <a:blip r:embed="rId3"/>
                 <a:stretch>
-                  <a:fillRect l="-12195" r="-12195" b="-18519"/>
+                  <a:fillRect l="-21951" r="-68293" b="-19048"/>
                 </a:stretch>
               </a:blipFill>
             </p:spPr>
@@ -56144,10 +56243,10 @@
         <mc:Choice xmlns:a14="http://schemas.microsoft.com/office/drawing/2010/main" Requires="a14">
           <p:sp>
             <p:nvSpPr>
-              <p:cNvPr id="90" name="文本框 89">
+              <p:cNvPr id="27" name="文本框 26">
                 <a:extLst>
                   <a:ext uri="{FF2B5EF4-FFF2-40B4-BE49-F238E27FC236}">
-                    <a16:creationId xmlns:a16="http://schemas.microsoft.com/office/drawing/2014/main" id="{44942AB2-BC0C-D4C8-09B1-88706BB456BB}"/>
+                    <a16:creationId xmlns:a16="http://schemas.microsoft.com/office/drawing/2014/main" id="{B8FBDC96-D707-20A8-1129-C03C22AA558A}"/>
                   </a:ext>
                 </a:extLst>
               </p:cNvPr>
@@ -56156,8 +56255,8 @@
             </p:nvSpPr>
             <p:spPr>
               <a:xfrm>
-                <a:off x="2234971" y="4833581"/>
-                <a:ext cx="247318" cy="166712"/>
+                <a:off x="2150698" y="4801396"/>
+                <a:ext cx="247318" cy="259045"/>
               </a:xfrm>
               <a:prstGeom prst="rect">
                 <a:avLst/>
@@ -56195,31 +56294,38 @@
                       <m:sSubSup>
                         <m:sSubSupPr>
                           <m:ctrlPr>
-                            <a:rPr lang="en-US" altLang="zh-CN" sz="1000" i="1">
+                            <a:rPr lang="en-US" altLang="zh-CN" sz="1600" i="1">
                               <a:latin typeface="Cambria Math" panose="02040503050406030204" pitchFamily="18" charset="0"/>
+                              <a:ea typeface="Cambria Math" panose="02040503050406030204" pitchFamily="18" charset="0"/>
                             </a:rPr>
                           </m:ctrlPr>
                         </m:sSubSupPr>
                         <m:e>
                           <m:r>
-                            <a:rPr lang="en-US" altLang="zh-CN" sz="1000">
+                            <m:rPr>
+                              <m:sty m:val="p"/>
+                            </m:rPr>
+                            <a:rPr lang="en-US" altLang="zh-CN" sz="1600" i="0" smtClean="0">
                               <a:latin typeface="Cambria Math" panose="02040503050406030204" pitchFamily="18" charset="0"/>
+                              <a:ea typeface="Cambria Math" panose="02040503050406030204" pitchFamily="18" charset="0"/>
                             </a:rPr>
-                            <m:t>𝑁𝑂</m:t>
+                            <m:t>NO</m:t>
                           </m:r>
                         </m:e>
                         <m:sub>
                           <m:r>
-                            <a:rPr lang="en-US" altLang="zh-CN" sz="1000">
+                            <a:rPr lang="en-US" altLang="zh-CN" sz="1600" i="0" smtClean="0">
                               <a:latin typeface="Cambria Math" panose="02040503050406030204" pitchFamily="18" charset="0"/>
+                              <a:ea typeface="Cambria Math" panose="02040503050406030204" pitchFamily="18" charset="0"/>
                             </a:rPr>
                             <m:t>3</m:t>
                           </m:r>
                         </m:sub>
                         <m:sup>
                           <m:r>
-                            <a:rPr lang="en-US" altLang="zh-CN" sz="1000">
+                            <a:rPr lang="en-US" altLang="zh-CN" sz="1600" i="0" smtClean="0">
                               <a:latin typeface="Cambria Math" panose="02040503050406030204" pitchFamily="18" charset="0"/>
+                              <a:ea typeface="Cambria Math" panose="02040503050406030204" pitchFamily="18" charset="0"/>
                             </a:rPr>
                             <m:t>−</m:t>
                           </m:r>
@@ -56228,7 +56334,7 @@
                     </m:oMath>
                   </m:oMathPara>
                 </a14:m>
-                <a:endParaRPr lang="zh-CN" altLang="en-US" sz="1000" dirty="0"/>
+                <a:endParaRPr lang="zh-CN" altLang="en-US" sz="1600" i="0" dirty="0"/>
               </a:p>
             </p:txBody>
           </p:sp>
@@ -56236,10 +56342,10 @@
         <mc:Fallback>
           <p:sp>
             <p:nvSpPr>
-              <p:cNvPr id="90" name="文本框 89">
+              <p:cNvPr id="27" name="文本框 26">
                 <a:extLst>
                   <a:ext uri="{FF2B5EF4-FFF2-40B4-BE49-F238E27FC236}">
-                    <a16:creationId xmlns:a16="http://schemas.microsoft.com/office/drawing/2014/main" id="{44942AB2-BC0C-D4C8-09B1-88706BB456BB}"/>
+                    <a16:creationId xmlns:a16="http://schemas.microsoft.com/office/drawing/2014/main" id="{B8FBDC96-D707-20A8-1129-C03C22AA558A}"/>
                   </a:ext>
                 </a:extLst>
               </p:cNvPr>
@@ -56250,16 +56356,16 @@
             </p:nvSpPr>
             <p:spPr>
               <a:xfrm>
-                <a:off x="2234971" y="4833581"/>
-                <a:ext cx="247318" cy="166712"/>
+                <a:off x="2150698" y="4801396"/>
+                <a:ext cx="247318" cy="259045"/>
               </a:xfrm>
               <a:prstGeom prst="rect">
                 <a:avLst/>
               </a:prstGeom>
               <a:blipFill>
-                <a:blip r:embed="rId5"/>
+                <a:blip r:embed="rId4"/>
                 <a:stretch>
-                  <a:fillRect l="-15000" r="-15000" b="-18519"/>
+                  <a:fillRect l="-25000" r="-70000" b="-19048"/>
                 </a:stretch>
               </a:blipFill>
             </p:spPr>
@@ -56278,14 +56384,14 @@
           </p:sp>
         </mc:Fallback>
       </mc:AlternateContent>
-      <mc:AlternateContent xmlns:mc="http://schemas.openxmlformats.org/markup-compatibility/2006">
-        <mc:Choice xmlns:a14="http://schemas.microsoft.com/office/drawing/2010/main" Requires="a14">
+      <mc:AlternateContent xmlns:mc="http://schemas.openxmlformats.org/markup-compatibility/2006" xmlns:a14="http://schemas.microsoft.com/office/drawing/2010/main">
+        <mc:Choice Requires="a14">
           <p:sp>
             <p:nvSpPr>
-              <p:cNvPr id="91" name="文本框 90">
+              <p:cNvPr id="28" name="文本框 27">
                 <a:extLst>
                   <a:ext uri="{FF2B5EF4-FFF2-40B4-BE49-F238E27FC236}">
-                    <a16:creationId xmlns:a16="http://schemas.microsoft.com/office/drawing/2014/main" id="{33C8E8F6-FC78-CAE0-956E-F89C7C790FD0}"/>
+                    <a16:creationId xmlns:a16="http://schemas.microsoft.com/office/drawing/2014/main" id="{884810B6-8C77-8753-1B22-4ECB0D9483BF}"/>
                   </a:ext>
                 </a:extLst>
               </p:cNvPr>
@@ -56294,8 +56400,8 @@
             </p:nvSpPr>
             <p:spPr>
               <a:xfrm>
-                <a:off x="2228736" y="5072591"/>
-                <a:ext cx="245086" cy="166712"/>
+                <a:off x="2136982" y="5051823"/>
+                <a:ext cx="245086" cy="259045"/>
               </a:xfrm>
               <a:prstGeom prst="rect">
                 <a:avLst/>
@@ -56333,31 +56439,38 @@
                       <m:sSubSup>
                         <m:sSubSupPr>
                           <m:ctrlPr>
-                            <a:rPr lang="en-US" altLang="zh-CN" sz="1000" i="1">
+                            <a:rPr lang="en-US" altLang="zh-CN" sz="1600" i="1">
                               <a:latin typeface="Cambria Math" panose="02040503050406030204" pitchFamily="18" charset="0"/>
+                              <a:ea typeface="Cambria Math" panose="02040503050406030204" pitchFamily="18" charset="0"/>
                             </a:rPr>
                           </m:ctrlPr>
                         </m:sSubSupPr>
                         <m:e>
                           <m:r>
-                            <a:rPr lang="en-US" altLang="zh-CN" sz="1000">
+                            <m:rPr>
+                              <m:sty m:val="p"/>
+                            </m:rPr>
+                            <a:rPr lang="en-US" altLang="zh-CN" sz="1600" i="0" smtClean="0">
                               <a:latin typeface="Cambria Math" panose="02040503050406030204" pitchFamily="18" charset="0"/>
+                              <a:ea typeface="Cambria Math" panose="02040503050406030204" pitchFamily="18" charset="0"/>
                             </a:rPr>
-                            <m:t>𝑁𝐻</m:t>
+                            <m:t>NH</m:t>
                           </m:r>
                         </m:e>
                         <m:sub>
                           <m:r>
-                            <a:rPr lang="en-US" altLang="zh-CN" sz="1000">
+                            <a:rPr lang="en-US" altLang="zh-CN" sz="1600" i="0" smtClean="0">
                               <a:latin typeface="Cambria Math" panose="02040503050406030204" pitchFamily="18" charset="0"/>
+                              <a:ea typeface="Cambria Math" panose="02040503050406030204" pitchFamily="18" charset="0"/>
                             </a:rPr>
                             <m:t>4</m:t>
                           </m:r>
                         </m:sub>
                         <m:sup>
                           <m:r>
-                            <a:rPr lang="en-US" altLang="zh-CN" sz="1000">
+                            <a:rPr lang="en-US" altLang="zh-CN" sz="1600" i="0" smtClean="0">
                               <a:latin typeface="Cambria Math" panose="02040503050406030204" pitchFamily="18" charset="0"/>
+                              <a:ea typeface="Cambria Math" panose="02040503050406030204" pitchFamily="18" charset="0"/>
                             </a:rPr>
                             <m:t>+</m:t>
                           </m:r>
@@ -56366,18 +56479,20 @@
                     </m:oMath>
                   </m:oMathPara>
                 </a14:m>
-                <a:endParaRPr lang="zh-CN" altLang="en-US" sz="1000" dirty="0"/>
+                <a:endParaRPr lang="zh-CN" altLang="en-US" sz="1600" i="0" dirty="0">
+                  <a:latin typeface="Cambria Math" panose="02040503050406030204" pitchFamily="18" charset="0"/>
+                </a:endParaRPr>
               </a:p>
             </p:txBody>
           </p:sp>
         </mc:Choice>
-        <mc:Fallback>
+        <mc:Fallback xmlns="">
           <p:sp>
             <p:nvSpPr>
-              <p:cNvPr id="91" name="文本框 90">
+              <p:cNvPr id="28" name="文本框 27">
                 <a:extLst>
                   <a:ext uri="{FF2B5EF4-FFF2-40B4-BE49-F238E27FC236}">
-                    <a16:creationId xmlns:a16="http://schemas.microsoft.com/office/drawing/2014/main" id="{33C8E8F6-FC78-CAE0-956E-F89C7C790FD0}"/>
+                    <a16:creationId xmlns:a16="http://schemas.microsoft.com/office/drawing/2014/main" id="{884810B6-8C77-8753-1B22-4ECB0D9483BF}"/>
                   </a:ext>
                 </a:extLst>
               </p:cNvPr>
@@ -56388,16 +56503,16 @@
             </p:nvSpPr>
             <p:spPr>
               <a:xfrm>
-                <a:off x="2228736" y="5072591"/>
-                <a:ext cx="245086" cy="166712"/>
+                <a:off x="2136982" y="5051823"/>
+                <a:ext cx="245086" cy="259045"/>
               </a:xfrm>
               <a:prstGeom prst="rect">
                 <a:avLst/>
               </a:prstGeom>
               <a:blipFill>
-                <a:blip r:embed="rId6"/>
+                <a:blip r:embed="rId5"/>
                 <a:stretch>
-                  <a:fillRect l="-15000" r="-22500" b="-18519"/>
+                  <a:fillRect l="-25000" r="-82500" b="-19048"/>
                 </a:stretch>
               </a:blipFill>
             </p:spPr>
@@ -56418,10 +56533,10 @@
       </mc:AlternateContent>
       <p:sp>
         <p:nvSpPr>
-          <p:cNvPr id="92" name="文本框 91">
+          <p:cNvPr id="29" name="文本框 28">
             <a:extLst>
               <a:ext uri="{FF2B5EF4-FFF2-40B4-BE49-F238E27FC236}">
-                <a16:creationId xmlns:a16="http://schemas.microsoft.com/office/drawing/2014/main" id="{948472E7-4A4A-2E50-2C8E-446831E15613}"/>
+                <a16:creationId xmlns:a16="http://schemas.microsoft.com/office/drawing/2014/main" id="{9C8AF372-3843-6609-313D-BA8682CB7F0E}"/>
               </a:ext>
             </a:extLst>
           </p:cNvPr>
@@ -56430,8 +56545,8 @@
         </p:nvSpPr>
         <p:spPr>
           <a:xfrm>
-            <a:off x="2213939" y="5302250"/>
-            <a:ext cx="310420" cy="166712"/>
+            <a:off x="2073854" y="5293160"/>
+            <a:ext cx="472413" cy="259045"/>
           </a:xfrm>
           <a:prstGeom prst="rect">
             <a:avLst/>
@@ -56459,20 +56574,26 @@
             </a:lvl1pPr>
           </a:lstStyle>
           <a:p>
+            <a:pPr algn="r"/>
             <a:r>
-              <a:rPr lang="en-US" altLang="zh-CN" sz="1000" i="0" dirty="0"/>
+              <a:rPr lang="en-US" altLang="zh-CN" sz="1600" i="0" dirty="0">
+                <a:latin typeface="Cambria Math" panose="02040503050406030204" pitchFamily="18" charset="0"/>
+                <a:ea typeface="Cambria Math" panose="02040503050406030204" pitchFamily="18" charset="0"/>
+              </a:rPr>
               <a:t>COD</a:t>
             </a:r>
-            <a:endParaRPr lang="zh-CN" altLang="en-US" sz="1000" i="0" dirty="0"/>
+            <a:endParaRPr lang="zh-CN" altLang="en-US" sz="1600" i="0" dirty="0">
+              <a:latin typeface="Cambria Math" panose="02040503050406030204" pitchFamily="18" charset="0"/>
+            </a:endParaRPr>
           </a:p>
         </p:txBody>
       </p:sp>
       <p:cxnSp>
         <p:nvCxnSpPr>
-          <p:cNvPr id="93" name="直接连接符 92">
+          <p:cNvPr id="30" name="直接连接符 29">
             <a:extLst>
               <a:ext uri="{FF2B5EF4-FFF2-40B4-BE49-F238E27FC236}">
-                <a16:creationId xmlns:a16="http://schemas.microsoft.com/office/drawing/2014/main" id="{B9E33D84-04E6-7B37-48DA-7F0EC918481F}"/>
+                <a16:creationId xmlns:a16="http://schemas.microsoft.com/office/drawing/2014/main" id="{8B949BDA-2C56-1E39-9B59-8EAC637ED2A9}"/>
               </a:ext>
             </a:extLst>
           </p:cNvPr>
@@ -56507,10 +56628,10 @@
       </p:cxnSp>
       <p:sp>
         <p:nvSpPr>
-          <p:cNvPr id="94" name="文本框 93">
+          <p:cNvPr id="31" name="文本框 30">
             <a:extLst>
               <a:ext uri="{FF2B5EF4-FFF2-40B4-BE49-F238E27FC236}">
-                <a16:creationId xmlns:a16="http://schemas.microsoft.com/office/drawing/2014/main" id="{2031423C-87F4-A0C7-A464-80D2BFE2251E}"/>
+                <a16:creationId xmlns:a16="http://schemas.microsoft.com/office/drawing/2014/main" id="{2AF9D67C-9713-58AC-FA8F-F300B47C4D04}"/>
               </a:ext>
             </a:extLst>
           </p:cNvPr>
@@ -56519,8 +56640,8 @@
         </p:nvSpPr>
         <p:spPr>
           <a:xfrm>
-            <a:off x="692150" y="4574066"/>
-            <a:ext cx="603805" cy="333425"/>
+            <a:off x="430548" y="4518421"/>
+            <a:ext cx="865407" cy="518091"/>
           </a:xfrm>
           <a:prstGeom prst="rect">
             <a:avLst/>
@@ -56550,26 +56671,34 @@
           <a:p>
             <a:pPr algn="ctr"/>
             <a:r>
-              <a:rPr lang="en-US" altLang="zh-CN" sz="1000" i="0" dirty="0"/>
+              <a:rPr lang="en-US" altLang="zh-CN" sz="1600" i="0" dirty="0">
+                <a:latin typeface="Cambria Math" panose="02040503050406030204" pitchFamily="18" charset="0"/>
+                <a:ea typeface="Cambria Math" panose="02040503050406030204" pitchFamily="18" charset="0"/>
+              </a:rPr>
               <a:t>Overlying </a:t>
             </a:r>
           </a:p>
           <a:p>
             <a:pPr algn="ctr"/>
             <a:r>
-              <a:rPr lang="en-US" altLang="zh-CN" sz="1000" i="0" dirty="0"/>
+              <a:rPr lang="en-US" altLang="zh-CN" sz="1600" i="0" dirty="0">
+                <a:latin typeface="Cambria Math" panose="02040503050406030204" pitchFamily="18" charset="0"/>
+                <a:ea typeface="Cambria Math" panose="02040503050406030204" pitchFamily="18" charset="0"/>
+              </a:rPr>
               <a:t>water</a:t>
             </a:r>
-            <a:endParaRPr lang="zh-CN" altLang="en-US" sz="1000" i="0" dirty="0"/>
-          </a:p>
-        </p:txBody>
-      </p:sp>
-      <p:sp>
-        <p:nvSpPr>
-          <p:cNvPr id="95" name="文本框 94">
+            <a:endParaRPr lang="zh-CN" altLang="en-US" sz="1600" i="0" dirty="0">
+              <a:latin typeface="Cambria Math" panose="02040503050406030204" pitchFamily="18" charset="0"/>
+            </a:endParaRPr>
+          </a:p>
+        </p:txBody>
+      </p:sp>
+      <p:sp>
+        <p:nvSpPr>
+          <p:cNvPr id="32" name="文本框 31">
             <a:extLst>
               <a:ext uri="{FF2B5EF4-FFF2-40B4-BE49-F238E27FC236}">
-                <a16:creationId xmlns:a16="http://schemas.microsoft.com/office/drawing/2014/main" id="{BCD16127-E468-78E3-AB35-E7BCBDD020AF}"/>
+                <a16:creationId xmlns:a16="http://schemas.microsoft.com/office/drawing/2014/main" id="{A5E00027-D827-24FB-9489-F4A4E2F169DC}"/>
               </a:ext>
             </a:extLst>
           </p:cNvPr>
@@ -56578,8 +56707,8 @@
         </p:nvSpPr>
         <p:spPr>
           <a:xfrm>
-            <a:off x="2403233" y="5552541"/>
-            <a:ext cx="64193" cy="166712"/>
+            <a:off x="2404084" y="5506516"/>
+            <a:ext cx="64193" cy="259045"/>
           </a:xfrm>
           <a:prstGeom prst="rect">
             <a:avLst/>
@@ -56608,245 +56737,62 @@
           </a:lstStyle>
           <a:p>
             <a:r>
-              <a:rPr lang="en-US" altLang="zh-CN" sz="1000" i="0" dirty="0"/>
+              <a:rPr lang="en-US" altLang="zh-CN" sz="1600" i="0" dirty="0">
+                <a:latin typeface="Cambria Math" panose="02040503050406030204" pitchFamily="18" charset="0"/>
+                <a:ea typeface="Cambria Math" panose="02040503050406030204" pitchFamily="18" charset="0"/>
+              </a:rPr>
               <a:t>T</a:t>
             </a:r>
-            <a:endParaRPr lang="zh-CN" altLang="en-US" sz="1000" i="0" dirty="0"/>
-          </a:p>
-        </p:txBody>
-      </p:sp>
-      <mc:AlternateContent xmlns:mc="http://schemas.openxmlformats.org/markup-compatibility/2006">
-        <mc:Choice xmlns:a14="http://schemas.microsoft.com/office/drawing/2010/main" Requires="a14">
-          <p:sp>
-            <p:nvSpPr>
-              <p:cNvPr id="96" name="文本框 95">
-                <a:extLst>
-                  <a:ext uri="{FF2B5EF4-FFF2-40B4-BE49-F238E27FC236}">
-                    <a16:creationId xmlns:a16="http://schemas.microsoft.com/office/drawing/2014/main" id="{CAC2C7AB-3E31-487C-B842-2F2520FC6842}"/>
-                  </a:ext>
-                </a:extLst>
-              </p:cNvPr>
-              <p:cNvSpPr txBox="1"/>
-              <p:nvPr/>
-            </p:nvSpPr>
-            <p:spPr>
-              <a:xfrm rot="16200000">
-                <a:off x="2623643" y="5863820"/>
-                <a:ext cx="237501" cy="166712"/>
-              </a:xfrm>
-              <a:prstGeom prst="rect">
-                <a:avLst/>
-              </a:prstGeom>
-            </p:spPr>
-            <p:txBody>
-              <a:bodyPr vert="horz" wrap="square" lIns="0" tIns="12700" rIns="0" bIns="0" rtlCol="0">
-                <a:spAutoFit/>
-              </a:bodyPr>
-              <a:lstStyle>
-                <a:defPPr>
-                  <a:defRPr lang="zh-CN"/>
-                </a:defPPr>
-                <a:lvl1pPr marL="12700">
-                  <a:lnSpc>
-                    <a:spcPct val="100000"/>
-                  </a:lnSpc>
-                  <a:spcBef>
-                    <a:spcPts val="100"/>
-                  </a:spcBef>
-                  <a:defRPr sz="1100" i="1">
-                    <a:latin typeface="Times New Roman" panose="02020603050405020304" pitchFamily="18" charset="0"/>
-                    <a:cs typeface="Times New Roman" panose="02020603050405020304" pitchFamily="18" charset="0"/>
-                  </a:defRPr>
-                </a:lvl1pPr>
-              </a:lstStyle>
-              <a:p>
-                <a:pPr/>
-                <a14:m>
-                  <m:oMathPara xmlns:m="http://schemas.openxmlformats.org/officeDocument/2006/math">
-                    <m:oMathParaPr>
-                      <m:jc m:val="centerGroup"/>
-                    </m:oMathParaPr>
-                    <m:oMath xmlns:m="http://schemas.openxmlformats.org/officeDocument/2006/math">
-                      <m:r>
-                        <m:rPr>
-                          <m:sty m:val="p"/>
-                        </m:rPr>
-                        <a:rPr lang="en-US" altLang="zh-CN" sz="1000" i="0">
-                          <a:latin typeface="Cambria Math" panose="02040503050406030204" pitchFamily="18" charset="0"/>
-                        </a:rPr>
-                        <m:t>TN</m:t>
-                      </m:r>
-                    </m:oMath>
-                  </m:oMathPara>
-                </a14:m>
-                <a:endParaRPr lang="zh-CN" altLang="en-US" sz="1000" i="0" dirty="0"/>
-              </a:p>
-            </p:txBody>
-          </p:sp>
-        </mc:Choice>
-        <mc:Fallback>
-          <p:sp>
-            <p:nvSpPr>
-              <p:cNvPr id="96" name="文本框 95">
-                <a:extLst>
-                  <a:ext uri="{FF2B5EF4-FFF2-40B4-BE49-F238E27FC236}">
-                    <a16:creationId xmlns:a16="http://schemas.microsoft.com/office/drawing/2014/main" id="{CAC2C7AB-3E31-487C-B842-2F2520FC6842}"/>
-                  </a:ext>
-                </a:extLst>
-              </p:cNvPr>
-              <p:cNvSpPr txBox="1">
-                <a:spLocks noRot="1" noChangeAspect="1" noMove="1" noResize="1" noEditPoints="1" noAdjustHandles="1" noChangeArrowheads="1" noChangeShapeType="1" noTextEdit="1"/>
-              </p:cNvSpPr>
-              <p:nvPr/>
-            </p:nvSpPr>
-            <p:spPr>
-              <a:xfrm rot="16200000">
-                <a:off x="2623643" y="5863820"/>
-                <a:ext cx="237501" cy="166712"/>
-              </a:xfrm>
-              <a:prstGeom prst="rect">
-                <a:avLst/>
-              </a:prstGeom>
-              <a:blipFill>
-                <a:blip r:embed="rId7"/>
-                <a:stretch>
-                  <a:fillRect r="-7143" b="-7692"/>
-                </a:stretch>
-              </a:blipFill>
-            </p:spPr>
-            <p:txBody>
-              <a:bodyPr/>
-              <a:lstStyle/>
-              <a:p>
-                <a:r>
-                  <a:rPr lang="zh-CN" altLang="en-US">
-                    <a:noFill/>
-                  </a:rPr>
-                  <a:t> </a:t>
-                </a:r>
-              </a:p>
-            </p:txBody>
-          </p:sp>
-        </mc:Fallback>
-      </mc:AlternateContent>
-      <mc:AlternateContent xmlns:mc="http://schemas.openxmlformats.org/markup-compatibility/2006">
-        <mc:Choice xmlns:a14="http://schemas.microsoft.com/office/drawing/2010/main" Requires="a14">
-          <p:sp>
-            <p:nvSpPr>
-              <p:cNvPr id="97" name="文本框 96">
-                <a:extLst>
-                  <a:ext uri="{FF2B5EF4-FFF2-40B4-BE49-F238E27FC236}">
-                    <a16:creationId xmlns:a16="http://schemas.microsoft.com/office/drawing/2014/main" id="{53A44475-D033-DEDE-3D10-904CD76B4C57}"/>
-                  </a:ext>
-                </a:extLst>
-              </p:cNvPr>
-              <p:cNvSpPr txBox="1"/>
-              <p:nvPr/>
-            </p:nvSpPr>
-            <p:spPr>
-              <a:xfrm rot="16200000">
-                <a:off x="2835047" y="5816353"/>
-                <a:ext cx="271893" cy="166712"/>
-              </a:xfrm>
-              <a:prstGeom prst="rect">
-                <a:avLst/>
-              </a:prstGeom>
-            </p:spPr>
-            <p:txBody>
-              <a:bodyPr vert="horz" wrap="square" lIns="0" tIns="12700" rIns="0" bIns="0" rtlCol="0">
-                <a:spAutoFit/>
-              </a:bodyPr>
-              <a:lstStyle>
-                <a:defPPr>
-                  <a:defRPr lang="zh-CN"/>
-                </a:defPPr>
-                <a:lvl1pPr marL="12700">
-                  <a:lnSpc>
-                    <a:spcPct val="100000"/>
-                  </a:lnSpc>
-                  <a:spcBef>
-                    <a:spcPts val="100"/>
-                  </a:spcBef>
-                  <a:defRPr sz="1100" i="1">
-                    <a:latin typeface="Times New Roman" panose="02020603050405020304" pitchFamily="18" charset="0"/>
-                    <a:cs typeface="Times New Roman" panose="02020603050405020304" pitchFamily="18" charset="0"/>
-                  </a:defRPr>
-                </a:lvl1pPr>
-              </a:lstStyle>
-              <a:p>
-                <a14:m>
-                  <m:oMath xmlns:m="http://schemas.openxmlformats.org/officeDocument/2006/math">
-                    <m:r>
-                      <m:rPr>
-                        <m:sty m:val="p"/>
-                      </m:rPr>
-                      <a:rPr lang="en-US" altLang="zh-CN" sz="1000" i="0">
-                        <a:latin typeface="Cambria Math" panose="02040503050406030204" pitchFamily="18" charset="0"/>
-                      </a:rPr>
-                      <m:t>T</m:t>
-                    </m:r>
-                  </m:oMath>
-                </a14:m>
-                <a:r>
-                  <a:rPr lang="en-US" altLang="zh-CN" sz="1000" i="0" dirty="0"/>
-                  <a:t>P</a:t>
-                </a:r>
-                <a:endParaRPr lang="zh-CN" altLang="en-US" sz="1000" i="0" dirty="0"/>
-              </a:p>
-            </p:txBody>
-          </p:sp>
-        </mc:Choice>
-        <mc:Fallback>
-          <p:sp>
-            <p:nvSpPr>
-              <p:cNvPr id="97" name="文本框 96">
-                <a:extLst>
-                  <a:ext uri="{FF2B5EF4-FFF2-40B4-BE49-F238E27FC236}">
-                    <a16:creationId xmlns:a16="http://schemas.microsoft.com/office/drawing/2014/main" id="{53A44475-D033-DEDE-3D10-904CD76B4C57}"/>
-                  </a:ext>
-                </a:extLst>
-              </p:cNvPr>
-              <p:cNvSpPr txBox="1">
-                <a:spLocks noRot="1" noChangeAspect="1" noMove="1" noResize="1" noEditPoints="1" noAdjustHandles="1" noChangeArrowheads="1" noChangeShapeType="1" noTextEdit="1"/>
-              </p:cNvSpPr>
-              <p:nvPr/>
-            </p:nvSpPr>
-            <p:spPr>
-              <a:xfrm rot="16200000">
-                <a:off x="2835047" y="5816353"/>
-                <a:ext cx="271893" cy="166712"/>
-              </a:xfrm>
-              <a:prstGeom prst="rect">
-                <a:avLst/>
-              </a:prstGeom>
-              <a:blipFill>
-                <a:blip r:embed="rId8"/>
-                <a:stretch>
-                  <a:fillRect l="-18519" r="-48148" b="-13333"/>
-                </a:stretch>
-              </a:blipFill>
-            </p:spPr>
-            <p:txBody>
-              <a:bodyPr/>
-              <a:lstStyle/>
-              <a:p>
-                <a:r>
-                  <a:rPr lang="zh-CN" altLang="en-US">
-                    <a:noFill/>
-                  </a:rPr>
-                  <a:t> </a:t>
-                </a:r>
-              </a:p>
-            </p:txBody>
-          </p:sp>
-        </mc:Fallback>
-      </mc:AlternateContent>
-      <p:sp>
-        <p:nvSpPr>
-          <p:cNvPr id="98" name="文本框 97">
+            <a:endParaRPr lang="zh-CN" altLang="en-US" sz="1600" i="0" dirty="0">
+              <a:latin typeface="Cambria Math" panose="02040503050406030204" pitchFamily="18" charset="0"/>
+            </a:endParaRPr>
+          </a:p>
+        </p:txBody>
+      </p:sp>
+      <p:cxnSp>
+        <p:nvCxnSpPr>
+          <p:cNvPr id="56" name="直接连接符 55">
             <a:extLst>
               <a:ext uri="{FF2B5EF4-FFF2-40B4-BE49-F238E27FC236}">
-                <a16:creationId xmlns:a16="http://schemas.microsoft.com/office/drawing/2014/main" id="{9965C6C0-9801-6648-32B9-6706823A05B6}"/>
+                <a16:creationId xmlns:a16="http://schemas.microsoft.com/office/drawing/2014/main" id="{BBB157EA-0063-BBC4-A4B3-9DFECFAF7D6A}"/>
+              </a:ext>
+            </a:extLst>
+          </p:cNvPr>
+          <p:cNvCxnSpPr>
+            <a:cxnSpLocks/>
+          </p:cNvCxnSpPr>
+          <p:nvPr/>
+        </p:nvCxnSpPr>
+        <p:spPr>
+          <a:xfrm>
+            <a:off x="2749551" y="7040055"/>
+            <a:ext cx="3193242" cy="0"/>
+          </a:xfrm>
+          <a:prstGeom prst="line">
+            <a:avLst/>
+          </a:prstGeom>
+        </p:spPr>
+        <p:style>
+          <a:lnRef idx="1">
+            <a:schemeClr val="dk1"/>
+          </a:lnRef>
+          <a:fillRef idx="0">
+            <a:schemeClr val="dk1"/>
+          </a:fillRef>
+          <a:effectRef idx="0">
+            <a:schemeClr val="dk1"/>
+          </a:effectRef>
+          <a:fontRef idx="minor">
+            <a:schemeClr val="tx1"/>
+          </a:fontRef>
+        </p:style>
+      </p:cxnSp>
+      <p:sp>
+        <p:nvSpPr>
+          <p:cNvPr id="57" name="文本框 56">
+            <a:extLst>
+              <a:ext uri="{FF2B5EF4-FFF2-40B4-BE49-F238E27FC236}">
+                <a16:creationId xmlns:a16="http://schemas.microsoft.com/office/drawing/2014/main" id="{90C63939-5256-7B3A-D0ED-E1B93CB3A8D9}"/>
               </a:ext>
             </a:extLst>
           </p:cNvPr>
@@ -56854,9 +56800,9 @@
           <p:nvPr/>
         </p:nvSpPr>
         <p:spPr>
-          <a:xfrm rot="16200000">
-            <a:off x="2757271" y="5884368"/>
-            <a:ext cx="884645" cy="166712"/>
+          <a:xfrm>
+            <a:off x="3968751" y="7054852"/>
+            <a:ext cx="838199" cy="259045"/>
           </a:xfrm>
           <a:prstGeom prst="rect">
             <a:avLst/>
@@ -56885,19 +56831,62 @@
           </a:lstStyle>
           <a:p>
             <a:r>
-              <a:rPr lang="en-US" altLang="zh-CN" sz="1000" i="0" dirty="0"/>
-              <a:t>Size-d(0.1)</a:t>
+              <a:rPr lang="en-US" altLang="zh-CN" sz="1600" i="0" dirty="0">
+                <a:latin typeface="Cambria Math" panose="02040503050406030204" pitchFamily="18" charset="0"/>
+                <a:ea typeface="Cambria Math" panose="02040503050406030204" pitchFamily="18" charset="0"/>
+              </a:rPr>
+              <a:t>Sediment</a:t>
             </a:r>
-            <a:endParaRPr lang="zh-CN" altLang="en-US" sz="1000" i="0" dirty="0"/>
-          </a:p>
-        </p:txBody>
-      </p:sp>
-      <p:sp>
-        <p:nvSpPr>
-          <p:cNvPr id="99" name="文本框 98">
+            <a:endParaRPr lang="zh-CN" altLang="en-US" sz="1600" i="0" dirty="0">
+              <a:latin typeface="Cambria Math" panose="02040503050406030204" pitchFamily="18" charset="0"/>
+            </a:endParaRPr>
+          </a:p>
+        </p:txBody>
+      </p:sp>
+      <p:cxnSp>
+        <p:nvCxnSpPr>
+          <p:cNvPr id="58" name="直接连接符 57">
             <a:extLst>
               <a:ext uri="{FF2B5EF4-FFF2-40B4-BE49-F238E27FC236}">
-                <a16:creationId xmlns:a16="http://schemas.microsoft.com/office/drawing/2014/main" id="{9583DAFA-8A48-39F6-33AB-3461DD5C55D4}"/>
+                <a16:creationId xmlns:a16="http://schemas.microsoft.com/office/drawing/2014/main" id="{BDF3B1F8-4314-1B70-82DB-962802A500BC}"/>
+              </a:ext>
+            </a:extLst>
+          </p:cNvPr>
+          <p:cNvCxnSpPr>
+            <a:cxnSpLocks/>
+          </p:cNvCxnSpPr>
+          <p:nvPr/>
+        </p:nvCxnSpPr>
+        <p:spPr>
+          <a:xfrm rot="16200000">
+            <a:off x="7025366" y="6210471"/>
+            <a:ext cx="0" cy="1659168"/>
+          </a:xfrm>
+          <a:prstGeom prst="line">
+            <a:avLst/>
+          </a:prstGeom>
+        </p:spPr>
+        <p:style>
+          <a:lnRef idx="1">
+            <a:schemeClr val="dk1"/>
+          </a:lnRef>
+          <a:fillRef idx="0">
+            <a:schemeClr val="dk1"/>
+          </a:fillRef>
+          <a:effectRef idx="0">
+            <a:schemeClr val="dk1"/>
+          </a:effectRef>
+          <a:fontRef idx="minor">
+            <a:schemeClr val="tx1"/>
+          </a:fontRef>
+        </p:style>
+      </p:cxnSp>
+      <p:sp>
+        <p:nvSpPr>
+          <p:cNvPr id="59" name="文本框 58">
+            <a:extLst>
+              <a:ext uri="{FF2B5EF4-FFF2-40B4-BE49-F238E27FC236}">
+                <a16:creationId xmlns:a16="http://schemas.microsoft.com/office/drawing/2014/main" id="{92C7C134-B42E-52B9-0E4C-BEC1F0481E14}"/>
               </a:ext>
             </a:extLst>
           </p:cNvPr>
@@ -56905,9 +56894,9 @@
           <p:nvPr/>
         </p:nvSpPr>
         <p:spPr>
-          <a:xfrm rot="16200000">
-            <a:off x="2985871" y="5884368"/>
-            <a:ext cx="884645" cy="166712"/>
+          <a:xfrm>
+            <a:off x="6264162" y="7059908"/>
+            <a:ext cx="1474540" cy="259045"/>
           </a:xfrm>
           <a:prstGeom prst="rect">
             <a:avLst/>
@@ -56935,20 +56924,26 @@
             </a:lvl1pPr>
           </a:lstStyle>
           <a:p>
+            <a:pPr algn="ctr"/>
             <a:r>
-              <a:rPr lang="en-US" altLang="zh-CN" sz="1000" i="0" dirty="0"/>
-              <a:t>Size-d(0.5)</a:t>
+              <a:rPr lang="en-US" altLang="zh-CN" sz="1600" i="0" dirty="0">
+                <a:latin typeface="Cambria Math" panose="02040503050406030204" pitchFamily="18" charset="0"/>
+                <a:ea typeface="Cambria Math" panose="02040503050406030204" pitchFamily="18" charset="0"/>
+              </a:rPr>
+              <a:t>Overlying water</a:t>
             </a:r>
-            <a:endParaRPr lang="zh-CN" altLang="en-US" sz="1000" i="0" dirty="0"/>
-          </a:p>
-        </p:txBody>
-      </p:sp>
-      <p:sp>
-        <p:nvSpPr>
-          <p:cNvPr id="100" name="文本框 99">
+            <a:endParaRPr lang="zh-CN" altLang="en-US" sz="1600" i="0" dirty="0">
+              <a:latin typeface="Cambria Math" panose="02040503050406030204" pitchFamily="18" charset="0"/>
+            </a:endParaRPr>
+          </a:p>
+        </p:txBody>
+      </p:sp>
+      <p:sp>
+        <p:nvSpPr>
+          <p:cNvPr id="60" name="object 10">
             <a:extLst>
               <a:ext uri="{FF2B5EF4-FFF2-40B4-BE49-F238E27FC236}">
-                <a16:creationId xmlns:a16="http://schemas.microsoft.com/office/drawing/2014/main" id="{8FE309E6-913A-8737-566F-1AEDC1D60416}"/>
+                <a16:creationId xmlns:a16="http://schemas.microsoft.com/office/drawing/2014/main" id="{2BCAE726-988F-786B-1C2A-2D3DD95A35F5}"/>
               </a:ext>
             </a:extLst>
           </p:cNvPr>
@@ -56956,1418 +56951,9 @@
           <p:nvPr/>
         </p:nvSpPr>
         <p:spPr>
-          <a:xfrm rot="16200000">
-            <a:off x="3214471" y="5884368"/>
-            <a:ext cx="884645" cy="166712"/>
-          </a:xfrm>
-          <a:prstGeom prst="rect">
-            <a:avLst/>
-          </a:prstGeom>
-        </p:spPr>
-        <p:txBody>
-          <a:bodyPr vert="horz" wrap="square" lIns="0" tIns="12700" rIns="0" bIns="0" rtlCol="0">
-            <a:spAutoFit/>
-          </a:bodyPr>
-          <a:lstStyle>
-            <a:defPPr>
-              <a:defRPr lang="zh-CN"/>
-            </a:defPPr>
-            <a:lvl1pPr marL="12700">
-              <a:lnSpc>
-                <a:spcPct val="100000"/>
-              </a:lnSpc>
-              <a:spcBef>
-                <a:spcPts val="100"/>
-              </a:spcBef>
-              <a:defRPr sz="1100" i="1">
-                <a:latin typeface="Times New Roman" panose="02020603050405020304" pitchFamily="18" charset="0"/>
-                <a:cs typeface="Times New Roman" panose="02020603050405020304" pitchFamily="18" charset="0"/>
-              </a:defRPr>
-            </a:lvl1pPr>
-          </a:lstStyle>
-          <a:p>
-            <a:r>
-              <a:rPr lang="en-US" altLang="zh-CN" sz="1000" i="0" dirty="0"/>
-              <a:t>Size-d(0.9)</a:t>
-            </a:r>
-            <a:endParaRPr lang="zh-CN" altLang="en-US" sz="1000" i="0" dirty="0"/>
-          </a:p>
-        </p:txBody>
-      </p:sp>
-      <p:sp>
-        <p:nvSpPr>
-          <p:cNvPr id="101" name="文本框 100">
-            <a:extLst>
-              <a:ext uri="{FF2B5EF4-FFF2-40B4-BE49-F238E27FC236}">
-                <a16:creationId xmlns:a16="http://schemas.microsoft.com/office/drawing/2014/main" id="{2930858F-07FD-2698-C2FE-952937840DF8}"/>
-              </a:ext>
-            </a:extLst>
-          </p:cNvPr>
-          <p:cNvSpPr txBox="1"/>
-          <p:nvPr/>
-        </p:nvSpPr>
-        <p:spPr>
-          <a:xfrm rot="16200000">
-            <a:off x="3360171" y="6293871"/>
-            <a:ext cx="1050446" cy="166712"/>
-          </a:xfrm>
-          <a:prstGeom prst="rect">
-            <a:avLst/>
-          </a:prstGeom>
-        </p:spPr>
-        <p:txBody>
-          <a:bodyPr vert="horz" wrap="square" lIns="0" tIns="12700" rIns="0" bIns="0" rtlCol="0">
-            <a:spAutoFit/>
-          </a:bodyPr>
-          <a:lstStyle>
-            <a:defPPr>
-              <a:defRPr lang="zh-CN"/>
-            </a:defPPr>
-            <a:lvl1pPr marL="12700">
-              <a:lnSpc>
-                <a:spcPct val="100000"/>
-              </a:lnSpc>
-              <a:spcBef>
-                <a:spcPts val="100"/>
-              </a:spcBef>
-              <a:defRPr sz="1100" i="1">
-                <a:latin typeface="Times New Roman" panose="02020603050405020304" pitchFamily="18" charset="0"/>
-                <a:cs typeface="Times New Roman" panose="02020603050405020304" pitchFamily="18" charset="0"/>
-              </a:defRPr>
-            </a:lvl1pPr>
-          </a:lstStyle>
-          <a:p>
-            <a:r>
-              <a:rPr lang="en-US" altLang="zh-CN" sz="1000" i="0" dirty="0"/>
-              <a:t>Size-d[(0.9-0.1)/0.5]</a:t>
-            </a:r>
-            <a:endParaRPr lang="zh-CN" altLang="en-US" sz="1000" i="0" dirty="0"/>
-          </a:p>
-        </p:txBody>
-      </p:sp>
-      <p:sp>
-        <p:nvSpPr>
-          <p:cNvPr id="102" name="文本框 101">
-            <a:extLst>
-              <a:ext uri="{FF2B5EF4-FFF2-40B4-BE49-F238E27FC236}">
-                <a16:creationId xmlns:a16="http://schemas.microsoft.com/office/drawing/2014/main" id="{47C57210-5E1E-FAA3-5222-E3FCB97807A9}"/>
-              </a:ext>
-            </a:extLst>
-          </p:cNvPr>
-          <p:cNvSpPr txBox="1"/>
-          <p:nvPr/>
-        </p:nvSpPr>
-        <p:spPr>
-          <a:xfrm rot="16200000">
-            <a:off x="4024651" y="5819664"/>
-            <a:ext cx="178686" cy="166712"/>
-          </a:xfrm>
-          <a:prstGeom prst="rect">
-            <a:avLst/>
-          </a:prstGeom>
-        </p:spPr>
-        <p:txBody>
-          <a:bodyPr vert="horz" wrap="square" lIns="0" tIns="12700" rIns="0" bIns="0" rtlCol="0">
-            <a:spAutoFit/>
-          </a:bodyPr>
-          <a:lstStyle>
-            <a:defPPr>
-              <a:defRPr lang="zh-CN"/>
-            </a:defPPr>
-            <a:lvl1pPr marL="12700">
-              <a:lnSpc>
-                <a:spcPct val="100000"/>
-              </a:lnSpc>
-              <a:spcBef>
-                <a:spcPts val="100"/>
-              </a:spcBef>
-              <a:defRPr sz="1100" i="1">
-                <a:latin typeface="Times New Roman" panose="02020603050405020304" pitchFamily="18" charset="0"/>
-                <a:cs typeface="Times New Roman" panose="02020603050405020304" pitchFamily="18" charset="0"/>
-              </a:defRPr>
-            </a:lvl1pPr>
-          </a:lstStyle>
-          <a:p>
-            <a:r>
-              <a:rPr lang="en-US" altLang="zh-CN" sz="1000" i="0" dirty="0"/>
-              <a:t>FI</a:t>
-            </a:r>
-            <a:endParaRPr lang="zh-CN" altLang="en-US" sz="1000" i="0" dirty="0"/>
-          </a:p>
-        </p:txBody>
-      </p:sp>
-      <p:sp>
-        <p:nvSpPr>
-          <p:cNvPr id="103" name="文本框 102">
-            <a:extLst>
-              <a:ext uri="{FF2B5EF4-FFF2-40B4-BE49-F238E27FC236}">
-                <a16:creationId xmlns:a16="http://schemas.microsoft.com/office/drawing/2014/main" id="{43BBB695-1080-64C6-7C55-43A3F944E2A9}"/>
-              </a:ext>
-            </a:extLst>
-          </p:cNvPr>
-          <p:cNvSpPr txBox="1"/>
-          <p:nvPr/>
-        </p:nvSpPr>
-        <p:spPr>
-          <a:xfrm rot="16200000">
-            <a:off x="4209213" y="5879420"/>
-            <a:ext cx="266761" cy="166712"/>
-          </a:xfrm>
-          <a:prstGeom prst="rect">
-            <a:avLst/>
-          </a:prstGeom>
-        </p:spPr>
-        <p:txBody>
-          <a:bodyPr vert="horz" wrap="square" lIns="0" tIns="12700" rIns="0" bIns="0" rtlCol="0">
-            <a:spAutoFit/>
-          </a:bodyPr>
-          <a:lstStyle>
-            <a:defPPr>
-              <a:defRPr lang="zh-CN"/>
-            </a:defPPr>
-            <a:lvl1pPr marL="12700">
-              <a:lnSpc>
-                <a:spcPct val="100000"/>
-              </a:lnSpc>
-              <a:spcBef>
-                <a:spcPts val="100"/>
-              </a:spcBef>
-              <a:defRPr sz="1100" i="1">
-                <a:latin typeface="Times New Roman" panose="02020603050405020304" pitchFamily="18" charset="0"/>
-                <a:cs typeface="Times New Roman" panose="02020603050405020304" pitchFamily="18" charset="0"/>
-              </a:defRPr>
-            </a:lvl1pPr>
-          </a:lstStyle>
-          <a:p>
-            <a:r>
-              <a:rPr lang="en-US" altLang="zh-CN" sz="1000" i="0" dirty="0"/>
-              <a:t>BIX</a:t>
-            </a:r>
-            <a:endParaRPr lang="zh-CN" altLang="en-US" sz="1000" i="0" dirty="0"/>
-          </a:p>
-        </p:txBody>
-      </p:sp>
-      <p:sp>
-        <p:nvSpPr>
-          <p:cNvPr id="104" name="文本框 103">
-            <a:extLst>
-              <a:ext uri="{FF2B5EF4-FFF2-40B4-BE49-F238E27FC236}">
-                <a16:creationId xmlns:a16="http://schemas.microsoft.com/office/drawing/2014/main" id="{6CF8D11D-7FA9-9DCE-2604-EA80EA335324}"/>
-              </a:ext>
-            </a:extLst>
-          </p:cNvPr>
-          <p:cNvSpPr txBox="1"/>
-          <p:nvPr/>
-        </p:nvSpPr>
-        <p:spPr>
-          <a:xfrm rot="16200000">
-            <a:off x="4437813" y="5879420"/>
-            <a:ext cx="266761" cy="166712"/>
-          </a:xfrm>
-          <a:prstGeom prst="rect">
-            <a:avLst/>
-          </a:prstGeom>
-        </p:spPr>
-        <p:txBody>
-          <a:bodyPr vert="horz" wrap="square" lIns="0" tIns="12700" rIns="0" bIns="0" rtlCol="0">
-            <a:spAutoFit/>
-          </a:bodyPr>
-          <a:lstStyle>
-            <a:defPPr>
-              <a:defRPr lang="zh-CN"/>
-            </a:defPPr>
-            <a:lvl1pPr marL="12700">
-              <a:lnSpc>
-                <a:spcPct val="100000"/>
-              </a:lnSpc>
-              <a:spcBef>
-                <a:spcPts val="100"/>
-              </a:spcBef>
-              <a:defRPr sz="1100" i="1">
-                <a:latin typeface="Times New Roman" panose="02020603050405020304" pitchFamily="18" charset="0"/>
-                <a:cs typeface="Times New Roman" panose="02020603050405020304" pitchFamily="18" charset="0"/>
-              </a:defRPr>
-            </a:lvl1pPr>
-          </a:lstStyle>
-          <a:p>
-            <a:r>
-              <a:rPr lang="en-US" altLang="zh-CN" sz="1000" i="0" dirty="0"/>
-              <a:t>HIX</a:t>
-            </a:r>
-            <a:endParaRPr lang="zh-CN" altLang="en-US" sz="1000" i="0" dirty="0"/>
-          </a:p>
-        </p:txBody>
-      </p:sp>
-      <p:sp>
-        <p:nvSpPr>
-          <p:cNvPr id="105" name="文本框 104">
-            <a:extLst>
-              <a:ext uri="{FF2B5EF4-FFF2-40B4-BE49-F238E27FC236}">
-                <a16:creationId xmlns:a16="http://schemas.microsoft.com/office/drawing/2014/main" id="{4F32BE3D-A7C0-CD79-3265-7CC36D42B0A1}"/>
-              </a:ext>
-            </a:extLst>
-          </p:cNvPr>
-          <p:cNvSpPr txBox="1"/>
-          <p:nvPr/>
-        </p:nvSpPr>
-        <p:spPr>
-          <a:xfrm rot="16200000">
-            <a:off x="4676135" y="5858911"/>
-            <a:ext cx="247317" cy="166712"/>
-          </a:xfrm>
-          <a:prstGeom prst="rect">
-            <a:avLst/>
-          </a:prstGeom>
-        </p:spPr>
-        <p:txBody>
-          <a:bodyPr vert="horz" wrap="square" lIns="0" tIns="12700" rIns="0" bIns="0" rtlCol="0">
-            <a:spAutoFit/>
-          </a:bodyPr>
-          <a:lstStyle>
-            <a:defPPr>
-              <a:defRPr lang="zh-CN"/>
-            </a:defPPr>
-            <a:lvl1pPr marL="12700">
-              <a:lnSpc>
-                <a:spcPct val="100000"/>
-              </a:lnSpc>
-              <a:spcBef>
-                <a:spcPts val="100"/>
-              </a:spcBef>
-              <a:defRPr sz="1100" i="1">
-                <a:latin typeface="Times New Roman" panose="02020603050405020304" pitchFamily="18" charset="0"/>
-                <a:cs typeface="Times New Roman" panose="02020603050405020304" pitchFamily="18" charset="0"/>
-              </a:defRPr>
-            </a:lvl1pPr>
-          </a:lstStyle>
-          <a:p>
-            <a:r>
-              <a:rPr lang="el-GR" altLang="zh-CN" sz="1000" i="0" dirty="0"/>
-              <a:t>β:α</a:t>
-            </a:r>
-            <a:endParaRPr lang="zh-CN" altLang="en-US" sz="1000" i="0" dirty="0"/>
-          </a:p>
-        </p:txBody>
-      </p:sp>
-      <p:sp>
-        <p:nvSpPr>
-          <p:cNvPr id="106" name="文本框 105">
-            <a:extLst>
-              <a:ext uri="{FF2B5EF4-FFF2-40B4-BE49-F238E27FC236}">
-                <a16:creationId xmlns:a16="http://schemas.microsoft.com/office/drawing/2014/main" id="{F463020F-CDD3-2902-D6A5-76477F3923DC}"/>
-              </a:ext>
-            </a:extLst>
-          </p:cNvPr>
-          <p:cNvSpPr txBox="1"/>
-          <p:nvPr/>
-        </p:nvSpPr>
-        <p:spPr>
-          <a:xfrm rot="16200000">
-            <a:off x="4824811" y="5934024"/>
-            <a:ext cx="407165" cy="166712"/>
-          </a:xfrm>
-          <a:prstGeom prst="rect">
-            <a:avLst/>
-          </a:prstGeom>
-        </p:spPr>
-        <p:txBody>
-          <a:bodyPr vert="horz" wrap="square" lIns="0" tIns="12700" rIns="0" bIns="0" rtlCol="0">
-            <a:spAutoFit/>
-          </a:bodyPr>
-          <a:lstStyle>
-            <a:defPPr>
-              <a:defRPr lang="zh-CN"/>
-            </a:defPPr>
-            <a:lvl1pPr marL="12700">
-              <a:lnSpc>
-                <a:spcPct val="100000"/>
-              </a:lnSpc>
-              <a:spcBef>
-                <a:spcPts val="100"/>
-              </a:spcBef>
-              <a:defRPr sz="1100" i="1">
-                <a:latin typeface="Times New Roman" panose="02020603050405020304" pitchFamily="18" charset="0"/>
-                <a:cs typeface="Times New Roman" panose="02020603050405020304" pitchFamily="18" charset="0"/>
-              </a:defRPr>
-            </a:lvl1pPr>
-          </a:lstStyle>
-          <a:p>
-            <a:r>
-              <a:rPr lang="en-US" altLang="zh-CN" sz="1000" i="0" dirty="0"/>
-              <a:t>Ⅰ-Area</a:t>
-            </a:r>
-            <a:endParaRPr lang="zh-CN" altLang="en-US" sz="1000" i="0" dirty="0"/>
-          </a:p>
-        </p:txBody>
-      </p:sp>
-      <p:sp>
-        <p:nvSpPr>
-          <p:cNvPr id="107" name="文本框 106">
-            <a:extLst>
-              <a:ext uri="{FF2B5EF4-FFF2-40B4-BE49-F238E27FC236}">
-                <a16:creationId xmlns:a16="http://schemas.microsoft.com/office/drawing/2014/main" id="{829BE34B-D01A-DF27-DAF0-10BFB0DE0DFA}"/>
-              </a:ext>
-            </a:extLst>
-          </p:cNvPr>
-          <p:cNvSpPr txBox="1"/>
-          <p:nvPr/>
-        </p:nvSpPr>
-        <p:spPr>
-          <a:xfrm rot="16200000">
-            <a:off x="5053411" y="5956080"/>
-            <a:ext cx="407165" cy="166712"/>
-          </a:xfrm>
-          <a:prstGeom prst="rect">
-            <a:avLst/>
-          </a:prstGeom>
-        </p:spPr>
-        <p:txBody>
-          <a:bodyPr vert="horz" wrap="square" lIns="0" tIns="12700" rIns="0" bIns="0" rtlCol="0">
-            <a:spAutoFit/>
-          </a:bodyPr>
-          <a:lstStyle>
-            <a:defPPr>
-              <a:defRPr lang="zh-CN"/>
-            </a:defPPr>
-            <a:lvl1pPr marL="12700">
-              <a:lnSpc>
-                <a:spcPct val="100000"/>
-              </a:lnSpc>
-              <a:spcBef>
-                <a:spcPts val="100"/>
-              </a:spcBef>
-              <a:defRPr sz="1100" i="1">
-                <a:latin typeface="Times New Roman" panose="02020603050405020304" pitchFamily="18" charset="0"/>
-                <a:cs typeface="Times New Roman" panose="02020603050405020304" pitchFamily="18" charset="0"/>
-              </a:defRPr>
-            </a:lvl1pPr>
-          </a:lstStyle>
-          <a:p>
-            <a:r>
-              <a:rPr lang="en-US" altLang="zh-CN" sz="1000" i="0" dirty="0"/>
-              <a:t>Ⅱ-Area</a:t>
-            </a:r>
-            <a:endParaRPr lang="zh-CN" altLang="en-US" sz="1000" i="0" dirty="0"/>
-          </a:p>
-        </p:txBody>
-      </p:sp>
-      <p:sp>
-        <p:nvSpPr>
-          <p:cNvPr id="108" name="文本框 107">
-            <a:extLst>
-              <a:ext uri="{FF2B5EF4-FFF2-40B4-BE49-F238E27FC236}">
-                <a16:creationId xmlns:a16="http://schemas.microsoft.com/office/drawing/2014/main" id="{48EED5A3-E83E-AD5A-56B9-C716317E5A21}"/>
-              </a:ext>
-            </a:extLst>
-          </p:cNvPr>
-          <p:cNvSpPr txBox="1"/>
-          <p:nvPr/>
-        </p:nvSpPr>
-        <p:spPr>
-          <a:xfrm rot="16200000">
-            <a:off x="5248740" y="5956081"/>
-            <a:ext cx="473707" cy="166712"/>
-          </a:xfrm>
-          <a:prstGeom prst="rect">
-            <a:avLst/>
-          </a:prstGeom>
-        </p:spPr>
-        <p:txBody>
-          <a:bodyPr vert="horz" wrap="square" lIns="0" tIns="12700" rIns="0" bIns="0" rtlCol="0">
-            <a:spAutoFit/>
-          </a:bodyPr>
-          <a:lstStyle>
-            <a:defPPr>
-              <a:defRPr lang="zh-CN"/>
-            </a:defPPr>
-            <a:lvl1pPr marL="12700">
-              <a:lnSpc>
-                <a:spcPct val="100000"/>
-              </a:lnSpc>
-              <a:spcBef>
-                <a:spcPts val="100"/>
-              </a:spcBef>
-              <a:defRPr sz="1100" i="1">
-                <a:latin typeface="Times New Roman" panose="02020603050405020304" pitchFamily="18" charset="0"/>
-                <a:cs typeface="Times New Roman" panose="02020603050405020304" pitchFamily="18" charset="0"/>
-              </a:defRPr>
-            </a:lvl1pPr>
-          </a:lstStyle>
-          <a:p>
-            <a:r>
-              <a:rPr lang="en-US" altLang="zh-CN" sz="1000" i="0" dirty="0"/>
-              <a:t>Ⅲ-Area</a:t>
-            </a:r>
-            <a:endParaRPr lang="zh-CN" altLang="en-US" sz="1000" i="0" dirty="0"/>
-          </a:p>
-        </p:txBody>
-      </p:sp>
-      <p:sp>
-        <p:nvSpPr>
-          <p:cNvPr id="109" name="文本框 108">
-            <a:extLst>
-              <a:ext uri="{FF2B5EF4-FFF2-40B4-BE49-F238E27FC236}">
-                <a16:creationId xmlns:a16="http://schemas.microsoft.com/office/drawing/2014/main" id="{E99D62F3-E6FF-9814-316B-CDD7C8906DCF}"/>
-              </a:ext>
-            </a:extLst>
-          </p:cNvPr>
-          <p:cNvSpPr txBox="1"/>
-          <p:nvPr/>
-        </p:nvSpPr>
-        <p:spPr>
-          <a:xfrm rot="16200000">
-            <a:off x="5491653" y="5966434"/>
-            <a:ext cx="473707" cy="166712"/>
-          </a:xfrm>
-          <a:prstGeom prst="rect">
-            <a:avLst/>
-          </a:prstGeom>
-        </p:spPr>
-        <p:txBody>
-          <a:bodyPr vert="horz" wrap="square" lIns="0" tIns="12700" rIns="0" bIns="0" rtlCol="0">
-            <a:spAutoFit/>
-          </a:bodyPr>
-          <a:lstStyle>
-            <a:defPPr>
-              <a:defRPr lang="zh-CN"/>
-            </a:defPPr>
-            <a:lvl1pPr marL="12700">
-              <a:lnSpc>
-                <a:spcPct val="100000"/>
-              </a:lnSpc>
-              <a:spcBef>
-                <a:spcPts val="100"/>
-              </a:spcBef>
-              <a:defRPr sz="1100" i="1">
-                <a:latin typeface="Times New Roman" panose="02020603050405020304" pitchFamily="18" charset="0"/>
-                <a:cs typeface="Times New Roman" panose="02020603050405020304" pitchFamily="18" charset="0"/>
-              </a:defRPr>
-            </a:lvl1pPr>
-          </a:lstStyle>
-          <a:p>
-            <a:r>
-              <a:rPr lang="en-US" altLang="zh-CN" sz="1000" i="0" dirty="0"/>
-              <a:t>Ⅳ-Area</a:t>
-            </a:r>
-            <a:endParaRPr lang="zh-CN" altLang="en-US" sz="1000" i="0" dirty="0"/>
-          </a:p>
-        </p:txBody>
-      </p:sp>
-      <p:sp>
-        <p:nvSpPr>
-          <p:cNvPr id="110" name="文本框 109">
-            <a:extLst>
-              <a:ext uri="{FF2B5EF4-FFF2-40B4-BE49-F238E27FC236}">
-                <a16:creationId xmlns:a16="http://schemas.microsoft.com/office/drawing/2014/main" id="{DADD944B-3450-0CBA-AAA2-39C154AC9964}"/>
-              </a:ext>
-            </a:extLst>
-          </p:cNvPr>
-          <p:cNvSpPr txBox="1"/>
-          <p:nvPr/>
-        </p:nvSpPr>
-        <p:spPr>
-          <a:xfrm rot="16200000">
-            <a:off x="5739211" y="5956082"/>
-            <a:ext cx="407165" cy="166712"/>
-          </a:xfrm>
-          <a:prstGeom prst="rect">
-            <a:avLst/>
-          </a:prstGeom>
-        </p:spPr>
-        <p:txBody>
-          <a:bodyPr vert="horz" wrap="square" lIns="0" tIns="12700" rIns="0" bIns="0" rtlCol="0">
-            <a:spAutoFit/>
-          </a:bodyPr>
-          <a:lstStyle>
-            <a:defPPr>
-              <a:defRPr lang="zh-CN"/>
-            </a:defPPr>
-            <a:lvl1pPr marL="12700">
-              <a:lnSpc>
-                <a:spcPct val="100000"/>
-              </a:lnSpc>
-              <a:spcBef>
-                <a:spcPts val="100"/>
-              </a:spcBef>
-              <a:defRPr sz="1100" i="1">
-                <a:latin typeface="Times New Roman" panose="02020603050405020304" pitchFamily="18" charset="0"/>
-                <a:cs typeface="Times New Roman" panose="02020603050405020304" pitchFamily="18" charset="0"/>
-              </a:defRPr>
-            </a:lvl1pPr>
-          </a:lstStyle>
-          <a:p>
-            <a:r>
-              <a:rPr lang="en-US" altLang="zh-CN" sz="1000" i="0" dirty="0"/>
-              <a:t>Ⅴ-Area</a:t>
-            </a:r>
-            <a:endParaRPr lang="zh-CN" altLang="en-US" sz="1000" i="0" dirty="0"/>
-          </a:p>
-        </p:txBody>
-      </p:sp>
-      <p:sp>
-        <p:nvSpPr>
-          <p:cNvPr id="111" name="文本框 110">
-            <a:extLst>
-              <a:ext uri="{FF2B5EF4-FFF2-40B4-BE49-F238E27FC236}">
-                <a16:creationId xmlns:a16="http://schemas.microsoft.com/office/drawing/2014/main" id="{1ABCD818-CD97-9C4F-D1D6-EDF8A45B3261}"/>
-              </a:ext>
-            </a:extLst>
-          </p:cNvPr>
-          <p:cNvSpPr txBox="1"/>
-          <p:nvPr/>
-        </p:nvSpPr>
-        <p:spPr>
-          <a:xfrm rot="16200000">
-            <a:off x="6082051" y="5846153"/>
-            <a:ext cx="178686" cy="166712"/>
-          </a:xfrm>
-          <a:prstGeom prst="rect">
-            <a:avLst/>
-          </a:prstGeom>
-        </p:spPr>
-        <p:txBody>
-          <a:bodyPr vert="horz" wrap="square" lIns="0" tIns="12700" rIns="0" bIns="0" rtlCol="0">
-            <a:spAutoFit/>
-          </a:bodyPr>
-          <a:lstStyle>
-            <a:defPPr>
-              <a:defRPr lang="zh-CN"/>
-            </a:defPPr>
-            <a:lvl1pPr marL="12700">
-              <a:lnSpc>
-                <a:spcPct val="100000"/>
-              </a:lnSpc>
-              <a:spcBef>
-                <a:spcPts val="100"/>
-              </a:spcBef>
-              <a:defRPr sz="1100" i="1">
-                <a:latin typeface="Times New Roman" panose="02020603050405020304" pitchFamily="18" charset="0"/>
-                <a:cs typeface="Times New Roman" panose="02020603050405020304" pitchFamily="18" charset="0"/>
-              </a:defRPr>
-            </a:lvl1pPr>
-          </a:lstStyle>
-          <a:p>
-            <a:r>
-              <a:rPr lang="en-US" altLang="zh-CN" sz="1000" i="0" dirty="0"/>
-              <a:t>pH</a:t>
-            </a:r>
-            <a:endParaRPr lang="zh-CN" altLang="en-US" sz="1000" i="0" dirty="0"/>
-          </a:p>
-        </p:txBody>
-      </p:sp>
-      <p:sp>
-        <p:nvSpPr>
-          <p:cNvPr id="112" name="文本框 111">
-            <a:extLst>
-              <a:ext uri="{FF2B5EF4-FFF2-40B4-BE49-F238E27FC236}">
-                <a16:creationId xmlns:a16="http://schemas.microsoft.com/office/drawing/2014/main" id="{253FE8CA-B6D4-6D65-F1BA-97D05DB83A8A}"/>
-              </a:ext>
-            </a:extLst>
-          </p:cNvPr>
-          <p:cNvSpPr txBox="1"/>
-          <p:nvPr/>
-        </p:nvSpPr>
-        <p:spPr>
-          <a:xfrm rot="16200000">
-            <a:off x="6304578" y="5844981"/>
-            <a:ext cx="219456" cy="166712"/>
-          </a:xfrm>
-          <a:prstGeom prst="rect">
-            <a:avLst/>
-          </a:prstGeom>
-        </p:spPr>
-        <p:txBody>
-          <a:bodyPr vert="horz" wrap="square" lIns="0" tIns="12700" rIns="0" bIns="0" rtlCol="0">
-            <a:spAutoFit/>
-          </a:bodyPr>
-          <a:lstStyle>
-            <a:defPPr>
-              <a:defRPr lang="zh-CN"/>
-            </a:defPPr>
-            <a:lvl1pPr marL="12700">
-              <a:lnSpc>
-                <a:spcPct val="100000"/>
-              </a:lnSpc>
-              <a:spcBef>
-                <a:spcPts val="100"/>
-              </a:spcBef>
-              <a:defRPr sz="1100" i="1">
-                <a:latin typeface="Times New Roman" panose="02020603050405020304" pitchFamily="18" charset="0"/>
-                <a:cs typeface="Times New Roman" panose="02020603050405020304" pitchFamily="18" charset="0"/>
-              </a:defRPr>
-            </a:lvl1pPr>
-          </a:lstStyle>
-          <a:p>
-            <a:r>
-              <a:rPr lang="en-US" altLang="zh-CN" sz="1000" i="0" dirty="0"/>
-              <a:t>DO</a:t>
-            </a:r>
-            <a:endParaRPr lang="zh-CN" altLang="en-US" sz="1000" i="0" dirty="0"/>
-          </a:p>
-        </p:txBody>
-      </p:sp>
-      <p:sp>
-        <p:nvSpPr>
-          <p:cNvPr id="113" name="文本框 112">
-            <a:extLst>
-              <a:ext uri="{FF2B5EF4-FFF2-40B4-BE49-F238E27FC236}">
-                <a16:creationId xmlns:a16="http://schemas.microsoft.com/office/drawing/2014/main" id="{C2422A31-901D-F597-A2E4-65FB8F7E6267}"/>
-              </a:ext>
-            </a:extLst>
-          </p:cNvPr>
-          <p:cNvSpPr txBox="1"/>
-          <p:nvPr/>
-        </p:nvSpPr>
-        <p:spPr>
-          <a:xfrm rot="16200000">
-            <a:off x="6533178" y="5844820"/>
-            <a:ext cx="219456" cy="166712"/>
-          </a:xfrm>
-          <a:prstGeom prst="rect">
-            <a:avLst/>
-          </a:prstGeom>
-        </p:spPr>
-        <p:txBody>
-          <a:bodyPr vert="horz" wrap="square" lIns="0" tIns="12700" rIns="0" bIns="0" rtlCol="0">
-            <a:spAutoFit/>
-          </a:bodyPr>
-          <a:lstStyle>
-            <a:defPPr>
-              <a:defRPr lang="zh-CN"/>
-            </a:defPPr>
-            <a:lvl1pPr marL="12700">
-              <a:lnSpc>
-                <a:spcPct val="100000"/>
-              </a:lnSpc>
-              <a:spcBef>
-                <a:spcPts val="100"/>
-              </a:spcBef>
-              <a:defRPr sz="1100" i="1">
-                <a:latin typeface="Times New Roman" panose="02020603050405020304" pitchFamily="18" charset="0"/>
-                <a:cs typeface="Times New Roman" panose="02020603050405020304" pitchFamily="18" charset="0"/>
-              </a:defRPr>
-            </a:lvl1pPr>
-          </a:lstStyle>
-          <a:p>
-            <a:r>
-              <a:rPr lang="en-US" altLang="zh-CN" sz="1000" i="0" dirty="0"/>
-              <a:t>TN</a:t>
-            </a:r>
-            <a:endParaRPr lang="zh-CN" altLang="en-US" sz="1000" i="0" dirty="0"/>
-          </a:p>
-        </p:txBody>
-      </p:sp>
-      <mc:AlternateContent xmlns:mc="http://schemas.openxmlformats.org/markup-compatibility/2006">
-        <mc:Choice xmlns:a14="http://schemas.microsoft.com/office/drawing/2010/main" Requires="a14">
-          <p:sp>
-            <p:nvSpPr>
-              <p:cNvPr id="114" name="文本框 113">
-                <a:extLst>
-                  <a:ext uri="{FF2B5EF4-FFF2-40B4-BE49-F238E27FC236}">
-                    <a16:creationId xmlns:a16="http://schemas.microsoft.com/office/drawing/2014/main" id="{64381F5C-8BCC-5C2D-CD1D-1D11D60AF7F7}"/>
-                  </a:ext>
-                </a:extLst>
-              </p:cNvPr>
-              <p:cNvSpPr txBox="1"/>
-              <p:nvPr/>
-            </p:nvSpPr>
-            <p:spPr>
-              <a:xfrm rot="16200000">
-                <a:off x="6809735" y="5885404"/>
-                <a:ext cx="247317" cy="166712"/>
-              </a:xfrm>
-              <a:prstGeom prst="rect">
-                <a:avLst/>
-              </a:prstGeom>
-            </p:spPr>
-            <p:txBody>
-              <a:bodyPr vert="horz" wrap="square" lIns="0" tIns="12700" rIns="0" bIns="0" rtlCol="0">
-                <a:spAutoFit/>
-              </a:bodyPr>
-              <a:lstStyle>
-                <a:defPPr>
-                  <a:defRPr lang="zh-CN"/>
-                </a:defPPr>
-                <a:lvl1pPr marL="12700">
-                  <a:lnSpc>
-                    <a:spcPct val="100000"/>
-                  </a:lnSpc>
-                  <a:spcBef>
-                    <a:spcPts val="100"/>
-                  </a:spcBef>
-                  <a:defRPr sz="1100" i="1">
-                    <a:latin typeface="Times New Roman" panose="02020603050405020304" pitchFamily="18" charset="0"/>
-                    <a:cs typeface="Times New Roman" panose="02020603050405020304" pitchFamily="18" charset="0"/>
-                  </a:defRPr>
-                </a:lvl1pPr>
-              </a:lstStyle>
-              <a:p>
-                <a:pPr/>
-                <a14:m>
-                  <m:oMathPara xmlns:m="http://schemas.openxmlformats.org/officeDocument/2006/math">
-                    <m:oMathParaPr>
-                      <m:jc m:val="centerGroup"/>
-                    </m:oMathParaPr>
-                    <m:oMath xmlns:m="http://schemas.openxmlformats.org/officeDocument/2006/math">
-                      <m:sSubSup>
-                        <m:sSubSupPr>
-                          <m:ctrlPr>
-                            <a:rPr lang="en-US" altLang="zh-CN" sz="1000" i="1">
-                              <a:latin typeface="Cambria Math" panose="02040503050406030204" pitchFamily="18" charset="0"/>
-                            </a:rPr>
-                          </m:ctrlPr>
-                        </m:sSubSupPr>
-                        <m:e>
-                          <m:r>
-                            <a:rPr lang="en-US" altLang="zh-CN" sz="1000">
-                              <a:latin typeface="Cambria Math" panose="02040503050406030204" pitchFamily="18" charset="0"/>
-                            </a:rPr>
-                            <m:t>𝑁𝑂</m:t>
-                          </m:r>
-                        </m:e>
-                        <m:sub>
-                          <m:r>
-                            <a:rPr lang="en-US" altLang="zh-CN" sz="1000">
-                              <a:latin typeface="Cambria Math" panose="02040503050406030204" pitchFamily="18" charset="0"/>
-                            </a:rPr>
-                            <m:t>2</m:t>
-                          </m:r>
-                        </m:sub>
-                        <m:sup>
-                          <m:r>
-                            <a:rPr lang="en-US" altLang="zh-CN" sz="1000">
-                              <a:latin typeface="Cambria Math" panose="02040503050406030204" pitchFamily="18" charset="0"/>
-                            </a:rPr>
-                            <m:t>−</m:t>
-                          </m:r>
-                        </m:sup>
-                      </m:sSubSup>
-                    </m:oMath>
-                  </m:oMathPara>
-                </a14:m>
-                <a:endParaRPr lang="zh-CN" altLang="en-US" sz="1000" dirty="0"/>
-              </a:p>
-            </p:txBody>
-          </p:sp>
-        </mc:Choice>
-        <mc:Fallback>
-          <p:sp>
-            <p:nvSpPr>
-              <p:cNvPr id="114" name="文本框 113">
-                <a:extLst>
-                  <a:ext uri="{FF2B5EF4-FFF2-40B4-BE49-F238E27FC236}">
-                    <a16:creationId xmlns:a16="http://schemas.microsoft.com/office/drawing/2014/main" id="{64381F5C-8BCC-5C2D-CD1D-1D11D60AF7F7}"/>
-                  </a:ext>
-                </a:extLst>
-              </p:cNvPr>
-              <p:cNvSpPr txBox="1">
-                <a:spLocks noRot="1" noChangeAspect="1" noMove="1" noResize="1" noEditPoints="1" noAdjustHandles="1" noChangeArrowheads="1" noChangeShapeType="1" noTextEdit="1"/>
-              </p:cNvSpPr>
-              <p:nvPr/>
-            </p:nvSpPr>
-            <p:spPr>
-              <a:xfrm rot="16200000">
-                <a:off x="6809735" y="5885404"/>
-                <a:ext cx="247317" cy="166712"/>
-              </a:xfrm>
-              <a:prstGeom prst="rect">
-                <a:avLst/>
-              </a:prstGeom>
-              <a:blipFill>
-                <a:blip r:embed="rId9"/>
-                <a:stretch>
-                  <a:fillRect t="-15000" r="-18519" b="-15000"/>
-                </a:stretch>
-              </a:blipFill>
-            </p:spPr>
-            <p:txBody>
-              <a:bodyPr/>
-              <a:lstStyle/>
-              <a:p>
-                <a:r>
-                  <a:rPr lang="zh-CN" altLang="en-US">
-                    <a:noFill/>
-                  </a:rPr>
-                  <a:t> </a:t>
-                </a:r>
-              </a:p>
-            </p:txBody>
-          </p:sp>
-        </mc:Fallback>
-      </mc:AlternateContent>
-      <mc:AlternateContent xmlns:mc="http://schemas.openxmlformats.org/markup-compatibility/2006">
-        <mc:Choice xmlns:a14="http://schemas.microsoft.com/office/drawing/2010/main" Requires="a14">
-          <p:sp>
-            <p:nvSpPr>
-              <p:cNvPr id="115" name="文本框 114">
-                <a:extLst>
-                  <a:ext uri="{FF2B5EF4-FFF2-40B4-BE49-F238E27FC236}">
-                    <a16:creationId xmlns:a16="http://schemas.microsoft.com/office/drawing/2014/main" id="{09E9EA0D-BE5B-701B-1CBC-959E40E4EA12}"/>
-                  </a:ext>
-                </a:extLst>
-              </p:cNvPr>
-              <p:cNvSpPr txBox="1"/>
-              <p:nvPr/>
-            </p:nvSpPr>
-            <p:spPr>
-              <a:xfrm rot="16200000">
-                <a:off x="7038335" y="5902779"/>
-                <a:ext cx="247318" cy="166712"/>
-              </a:xfrm>
-              <a:prstGeom prst="rect">
-                <a:avLst/>
-              </a:prstGeom>
-            </p:spPr>
-            <p:txBody>
-              <a:bodyPr vert="horz" wrap="square" lIns="0" tIns="12700" rIns="0" bIns="0" rtlCol="0">
-                <a:spAutoFit/>
-              </a:bodyPr>
-              <a:lstStyle>
-                <a:defPPr>
-                  <a:defRPr lang="zh-CN"/>
-                </a:defPPr>
-                <a:lvl1pPr marL="12700">
-                  <a:lnSpc>
-                    <a:spcPct val="100000"/>
-                  </a:lnSpc>
-                  <a:spcBef>
-                    <a:spcPts val="100"/>
-                  </a:spcBef>
-                  <a:defRPr sz="1100" i="1">
-                    <a:latin typeface="Times New Roman" panose="02020603050405020304" pitchFamily="18" charset="0"/>
-                    <a:cs typeface="Times New Roman" panose="02020603050405020304" pitchFamily="18" charset="0"/>
-                  </a:defRPr>
-                </a:lvl1pPr>
-              </a:lstStyle>
-              <a:p>
-                <a:pPr/>
-                <a14:m>
-                  <m:oMathPara xmlns:m="http://schemas.openxmlformats.org/officeDocument/2006/math">
-                    <m:oMathParaPr>
-                      <m:jc m:val="centerGroup"/>
-                    </m:oMathParaPr>
-                    <m:oMath xmlns:m="http://schemas.openxmlformats.org/officeDocument/2006/math">
-                      <m:sSubSup>
-                        <m:sSubSupPr>
-                          <m:ctrlPr>
-                            <a:rPr lang="en-US" altLang="zh-CN" sz="1000" i="1">
-                              <a:latin typeface="Cambria Math" panose="02040503050406030204" pitchFamily="18" charset="0"/>
-                            </a:rPr>
-                          </m:ctrlPr>
-                        </m:sSubSupPr>
-                        <m:e>
-                          <m:r>
-                            <a:rPr lang="en-US" altLang="zh-CN" sz="1000">
-                              <a:latin typeface="Cambria Math" panose="02040503050406030204" pitchFamily="18" charset="0"/>
-                            </a:rPr>
-                            <m:t>𝑁𝑂</m:t>
-                          </m:r>
-                        </m:e>
-                        <m:sub>
-                          <m:r>
-                            <a:rPr lang="en-US" altLang="zh-CN" sz="1000">
-                              <a:latin typeface="Cambria Math" panose="02040503050406030204" pitchFamily="18" charset="0"/>
-                            </a:rPr>
-                            <m:t>3</m:t>
-                          </m:r>
-                        </m:sub>
-                        <m:sup>
-                          <m:r>
-                            <a:rPr lang="en-US" altLang="zh-CN" sz="1000">
-                              <a:latin typeface="Cambria Math" panose="02040503050406030204" pitchFamily="18" charset="0"/>
-                            </a:rPr>
-                            <m:t>−</m:t>
-                          </m:r>
-                        </m:sup>
-                      </m:sSubSup>
-                    </m:oMath>
-                  </m:oMathPara>
-                </a14:m>
-                <a:endParaRPr lang="zh-CN" altLang="en-US" sz="1000" dirty="0"/>
-              </a:p>
-            </p:txBody>
-          </p:sp>
-        </mc:Choice>
-        <mc:Fallback>
-          <p:sp>
-            <p:nvSpPr>
-              <p:cNvPr id="115" name="文本框 114">
-                <a:extLst>
-                  <a:ext uri="{FF2B5EF4-FFF2-40B4-BE49-F238E27FC236}">
-                    <a16:creationId xmlns:a16="http://schemas.microsoft.com/office/drawing/2014/main" id="{09E9EA0D-BE5B-701B-1CBC-959E40E4EA12}"/>
-                  </a:ext>
-                </a:extLst>
-              </p:cNvPr>
-              <p:cNvSpPr txBox="1">
-                <a:spLocks noRot="1" noChangeAspect="1" noMove="1" noResize="1" noEditPoints="1" noAdjustHandles="1" noChangeArrowheads="1" noChangeShapeType="1" noTextEdit="1"/>
-              </p:cNvSpPr>
-              <p:nvPr/>
-            </p:nvSpPr>
-            <p:spPr>
-              <a:xfrm rot="16200000">
-                <a:off x="7038335" y="5902779"/>
-                <a:ext cx="247318" cy="166712"/>
-              </a:xfrm>
-              <a:prstGeom prst="rect">
-                <a:avLst/>
-              </a:prstGeom>
-              <a:blipFill>
-                <a:blip r:embed="rId10"/>
-                <a:stretch>
-                  <a:fillRect t="-15000" r="-14286" b="-15000"/>
-                </a:stretch>
-              </a:blipFill>
-            </p:spPr>
-            <p:txBody>
-              <a:bodyPr/>
-              <a:lstStyle/>
-              <a:p>
-                <a:r>
-                  <a:rPr lang="zh-CN" altLang="en-US">
-                    <a:noFill/>
-                  </a:rPr>
-                  <a:t> </a:t>
-                </a:r>
-              </a:p>
-            </p:txBody>
-          </p:sp>
-        </mc:Fallback>
-      </mc:AlternateContent>
-      <mc:AlternateContent xmlns:mc="http://schemas.openxmlformats.org/markup-compatibility/2006">
-        <mc:Choice xmlns:a14="http://schemas.microsoft.com/office/drawing/2010/main" Requires="a14">
-          <p:sp>
-            <p:nvSpPr>
-              <p:cNvPr id="116" name="文本框 115">
-                <a:extLst>
-                  <a:ext uri="{FF2B5EF4-FFF2-40B4-BE49-F238E27FC236}">
-                    <a16:creationId xmlns:a16="http://schemas.microsoft.com/office/drawing/2014/main" id="{CD7247BB-86A9-A1E8-18CD-56806694AB2B}"/>
-                  </a:ext>
-                </a:extLst>
-              </p:cNvPr>
-              <p:cNvSpPr txBox="1"/>
-              <p:nvPr/>
-            </p:nvSpPr>
-            <p:spPr>
-              <a:xfrm rot="16200000">
-                <a:off x="7268051" y="5910129"/>
-                <a:ext cx="245086" cy="166712"/>
-              </a:xfrm>
-              <a:prstGeom prst="rect">
-                <a:avLst/>
-              </a:prstGeom>
-            </p:spPr>
-            <p:txBody>
-              <a:bodyPr vert="horz" wrap="square" lIns="0" tIns="12700" rIns="0" bIns="0" rtlCol="0">
-                <a:spAutoFit/>
-              </a:bodyPr>
-              <a:lstStyle>
-                <a:defPPr>
-                  <a:defRPr lang="zh-CN"/>
-                </a:defPPr>
-                <a:lvl1pPr marL="12700">
-                  <a:lnSpc>
-                    <a:spcPct val="100000"/>
-                  </a:lnSpc>
-                  <a:spcBef>
-                    <a:spcPts val="100"/>
-                  </a:spcBef>
-                  <a:defRPr sz="1100" i="1">
-                    <a:latin typeface="Times New Roman" panose="02020603050405020304" pitchFamily="18" charset="0"/>
-                    <a:cs typeface="Times New Roman" panose="02020603050405020304" pitchFamily="18" charset="0"/>
-                  </a:defRPr>
-                </a:lvl1pPr>
-              </a:lstStyle>
-              <a:p>
-                <a:pPr/>
-                <a14:m>
-                  <m:oMathPara xmlns:m="http://schemas.openxmlformats.org/officeDocument/2006/math">
-                    <m:oMathParaPr>
-                      <m:jc m:val="centerGroup"/>
-                    </m:oMathParaPr>
-                    <m:oMath xmlns:m="http://schemas.openxmlformats.org/officeDocument/2006/math">
-                      <m:sSubSup>
-                        <m:sSubSupPr>
-                          <m:ctrlPr>
-                            <a:rPr lang="en-US" altLang="zh-CN" sz="1000" i="1">
-                              <a:latin typeface="Cambria Math" panose="02040503050406030204" pitchFamily="18" charset="0"/>
-                            </a:rPr>
-                          </m:ctrlPr>
-                        </m:sSubSupPr>
-                        <m:e>
-                          <m:r>
-                            <a:rPr lang="en-US" altLang="zh-CN" sz="1000">
-                              <a:latin typeface="Cambria Math" panose="02040503050406030204" pitchFamily="18" charset="0"/>
-                            </a:rPr>
-                            <m:t>𝑁𝐻</m:t>
-                          </m:r>
-                        </m:e>
-                        <m:sub>
-                          <m:r>
-                            <a:rPr lang="en-US" altLang="zh-CN" sz="1000">
-                              <a:latin typeface="Cambria Math" panose="02040503050406030204" pitchFamily="18" charset="0"/>
-                            </a:rPr>
-                            <m:t>4</m:t>
-                          </m:r>
-                        </m:sub>
-                        <m:sup>
-                          <m:r>
-                            <a:rPr lang="en-US" altLang="zh-CN" sz="1000">
-                              <a:latin typeface="Cambria Math" panose="02040503050406030204" pitchFamily="18" charset="0"/>
-                            </a:rPr>
-                            <m:t>+</m:t>
-                          </m:r>
-                        </m:sup>
-                      </m:sSubSup>
-                    </m:oMath>
-                  </m:oMathPara>
-                </a14:m>
-                <a:endParaRPr lang="zh-CN" altLang="en-US" sz="1000" dirty="0"/>
-              </a:p>
-            </p:txBody>
-          </p:sp>
-        </mc:Choice>
-        <mc:Fallback>
-          <p:sp>
-            <p:nvSpPr>
-              <p:cNvPr id="116" name="文本框 115">
-                <a:extLst>
-                  <a:ext uri="{FF2B5EF4-FFF2-40B4-BE49-F238E27FC236}">
-                    <a16:creationId xmlns:a16="http://schemas.microsoft.com/office/drawing/2014/main" id="{CD7247BB-86A9-A1E8-18CD-56806694AB2B}"/>
-                  </a:ext>
-                </a:extLst>
-              </p:cNvPr>
-              <p:cNvSpPr txBox="1">
-                <a:spLocks noRot="1" noChangeAspect="1" noMove="1" noResize="1" noEditPoints="1" noAdjustHandles="1" noChangeArrowheads="1" noChangeShapeType="1" noTextEdit="1"/>
-              </p:cNvSpPr>
-              <p:nvPr/>
-            </p:nvSpPr>
-            <p:spPr>
-              <a:xfrm rot="16200000">
-                <a:off x="7268051" y="5910129"/>
-                <a:ext cx="245086" cy="166712"/>
-              </a:xfrm>
-              <a:prstGeom prst="rect">
-                <a:avLst/>
-              </a:prstGeom>
-              <a:blipFill>
-                <a:blip r:embed="rId11"/>
-                <a:stretch>
-                  <a:fillRect t="-22500" r="-18519" b="-15000"/>
-                </a:stretch>
-              </a:blipFill>
-            </p:spPr>
-            <p:txBody>
-              <a:bodyPr/>
-              <a:lstStyle/>
-              <a:p>
-                <a:r>
-                  <a:rPr lang="zh-CN" altLang="en-US">
-                    <a:noFill/>
-                  </a:rPr>
-                  <a:t> </a:t>
-                </a:r>
-              </a:p>
-            </p:txBody>
-          </p:sp>
-        </mc:Fallback>
-      </mc:AlternateContent>
-      <p:sp>
-        <p:nvSpPr>
-          <p:cNvPr id="117" name="文本框 116">
-            <a:extLst>
-              <a:ext uri="{FF2B5EF4-FFF2-40B4-BE49-F238E27FC236}">
-                <a16:creationId xmlns:a16="http://schemas.microsoft.com/office/drawing/2014/main" id="{304A4937-FB10-1439-781B-7AA479F09F8A}"/>
-              </a:ext>
-            </a:extLst>
-          </p:cNvPr>
-          <p:cNvSpPr txBox="1"/>
-          <p:nvPr/>
-        </p:nvSpPr>
-        <p:spPr>
-          <a:xfrm rot="16200000">
-            <a:off x="7463984" y="5892260"/>
-            <a:ext cx="310420" cy="166712"/>
-          </a:xfrm>
-          <a:prstGeom prst="rect">
-            <a:avLst/>
-          </a:prstGeom>
-        </p:spPr>
-        <p:txBody>
-          <a:bodyPr vert="horz" wrap="square" lIns="0" tIns="12700" rIns="0" bIns="0" rtlCol="0">
-            <a:spAutoFit/>
-          </a:bodyPr>
-          <a:lstStyle>
-            <a:defPPr>
-              <a:defRPr lang="zh-CN"/>
-            </a:defPPr>
-            <a:lvl1pPr marL="12700">
-              <a:lnSpc>
-                <a:spcPct val="100000"/>
-              </a:lnSpc>
-              <a:spcBef>
-                <a:spcPts val="100"/>
-              </a:spcBef>
-              <a:defRPr sz="1100" i="1">
-                <a:latin typeface="Times New Roman" panose="02020603050405020304" pitchFamily="18" charset="0"/>
-                <a:cs typeface="Times New Roman" panose="02020603050405020304" pitchFamily="18" charset="0"/>
-              </a:defRPr>
-            </a:lvl1pPr>
-          </a:lstStyle>
-          <a:p>
-            <a:r>
-              <a:rPr lang="en-US" altLang="zh-CN" sz="1000" i="0" dirty="0"/>
-              <a:t>COD</a:t>
-            </a:r>
-            <a:endParaRPr lang="zh-CN" altLang="en-US" sz="1000" i="0" dirty="0"/>
-          </a:p>
-        </p:txBody>
-      </p:sp>
-      <p:sp>
-        <p:nvSpPr>
-          <p:cNvPr id="118" name="文本框 117">
-            <a:extLst>
-              <a:ext uri="{FF2B5EF4-FFF2-40B4-BE49-F238E27FC236}">
-                <a16:creationId xmlns:a16="http://schemas.microsoft.com/office/drawing/2014/main" id="{4E39D0A8-5EF1-621E-E6CB-F1831EC78776}"/>
-              </a:ext>
-            </a:extLst>
-          </p:cNvPr>
-          <p:cNvSpPr txBox="1"/>
-          <p:nvPr/>
-        </p:nvSpPr>
-        <p:spPr>
-          <a:xfrm rot="16200000">
-            <a:off x="7815697" y="5826082"/>
-            <a:ext cx="64193" cy="166712"/>
-          </a:xfrm>
-          <a:prstGeom prst="rect">
-            <a:avLst/>
-          </a:prstGeom>
-        </p:spPr>
-        <p:txBody>
-          <a:bodyPr vert="horz" wrap="square" lIns="0" tIns="12700" rIns="0" bIns="0" rtlCol="0">
-            <a:spAutoFit/>
-          </a:bodyPr>
-          <a:lstStyle>
-            <a:defPPr>
-              <a:defRPr lang="zh-CN"/>
-            </a:defPPr>
-            <a:lvl1pPr marL="12700">
-              <a:lnSpc>
-                <a:spcPct val="100000"/>
-              </a:lnSpc>
-              <a:spcBef>
-                <a:spcPts val="100"/>
-              </a:spcBef>
-              <a:defRPr sz="1100" i="1">
-                <a:latin typeface="Times New Roman" panose="02020603050405020304" pitchFamily="18" charset="0"/>
-                <a:cs typeface="Times New Roman" panose="02020603050405020304" pitchFamily="18" charset="0"/>
-              </a:defRPr>
-            </a:lvl1pPr>
-          </a:lstStyle>
-          <a:p>
-            <a:r>
-              <a:rPr lang="en-US" altLang="zh-CN" sz="1000" i="0" dirty="0"/>
-              <a:t>T</a:t>
-            </a:r>
-            <a:endParaRPr lang="zh-CN" altLang="en-US" sz="1000" i="0" dirty="0"/>
-          </a:p>
-        </p:txBody>
-      </p:sp>
-      <p:cxnSp>
-        <p:nvCxnSpPr>
-          <p:cNvPr id="119" name="直接连接符 118">
-            <a:extLst>
-              <a:ext uri="{FF2B5EF4-FFF2-40B4-BE49-F238E27FC236}">
-                <a16:creationId xmlns:a16="http://schemas.microsoft.com/office/drawing/2014/main" id="{72D761BF-367C-BC48-C5D1-9E60B3265783}"/>
-              </a:ext>
-            </a:extLst>
-          </p:cNvPr>
-          <p:cNvCxnSpPr>
-            <a:cxnSpLocks/>
-          </p:cNvCxnSpPr>
-          <p:nvPr/>
-        </p:nvCxnSpPr>
-        <p:spPr>
-          <a:xfrm>
-            <a:off x="2749551" y="6978651"/>
-            <a:ext cx="3193242" cy="0"/>
-          </a:xfrm>
-          <a:prstGeom prst="line">
-            <a:avLst/>
-          </a:prstGeom>
-        </p:spPr>
-        <p:style>
-          <a:lnRef idx="1">
-            <a:schemeClr val="dk1"/>
-          </a:lnRef>
-          <a:fillRef idx="0">
-            <a:schemeClr val="dk1"/>
-          </a:fillRef>
-          <a:effectRef idx="0">
-            <a:schemeClr val="dk1"/>
-          </a:effectRef>
-          <a:fontRef idx="minor">
-            <a:schemeClr val="tx1"/>
-          </a:fontRef>
-        </p:style>
-      </p:cxnSp>
-      <p:sp>
-        <p:nvSpPr>
-          <p:cNvPr id="120" name="文本框 119">
-            <a:extLst>
-              <a:ext uri="{FF2B5EF4-FFF2-40B4-BE49-F238E27FC236}">
-                <a16:creationId xmlns:a16="http://schemas.microsoft.com/office/drawing/2014/main" id="{91C0F1F8-F1BE-0216-ED25-54E1E86BFBEC}"/>
-              </a:ext>
-            </a:extLst>
-          </p:cNvPr>
-          <p:cNvSpPr txBox="1"/>
-          <p:nvPr/>
-        </p:nvSpPr>
-        <p:spPr>
-          <a:xfrm>
-            <a:off x="3968751" y="6993448"/>
-            <a:ext cx="838199" cy="166712"/>
-          </a:xfrm>
-          <a:prstGeom prst="rect">
-            <a:avLst/>
-          </a:prstGeom>
-        </p:spPr>
-        <p:txBody>
-          <a:bodyPr vert="horz" wrap="square" lIns="0" tIns="12700" rIns="0" bIns="0" rtlCol="0">
-            <a:spAutoFit/>
-          </a:bodyPr>
-          <a:lstStyle>
-            <a:defPPr>
-              <a:defRPr lang="zh-CN"/>
-            </a:defPPr>
-            <a:lvl1pPr marL="12700">
-              <a:lnSpc>
-                <a:spcPct val="100000"/>
-              </a:lnSpc>
-              <a:spcBef>
-                <a:spcPts val="100"/>
-              </a:spcBef>
-              <a:defRPr sz="1100" i="1">
-                <a:latin typeface="Times New Roman" panose="02020603050405020304" pitchFamily="18" charset="0"/>
-                <a:cs typeface="Times New Roman" panose="02020603050405020304" pitchFamily="18" charset="0"/>
-              </a:defRPr>
-            </a:lvl1pPr>
-          </a:lstStyle>
-          <a:p>
-            <a:r>
-              <a:rPr lang="en-US" altLang="zh-CN" sz="1000" i="0" dirty="0"/>
-              <a:t>Sediment</a:t>
-            </a:r>
-            <a:endParaRPr lang="zh-CN" altLang="en-US" sz="1000" i="0" dirty="0"/>
-          </a:p>
-        </p:txBody>
-      </p:sp>
-      <p:cxnSp>
-        <p:nvCxnSpPr>
-          <p:cNvPr id="121" name="直接连接符 120">
-            <a:extLst>
-              <a:ext uri="{FF2B5EF4-FFF2-40B4-BE49-F238E27FC236}">
-                <a16:creationId xmlns:a16="http://schemas.microsoft.com/office/drawing/2014/main" id="{AF6DAE6E-D754-B211-3BD6-FA1BD6174599}"/>
-              </a:ext>
-            </a:extLst>
-          </p:cNvPr>
-          <p:cNvCxnSpPr>
-            <a:cxnSpLocks/>
-          </p:cNvCxnSpPr>
-          <p:nvPr/>
-        </p:nvCxnSpPr>
-        <p:spPr>
-          <a:xfrm rot="16200000">
-            <a:off x="7025366" y="6149067"/>
-            <a:ext cx="0" cy="1659168"/>
-          </a:xfrm>
-          <a:prstGeom prst="line">
-            <a:avLst/>
-          </a:prstGeom>
-        </p:spPr>
-        <p:style>
-          <a:lnRef idx="1">
-            <a:schemeClr val="dk1"/>
-          </a:lnRef>
-          <a:fillRef idx="0">
-            <a:schemeClr val="dk1"/>
-          </a:fillRef>
-          <a:effectRef idx="0">
-            <a:schemeClr val="dk1"/>
-          </a:effectRef>
-          <a:fontRef idx="minor">
-            <a:schemeClr val="tx1"/>
-          </a:fontRef>
-        </p:style>
-      </p:cxnSp>
-      <p:sp>
-        <p:nvSpPr>
-          <p:cNvPr id="122" name="文本框 121">
-            <a:extLst>
-              <a:ext uri="{FF2B5EF4-FFF2-40B4-BE49-F238E27FC236}">
-                <a16:creationId xmlns:a16="http://schemas.microsoft.com/office/drawing/2014/main" id="{0C5582CC-FD22-BF7C-0B45-E6E029701B6C}"/>
-              </a:ext>
-            </a:extLst>
-          </p:cNvPr>
-          <p:cNvSpPr txBox="1"/>
-          <p:nvPr/>
-        </p:nvSpPr>
-        <p:spPr>
-          <a:xfrm>
-            <a:off x="6497169" y="6993447"/>
-            <a:ext cx="1095032" cy="166712"/>
-          </a:xfrm>
-          <a:prstGeom prst="rect">
-            <a:avLst/>
-          </a:prstGeom>
-        </p:spPr>
-        <p:txBody>
-          <a:bodyPr vert="horz" wrap="square" lIns="0" tIns="12700" rIns="0" bIns="0" rtlCol="0">
-            <a:spAutoFit/>
-          </a:bodyPr>
-          <a:lstStyle>
-            <a:defPPr>
-              <a:defRPr lang="zh-CN"/>
-            </a:defPPr>
-            <a:lvl1pPr marL="12700">
-              <a:lnSpc>
-                <a:spcPct val="100000"/>
-              </a:lnSpc>
-              <a:spcBef>
-                <a:spcPts val="100"/>
-              </a:spcBef>
-              <a:defRPr sz="1100" i="1">
-                <a:latin typeface="Times New Roman" panose="02020603050405020304" pitchFamily="18" charset="0"/>
-                <a:cs typeface="Times New Roman" panose="02020603050405020304" pitchFamily="18" charset="0"/>
-              </a:defRPr>
-            </a:lvl1pPr>
-          </a:lstStyle>
-          <a:p>
-            <a:pPr algn="ctr"/>
-            <a:r>
-              <a:rPr lang="en-US" altLang="zh-CN" sz="1000" i="0" dirty="0"/>
-              <a:t>Overlying water</a:t>
-            </a:r>
-            <a:endParaRPr lang="zh-CN" altLang="en-US" sz="1000" i="0" dirty="0"/>
-          </a:p>
-        </p:txBody>
-      </p:sp>
-      <p:sp>
-        <p:nvSpPr>
-          <p:cNvPr id="148" name="object 10">
-            <a:extLst>
-              <a:ext uri="{FF2B5EF4-FFF2-40B4-BE49-F238E27FC236}">
-                <a16:creationId xmlns:a16="http://schemas.microsoft.com/office/drawing/2014/main" id="{070A8FDE-D4BE-943C-1798-64C520EF9422}"/>
-              </a:ext>
-            </a:extLst>
-          </p:cNvPr>
-          <p:cNvSpPr txBox="1"/>
-          <p:nvPr/>
-        </p:nvSpPr>
-        <p:spPr>
-          <a:xfrm>
-            <a:off x="8222483" y="5799340"/>
-            <a:ext cx="1007725" cy="182101"/>
+          <a:xfrm>
+            <a:off x="8007350" y="6026071"/>
+            <a:ext cx="1007725" cy="259045"/>
           </a:xfrm>
           <a:prstGeom prst="rect">
             <a:avLst/>
@@ -58385,22 +56971,25 @@
               </a:spcBef>
             </a:pPr>
             <a:r>
-              <a:rPr sz="1100" spc="-10" dirty="0">
-                <a:latin typeface="Times New Roman" panose="02020603050405020304" pitchFamily="18" charset="0"/>
+              <a:rPr sz="1600" spc="-10" dirty="0">
+                <a:latin typeface="Cambria Math" panose="02040503050406030204" pitchFamily="18" charset="0"/>
+                <a:ea typeface="Cambria Math" panose="02040503050406030204" pitchFamily="18" charset="0"/>
                 <a:cs typeface="Times New Roman" panose="02020603050405020304" pitchFamily="18" charset="0"/>
               </a:rPr>
               <a:t>Mantel's</a:t>
             </a:r>
             <a:r>
-              <a:rPr sz="1100" spc="-60" dirty="0">
-                <a:latin typeface="Times New Roman" panose="02020603050405020304" pitchFamily="18" charset="0"/>
+              <a:rPr sz="1600" spc="-60" dirty="0">
+                <a:latin typeface="Cambria Math" panose="02040503050406030204" pitchFamily="18" charset="0"/>
+                <a:ea typeface="Cambria Math" panose="02040503050406030204" pitchFamily="18" charset="0"/>
                 <a:cs typeface="Times New Roman" panose="02020603050405020304" pitchFamily="18" charset="0"/>
               </a:rPr>
               <a:t> </a:t>
             </a:r>
             <a:r>
-              <a:rPr sz="1100" dirty="0">
-                <a:latin typeface="Times New Roman" panose="02020603050405020304" pitchFamily="18" charset="0"/>
+              <a:rPr sz="1600" dirty="0">
+                <a:latin typeface="Cambria Math" panose="02040503050406030204" pitchFamily="18" charset="0"/>
+                <a:ea typeface="Cambria Math" panose="02040503050406030204" pitchFamily="18" charset="0"/>
                 <a:cs typeface="Times New Roman" panose="02020603050405020304" pitchFamily="18" charset="0"/>
               </a:rPr>
               <a:t>p</a:t>
@@ -58410,10 +56999,10 @@
       </p:sp>
       <p:graphicFrame>
         <p:nvGraphicFramePr>
-          <p:cNvPr id="149" name="object 11">
+          <p:cNvPr id="61" name="object 11">
             <a:extLst>
               <a:ext uri="{FF2B5EF4-FFF2-40B4-BE49-F238E27FC236}">
-                <a16:creationId xmlns:a16="http://schemas.microsoft.com/office/drawing/2014/main" id="{A2617244-006C-DD76-9AB8-36D1AC202CC0}"/>
+                <a16:creationId xmlns:a16="http://schemas.microsoft.com/office/drawing/2014/main" id="{E0CFDDDB-0F92-2FD2-5B6F-8A40F6B3863C}"/>
               </a:ext>
             </a:extLst>
           </p:cNvPr>
@@ -58423,13 +57012,13 @@
           <p:nvPr>
             <p:extLst>
               <p:ext uri="{D42A27DB-BD31-4B8C-83A1-F6EECF244321}">
-                <p14:modId xmlns:p14="http://schemas.microsoft.com/office/powerpoint/2010/main" val="3116091271"/>
+                <p14:modId xmlns:p14="http://schemas.microsoft.com/office/powerpoint/2010/main" val="2834997233"/>
               </p:ext>
             </p:extLst>
           </p:nvPr>
         </p:nvGraphicFramePr>
         <p:xfrm>
-          <a:off x="8249780" y="6094249"/>
+          <a:off x="8173580" y="6320461"/>
           <a:ext cx="219710" cy="872034"/>
         </p:xfrm>
         <a:graphic>
@@ -58458,7 +57047,7 @@
                           <a:spcPct val="100000"/>
                         </a:lnSpc>
                       </a:pPr>
-                      <a:endParaRPr sz="500">
+                      <a:endParaRPr sz="500" dirty="0">
                         <a:latin typeface="Times New Roman"/>
                         <a:cs typeface="Times New Roman"/>
                       </a:endParaRPr>
@@ -58605,10 +57194,10 @@
       </p:graphicFrame>
       <p:sp>
         <p:nvSpPr>
-          <p:cNvPr id="150" name="object 12">
+          <p:cNvPr id="62" name="object 12">
             <a:extLst>
               <a:ext uri="{FF2B5EF4-FFF2-40B4-BE49-F238E27FC236}">
-                <a16:creationId xmlns:a16="http://schemas.microsoft.com/office/drawing/2014/main" id="{D8CAA21C-EEE5-EF0C-D198-2535C1243EF6}"/>
+                <a16:creationId xmlns:a16="http://schemas.microsoft.com/office/drawing/2014/main" id="{0B31BDB9-2916-EB8C-E6D5-9BD77C772DBC}"/>
               </a:ext>
             </a:extLst>
           </p:cNvPr>
@@ -58617,8 +57206,8 @@
         </p:nvSpPr>
         <p:spPr>
           <a:xfrm>
-            <a:off x="8535619" y="6108589"/>
-            <a:ext cx="1107962" cy="687368"/>
+            <a:off x="8432815" y="6280700"/>
+            <a:ext cx="1107962" cy="918200"/>
           </a:xfrm>
           <a:prstGeom prst="rect">
             <a:avLst/>
@@ -58636,22 +57225,25 @@
               </a:spcBef>
             </a:pPr>
             <a:r>
-              <a:rPr sz="1100" dirty="0">
-                <a:latin typeface="Times New Roman" panose="02020603050405020304" pitchFamily="18" charset="0"/>
+              <a:rPr sz="1600" dirty="0">
+                <a:latin typeface="Cambria Math" panose="02040503050406030204" pitchFamily="18" charset="0"/>
+                <a:ea typeface="Cambria Math" panose="02040503050406030204" pitchFamily="18" charset="0"/>
                 <a:cs typeface="Times New Roman" panose="02020603050405020304" pitchFamily="18" charset="0"/>
               </a:rPr>
               <a:t>&lt;</a:t>
             </a:r>
             <a:r>
-              <a:rPr sz="1100" spc="-14" dirty="0">
-                <a:latin typeface="Times New Roman" panose="02020603050405020304" pitchFamily="18" charset="0"/>
+              <a:rPr sz="1600" spc="-14" dirty="0">
+                <a:latin typeface="Cambria Math" panose="02040503050406030204" pitchFamily="18" charset="0"/>
+                <a:ea typeface="Cambria Math" panose="02040503050406030204" pitchFamily="18" charset="0"/>
                 <a:cs typeface="Times New Roman" panose="02020603050405020304" pitchFamily="18" charset="0"/>
               </a:rPr>
               <a:t> </a:t>
             </a:r>
             <a:r>
-              <a:rPr sz="1100" dirty="0">
-                <a:latin typeface="Times New Roman" panose="02020603050405020304" pitchFamily="18" charset="0"/>
+              <a:rPr sz="1600" dirty="0">
+                <a:latin typeface="Cambria Math" panose="02040503050406030204" pitchFamily="18" charset="0"/>
+                <a:ea typeface="Cambria Math" panose="02040503050406030204" pitchFamily="18" charset="0"/>
                 <a:cs typeface="Times New Roman" panose="02020603050405020304" pitchFamily="18" charset="0"/>
               </a:rPr>
               <a:t>0.01</a:t>
@@ -58664,22 +57256,25 @@
               </a:spcBef>
             </a:pPr>
             <a:r>
-              <a:rPr sz="1100" dirty="0">
-                <a:latin typeface="Times New Roman" panose="02020603050405020304" pitchFamily="18" charset="0"/>
+              <a:rPr sz="1600" dirty="0">
+                <a:latin typeface="Cambria Math" panose="02040503050406030204" pitchFamily="18" charset="0"/>
+                <a:ea typeface="Cambria Math" panose="02040503050406030204" pitchFamily="18" charset="0"/>
                 <a:cs typeface="Times New Roman" panose="02020603050405020304" pitchFamily="18" charset="0"/>
               </a:rPr>
               <a:t>0.01 −</a:t>
             </a:r>
             <a:r>
-              <a:rPr sz="1100" spc="-85" dirty="0">
-                <a:latin typeface="Times New Roman" panose="02020603050405020304" pitchFamily="18" charset="0"/>
+              <a:rPr sz="1600" spc="-85" dirty="0">
+                <a:latin typeface="Cambria Math" panose="02040503050406030204" pitchFamily="18" charset="0"/>
+                <a:ea typeface="Cambria Math" panose="02040503050406030204" pitchFamily="18" charset="0"/>
                 <a:cs typeface="Times New Roman" panose="02020603050405020304" pitchFamily="18" charset="0"/>
               </a:rPr>
               <a:t> </a:t>
             </a:r>
             <a:r>
-              <a:rPr sz="1100" dirty="0">
-                <a:latin typeface="Times New Roman" panose="02020603050405020304" pitchFamily="18" charset="0"/>
+              <a:rPr sz="1600" dirty="0">
+                <a:latin typeface="Cambria Math" panose="02040503050406030204" pitchFamily="18" charset="0"/>
+                <a:ea typeface="Cambria Math" panose="02040503050406030204" pitchFamily="18" charset="0"/>
                 <a:cs typeface="Times New Roman" panose="02020603050405020304" pitchFamily="18" charset="0"/>
               </a:rPr>
               <a:t>0.05</a:t>
@@ -58692,22 +57287,25 @@
               </a:spcBef>
             </a:pPr>
             <a:r>
-              <a:rPr sz="1100" dirty="0">
-                <a:latin typeface="Times New Roman" panose="02020603050405020304" pitchFamily="18" charset="0"/>
+              <a:rPr sz="1600" dirty="0">
+                <a:latin typeface="Cambria Math" panose="02040503050406030204" pitchFamily="18" charset="0"/>
+                <a:ea typeface="Cambria Math" panose="02040503050406030204" pitchFamily="18" charset="0"/>
                 <a:cs typeface="Times New Roman" panose="02020603050405020304" pitchFamily="18" charset="0"/>
               </a:rPr>
               <a:t>&gt;=</a:t>
             </a:r>
             <a:r>
-              <a:rPr sz="1100" spc="-14" dirty="0">
-                <a:latin typeface="Times New Roman" panose="02020603050405020304" pitchFamily="18" charset="0"/>
+              <a:rPr sz="1600" spc="-14" dirty="0">
+                <a:latin typeface="Cambria Math" panose="02040503050406030204" pitchFamily="18" charset="0"/>
+                <a:ea typeface="Cambria Math" panose="02040503050406030204" pitchFamily="18" charset="0"/>
                 <a:cs typeface="Times New Roman" panose="02020603050405020304" pitchFamily="18" charset="0"/>
               </a:rPr>
               <a:t> </a:t>
             </a:r>
             <a:r>
-              <a:rPr sz="1100" dirty="0">
-                <a:latin typeface="Times New Roman" panose="02020603050405020304" pitchFamily="18" charset="0"/>
+              <a:rPr sz="1600" dirty="0">
+                <a:latin typeface="Cambria Math" panose="02040503050406030204" pitchFamily="18" charset="0"/>
+                <a:ea typeface="Cambria Math" panose="02040503050406030204" pitchFamily="18" charset="0"/>
                 <a:cs typeface="Times New Roman" panose="02020603050405020304" pitchFamily="18" charset="0"/>
               </a:rPr>
               <a:t>0.05</a:t>
@@ -58717,10 +57315,10 @@
       </p:sp>
       <p:sp>
         <p:nvSpPr>
-          <p:cNvPr id="151" name="object 13">
+          <p:cNvPr id="63" name="object 13">
             <a:extLst>
               <a:ext uri="{FF2B5EF4-FFF2-40B4-BE49-F238E27FC236}">
-                <a16:creationId xmlns:a16="http://schemas.microsoft.com/office/drawing/2014/main" id="{D7A454F8-7370-3E11-341A-A44345CFEADF}"/>
+                <a16:creationId xmlns:a16="http://schemas.microsoft.com/office/drawing/2014/main" id="{2A92B517-A598-3968-5746-C44B5C132F04}"/>
               </a:ext>
             </a:extLst>
           </p:cNvPr>
@@ -58729,8 +57327,8 @@
         </p:nvSpPr>
         <p:spPr>
           <a:xfrm>
-            <a:off x="9587995" y="5804686"/>
-            <a:ext cx="930091" cy="182101"/>
+            <a:off x="9372862" y="6031417"/>
+            <a:ext cx="930091" cy="259045"/>
           </a:xfrm>
           <a:prstGeom prst="rect">
             <a:avLst/>
@@ -58759,7 +57357,10 @@
           </a:lstStyle>
           <a:p>
             <a:r>
-              <a:rPr dirty="0"/>
+              <a:rPr sz="1600" dirty="0">
+                <a:latin typeface="Cambria Math" panose="02040503050406030204" pitchFamily="18" charset="0"/>
+                <a:ea typeface="Cambria Math" panose="02040503050406030204" pitchFamily="18" charset="0"/>
+              </a:rPr>
               <a:t>Mantel's r</a:t>
             </a:r>
           </a:p>
@@ -58767,10 +57368,10 @@
       </p:sp>
       <p:grpSp>
         <p:nvGrpSpPr>
-          <p:cNvPr id="152" name="组合 151">
+          <p:cNvPr id="64" name="组合 63">
             <a:extLst>
               <a:ext uri="{FF2B5EF4-FFF2-40B4-BE49-F238E27FC236}">
-                <a16:creationId xmlns:a16="http://schemas.microsoft.com/office/drawing/2014/main" id="{38AAB02C-807E-FB82-8811-46C8FB432977}"/>
+                <a16:creationId xmlns:a16="http://schemas.microsoft.com/office/drawing/2014/main" id="{D278C5CC-BF40-281E-5848-B21D08B5B584}"/>
               </a:ext>
             </a:extLst>
           </p:cNvPr>
@@ -58779,7 +57380,7 @@
         </p:nvGrpSpPr>
         <p:grpSpPr>
           <a:xfrm>
-            <a:off x="9620620" y="6094500"/>
+            <a:off x="9544420" y="6320712"/>
             <a:ext cx="219710" cy="884150"/>
             <a:chOff x="9390887" y="6320028"/>
             <a:chExt cx="219710" cy="658622"/>
@@ -58787,10 +57388,10 @@
         </p:grpSpPr>
         <p:sp>
           <p:nvSpPr>
-            <p:cNvPr id="153" name="object 14">
+            <p:cNvPr id="123" name="object 14">
               <a:extLst>
                 <a:ext uri="{FF2B5EF4-FFF2-40B4-BE49-F238E27FC236}">
-                  <a16:creationId xmlns:a16="http://schemas.microsoft.com/office/drawing/2014/main" id="{7824509D-BD33-8A15-9F6C-CA3104AE41C0}"/>
+                  <a16:creationId xmlns:a16="http://schemas.microsoft.com/office/drawing/2014/main" id="{D28B1F5F-0FC0-824B-7CE0-D074869B1B92}"/>
                 </a:ext>
               </a:extLst>
             </p:cNvPr>
@@ -58837,8 +57438,9 @@
             <a:bodyPr wrap="square" lIns="0" tIns="0" rIns="0" bIns="0" rtlCol="0"/>
             <a:lstStyle/>
             <a:p>
-              <a:endParaRPr sz="1100">
-                <a:latin typeface="Times New Roman" panose="02020603050405020304" pitchFamily="18" charset="0"/>
+              <a:endParaRPr sz="1600">
+                <a:latin typeface="Cambria Math" panose="02040503050406030204" pitchFamily="18" charset="0"/>
+                <a:ea typeface="Cambria Math" panose="02040503050406030204" pitchFamily="18" charset="0"/>
                 <a:cs typeface="Times New Roman" panose="02020603050405020304" pitchFamily="18" charset="0"/>
               </a:endParaRPr>
             </a:p>
@@ -58846,10 +57448,10 @@
         </p:sp>
         <p:sp>
           <p:nvSpPr>
-            <p:cNvPr id="154" name="object 15">
+            <p:cNvPr id="124" name="object 15">
               <a:extLst>
                 <a:ext uri="{FF2B5EF4-FFF2-40B4-BE49-F238E27FC236}">
-                  <a16:creationId xmlns:a16="http://schemas.microsoft.com/office/drawing/2014/main" id="{B3106B5C-4A3B-5DB2-8914-4908F852A2BE}"/>
+                  <a16:creationId xmlns:a16="http://schemas.microsoft.com/office/drawing/2014/main" id="{7B5474BE-8238-7088-CD52-67BCB4D2B697}"/>
                 </a:ext>
               </a:extLst>
             </p:cNvPr>
@@ -58888,8 +57490,9 @@
             <a:bodyPr wrap="square" lIns="0" tIns="0" rIns="0" bIns="0" rtlCol="0"/>
             <a:lstStyle/>
             <a:p>
-              <a:endParaRPr sz="1100">
-                <a:latin typeface="Times New Roman" panose="02020603050405020304" pitchFamily="18" charset="0"/>
+              <a:endParaRPr sz="1600">
+                <a:latin typeface="Cambria Math" panose="02040503050406030204" pitchFamily="18" charset="0"/>
+                <a:ea typeface="Cambria Math" panose="02040503050406030204" pitchFamily="18" charset="0"/>
                 <a:cs typeface="Times New Roman" panose="02020603050405020304" pitchFamily="18" charset="0"/>
               </a:endParaRPr>
             </a:p>
@@ -58897,10 +57500,10 @@
         </p:sp>
         <p:sp>
           <p:nvSpPr>
-            <p:cNvPr id="155" name="object 16">
+            <p:cNvPr id="125" name="object 16">
               <a:extLst>
                 <a:ext uri="{FF2B5EF4-FFF2-40B4-BE49-F238E27FC236}">
-                  <a16:creationId xmlns:a16="http://schemas.microsoft.com/office/drawing/2014/main" id="{552A35AF-019E-F7F7-9318-39F6CF36D327}"/>
+                  <a16:creationId xmlns:a16="http://schemas.microsoft.com/office/drawing/2014/main" id="{C6730556-500C-6A98-8A6E-8B20F2CB0482}"/>
                 </a:ext>
               </a:extLst>
             </p:cNvPr>
@@ -58947,8 +57550,9 @@
             <a:bodyPr wrap="square" lIns="0" tIns="0" rIns="0" bIns="0" rtlCol="0"/>
             <a:lstStyle/>
             <a:p>
-              <a:endParaRPr sz="1100">
-                <a:latin typeface="Times New Roman" panose="02020603050405020304" pitchFamily="18" charset="0"/>
+              <a:endParaRPr sz="1600">
+                <a:latin typeface="Cambria Math" panose="02040503050406030204" pitchFamily="18" charset="0"/>
+                <a:ea typeface="Cambria Math" panose="02040503050406030204" pitchFamily="18" charset="0"/>
                 <a:cs typeface="Times New Roman" panose="02020603050405020304" pitchFamily="18" charset="0"/>
               </a:endParaRPr>
             </a:p>
@@ -58956,10 +57560,10 @@
         </p:sp>
         <p:sp>
           <p:nvSpPr>
-            <p:cNvPr id="156" name="object 17">
+            <p:cNvPr id="126" name="object 17">
               <a:extLst>
                 <a:ext uri="{FF2B5EF4-FFF2-40B4-BE49-F238E27FC236}">
-                  <a16:creationId xmlns:a16="http://schemas.microsoft.com/office/drawing/2014/main" id="{E877F3A4-6C4D-1413-98C1-591E27675412}"/>
+                  <a16:creationId xmlns:a16="http://schemas.microsoft.com/office/drawing/2014/main" id="{8E6FE676-15DD-EA9C-CEAA-4C175154BB6B}"/>
                 </a:ext>
               </a:extLst>
             </p:cNvPr>
@@ -58998,8 +57602,9 @@
             <a:bodyPr wrap="square" lIns="0" tIns="0" rIns="0" bIns="0" rtlCol="0"/>
             <a:lstStyle/>
             <a:p>
-              <a:endParaRPr sz="1100">
-                <a:latin typeface="Times New Roman" panose="02020603050405020304" pitchFamily="18" charset="0"/>
+              <a:endParaRPr sz="1600">
+                <a:latin typeface="Cambria Math" panose="02040503050406030204" pitchFamily="18" charset="0"/>
+                <a:ea typeface="Cambria Math" panose="02040503050406030204" pitchFamily="18" charset="0"/>
                 <a:cs typeface="Times New Roman" panose="02020603050405020304" pitchFamily="18" charset="0"/>
               </a:endParaRPr>
             </a:p>
@@ -59007,10 +57612,10 @@
         </p:sp>
         <p:sp>
           <p:nvSpPr>
-            <p:cNvPr id="157" name="object 18">
+            <p:cNvPr id="127" name="object 18">
               <a:extLst>
                 <a:ext uri="{FF2B5EF4-FFF2-40B4-BE49-F238E27FC236}">
-                  <a16:creationId xmlns:a16="http://schemas.microsoft.com/office/drawing/2014/main" id="{4B17EBC2-2412-E007-559E-BABE3417D11A}"/>
+                  <a16:creationId xmlns:a16="http://schemas.microsoft.com/office/drawing/2014/main" id="{4AE121D8-E621-71FF-1999-506530143E77}"/>
                 </a:ext>
               </a:extLst>
             </p:cNvPr>
@@ -59057,8 +57662,9 @@
             <a:bodyPr wrap="square" lIns="0" tIns="0" rIns="0" bIns="0" rtlCol="0"/>
             <a:lstStyle/>
             <a:p>
-              <a:endParaRPr sz="1100">
-                <a:latin typeface="Times New Roman" panose="02020603050405020304" pitchFamily="18" charset="0"/>
+              <a:endParaRPr sz="1600">
+                <a:latin typeface="Cambria Math" panose="02040503050406030204" pitchFamily="18" charset="0"/>
+                <a:ea typeface="Cambria Math" panose="02040503050406030204" pitchFamily="18" charset="0"/>
                 <a:cs typeface="Times New Roman" panose="02020603050405020304" pitchFamily="18" charset="0"/>
               </a:endParaRPr>
             </a:p>
@@ -59066,10 +57672,10 @@
         </p:sp>
         <p:sp>
           <p:nvSpPr>
-            <p:cNvPr id="158" name="object 19">
+            <p:cNvPr id="128" name="object 19">
               <a:extLst>
                 <a:ext uri="{FF2B5EF4-FFF2-40B4-BE49-F238E27FC236}">
-                  <a16:creationId xmlns:a16="http://schemas.microsoft.com/office/drawing/2014/main" id="{70C03480-1C7B-ACAA-B8E2-9E46AC16B9DD}"/>
+                  <a16:creationId xmlns:a16="http://schemas.microsoft.com/office/drawing/2014/main" id="{F878193F-C45B-0AE4-F23B-D2BBCF4F8B19}"/>
                 </a:ext>
               </a:extLst>
             </p:cNvPr>
@@ -59108,8 +57714,9 @@
             <a:bodyPr wrap="square" lIns="0" tIns="0" rIns="0" bIns="0" rtlCol="0"/>
             <a:lstStyle/>
             <a:p>
-              <a:endParaRPr sz="1100">
-                <a:latin typeface="Times New Roman" panose="02020603050405020304" pitchFamily="18" charset="0"/>
+              <a:endParaRPr sz="1600">
+                <a:latin typeface="Cambria Math" panose="02040503050406030204" pitchFamily="18" charset="0"/>
+                <a:ea typeface="Cambria Math" panose="02040503050406030204" pitchFamily="18" charset="0"/>
                 <a:cs typeface="Times New Roman" panose="02020603050405020304" pitchFamily="18" charset="0"/>
               </a:endParaRPr>
             </a:p>
@@ -59118,10 +57725,10 @@
       </p:grpSp>
       <p:sp>
         <p:nvSpPr>
-          <p:cNvPr id="159" name="object 22">
+          <p:cNvPr id="129" name="object 20">
             <a:extLst>
               <a:ext uri="{FF2B5EF4-FFF2-40B4-BE49-F238E27FC236}">
-                <a16:creationId xmlns:a16="http://schemas.microsoft.com/office/drawing/2014/main" id="{45414ED2-70BD-4003-BA20-353692C4F2B2}"/>
+                <a16:creationId xmlns:a16="http://schemas.microsoft.com/office/drawing/2014/main" id="{4E1CC9BF-E4A3-B1E3-D3A7-70B6F3AE24A9}"/>
               </a:ext>
             </a:extLst>
           </p:cNvPr>
@@ -59130,8 +57737,8 @@
         </p:nvSpPr>
         <p:spPr>
           <a:xfrm>
-            <a:off x="9882512" y="5378848"/>
-            <a:ext cx="524419" cy="182101"/>
+            <a:off x="9829846" y="6303517"/>
+            <a:ext cx="1005976" cy="918200"/>
           </a:xfrm>
           <a:prstGeom prst="rect">
             <a:avLst/>
@@ -59149,21 +57756,100 @@
               </a:spcBef>
             </a:pPr>
             <a:r>
-              <a:rPr sz="1100" dirty="0">
-                <a:latin typeface="Times New Roman" panose="02020603050405020304" pitchFamily="18" charset="0"/>
+              <a:rPr sz="1600" dirty="0">
+                <a:latin typeface="Cambria Math" panose="02040503050406030204" pitchFamily="18" charset="0"/>
+                <a:ea typeface="Cambria Math" panose="02040503050406030204" pitchFamily="18" charset="0"/>
                 <a:cs typeface="Times New Roman" panose="02020603050405020304" pitchFamily="18" charset="0"/>
               </a:rPr>
-              <a:t>−0.5</a:t>
+              <a:t>&lt;</a:t>
             </a:r>
-          </a:p>
-        </p:txBody>
-      </p:sp>
-      <p:sp>
-        <p:nvSpPr>
-          <p:cNvPr id="160" name="object 23">
+            <a:r>
+              <a:rPr sz="1600" spc="-14" dirty="0">
+                <a:latin typeface="Cambria Math" panose="02040503050406030204" pitchFamily="18" charset="0"/>
+                <a:ea typeface="Cambria Math" panose="02040503050406030204" pitchFamily="18" charset="0"/>
+                <a:cs typeface="Times New Roman" panose="02020603050405020304" pitchFamily="18" charset="0"/>
+              </a:rPr>
+              <a:t> </a:t>
+            </a:r>
+            <a:r>
+              <a:rPr sz="1600" dirty="0">
+                <a:latin typeface="Cambria Math" panose="02040503050406030204" pitchFamily="18" charset="0"/>
+                <a:ea typeface="Cambria Math" panose="02040503050406030204" pitchFamily="18" charset="0"/>
+                <a:cs typeface="Times New Roman" panose="02020603050405020304" pitchFamily="18" charset="0"/>
+              </a:rPr>
+              <a:t>0.2</a:t>
+            </a:r>
+          </a:p>
+          <a:p>
+            <a:pPr marL="12700">
+              <a:spcBef>
+                <a:spcPts val="644"/>
+              </a:spcBef>
+            </a:pPr>
+            <a:r>
+              <a:rPr sz="1600" dirty="0">
+                <a:latin typeface="Cambria Math" panose="02040503050406030204" pitchFamily="18" charset="0"/>
+                <a:ea typeface="Cambria Math" panose="02040503050406030204" pitchFamily="18" charset="0"/>
+                <a:cs typeface="Times New Roman" panose="02020603050405020304" pitchFamily="18" charset="0"/>
+              </a:rPr>
+              <a:t>0.2 −</a:t>
+            </a:r>
+            <a:r>
+              <a:rPr sz="1600" spc="-85" dirty="0">
+                <a:latin typeface="Cambria Math" panose="02040503050406030204" pitchFamily="18" charset="0"/>
+                <a:ea typeface="Cambria Math" panose="02040503050406030204" pitchFamily="18" charset="0"/>
+                <a:cs typeface="Times New Roman" panose="02020603050405020304" pitchFamily="18" charset="0"/>
+              </a:rPr>
+              <a:t> </a:t>
+            </a:r>
+            <a:r>
+              <a:rPr sz="1600" dirty="0">
+                <a:latin typeface="Cambria Math" panose="02040503050406030204" pitchFamily="18" charset="0"/>
+                <a:ea typeface="Cambria Math" panose="02040503050406030204" pitchFamily="18" charset="0"/>
+                <a:cs typeface="Times New Roman" panose="02020603050405020304" pitchFamily="18" charset="0"/>
+              </a:rPr>
+              <a:t>0.4</a:t>
+            </a:r>
+          </a:p>
+          <a:p>
+            <a:pPr marL="12700">
+              <a:spcBef>
+                <a:spcPts val="650"/>
+              </a:spcBef>
+            </a:pPr>
+            <a:r>
+              <a:rPr sz="1600" dirty="0">
+                <a:latin typeface="Cambria Math" panose="02040503050406030204" pitchFamily="18" charset="0"/>
+                <a:ea typeface="Cambria Math" panose="02040503050406030204" pitchFamily="18" charset="0"/>
+                <a:cs typeface="Times New Roman" panose="02020603050405020304" pitchFamily="18" charset="0"/>
+              </a:rPr>
+              <a:t>&gt;=</a:t>
+            </a:r>
+            <a:r>
+              <a:rPr sz="1600" spc="-20" dirty="0">
+                <a:latin typeface="Cambria Math" panose="02040503050406030204" pitchFamily="18" charset="0"/>
+                <a:ea typeface="Cambria Math" panose="02040503050406030204" pitchFamily="18" charset="0"/>
+                <a:cs typeface="Times New Roman" panose="02020603050405020304" pitchFamily="18" charset="0"/>
+              </a:rPr>
+              <a:t> </a:t>
+            </a:r>
+            <a:r>
+              <a:rPr sz="1600" dirty="0">
+                <a:latin typeface="Cambria Math" panose="02040503050406030204" pitchFamily="18" charset="0"/>
+                <a:ea typeface="Cambria Math" panose="02040503050406030204" pitchFamily="18" charset="0"/>
+                <a:cs typeface="Times New Roman" panose="02020603050405020304" pitchFamily="18" charset="0"/>
+              </a:rPr>
+              <a:t>0.4</a:t>
+            </a:r>
+          </a:p>
+        </p:txBody>
+      </p:sp>
+      <p:sp>
+        <p:nvSpPr>
+          <p:cNvPr id="130" name="object 22">
             <a:extLst>
               <a:ext uri="{FF2B5EF4-FFF2-40B4-BE49-F238E27FC236}">
-                <a16:creationId xmlns:a16="http://schemas.microsoft.com/office/drawing/2014/main" id="{56CF62F9-6AF9-C9C8-42A4-778A1798177A}"/>
+                <a16:creationId xmlns:a16="http://schemas.microsoft.com/office/drawing/2014/main" id="{4C70F898-2C30-8139-E05A-D038BB055019}"/>
               </a:ext>
             </a:extLst>
           </p:cNvPr>
@@ -59172,8 +57858,8 @@
         </p:nvSpPr>
         <p:spPr>
           <a:xfrm>
-            <a:off x="9864783" y="5084586"/>
-            <a:ext cx="385369" cy="182101"/>
+            <a:off x="9795695" y="5605060"/>
+            <a:ext cx="524419" cy="259045"/>
           </a:xfrm>
           <a:prstGeom prst="rect">
             <a:avLst/>
@@ -59191,21 +57877,22 @@
               </a:spcBef>
             </a:pPr>
             <a:r>
-              <a:rPr sz="1100" dirty="0">
-                <a:latin typeface="Times New Roman" panose="02020603050405020304" pitchFamily="18" charset="0"/>
+              <a:rPr sz="1600" dirty="0">
+                <a:latin typeface="Cambria Math" panose="02040503050406030204" pitchFamily="18" charset="0"/>
+                <a:ea typeface="Cambria Math" panose="02040503050406030204" pitchFamily="18" charset="0"/>
                 <a:cs typeface="Times New Roman" panose="02020603050405020304" pitchFamily="18" charset="0"/>
               </a:rPr>
-              <a:t>0.0</a:t>
+              <a:t>−0.5</a:t>
             </a:r>
           </a:p>
         </p:txBody>
       </p:sp>
       <p:sp>
         <p:nvSpPr>
-          <p:cNvPr id="161" name="object 24">
+          <p:cNvPr id="131" name="object 23">
             <a:extLst>
               <a:ext uri="{FF2B5EF4-FFF2-40B4-BE49-F238E27FC236}">
-                <a16:creationId xmlns:a16="http://schemas.microsoft.com/office/drawing/2014/main" id="{30218E6F-8CA4-2142-E207-48F472F0DAEB}"/>
+                <a16:creationId xmlns:a16="http://schemas.microsoft.com/office/drawing/2014/main" id="{ACA70D83-4100-92A0-A23E-761CB0FCAFE9}"/>
               </a:ext>
             </a:extLst>
           </p:cNvPr>
@@ -59214,8 +57901,8 @@
         </p:nvSpPr>
         <p:spPr>
           <a:xfrm>
-            <a:off x="9882513" y="4748976"/>
-            <a:ext cx="385369" cy="182101"/>
+            <a:off x="9795695" y="5310798"/>
+            <a:ext cx="385369" cy="259045"/>
           </a:xfrm>
           <a:prstGeom prst="rect">
             <a:avLst/>
@@ -59233,8 +57920,52 @@
               </a:spcBef>
             </a:pPr>
             <a:r>
-              <a:rPr sz="1100" dirty="0">
-                <a:latin typeface="Times New Roman" panose="02020603050405020304" pitchFamily="18" charset="0"/>
+              <a:rPr sz="1600" dirty="0">
+                <a:latin typeface="Cambria Math" panose="02040503050406030204" pitchFamily="18" charset="0"/>
+                <a:ea typeface="Cambria Math" panose="02040503050406030204" pitchFamily="18" charset="0"/>
+                <a:cs typeface="Times New Roman" panose="02020603050405020304" pitchFamily="18" charset="0"/>
+              </a:rPr>
+              <a:t>0.0</a:t>
+            </a:r>
+          </a:p>
+        </p:txBody>
+      </p:sp>
+      <p:sp>
+        <p:nvSpPr>
+          <p:cNvPr id="132" name="object 24">
+            <a:extLst>
+              <a:ext uri="{FF2B5EF4-FFF2-40B4-BE49-F238E27FC236}">
+                <a16:creationId xmlns:a16="http://schemas.microsoft.com/office/drawing/2014/main" id="{D51C0325-5563-FEAB-B14D-796436FA9A13}"/>
+              </a:ext>
+            </a:extLst>
+          </p:cNvPr>
+          <p:cNvSpPr txBox="1"/>
+          <p:nvPr/>
+        </p:nvSpPr>
+        <p:spPr>
+          <a:xfrm>
+            <a:off x="9795695" y="4975188"/>
+            <a:ext cx="385369" cy="259045"/>
+          </a:xfrm>
+          <a:prstGeom prst="rect">
+            <a:avLst/>
+          </a:prstGeom>
+        </p:spPr>
+        <p:txBody>
+          <a:bodyPr vert="horz" wrap="square" lIns="0" tIns="12700" rIns="0" bIns="0" rtlCol="0">
+            <a:spAutoFit/>
+          </a:bodyPr>
+          <a:lstStyle/>
+          <a:p>
+            <a:pPr marL="12700">
+              <a:spcBef>
+                <a:spcPts val="100"/>
+              </a:spcBef>
+            </a:pPr>
+            <a:r>
+              <a:rPr sz="1600" dirty="0">
+                <a:latin typeface="Cambria Math" panose="02040503050406030204" pitchFamily="18" charset="0"/>
+                <a:ea typeface="Cambria Math" panose="02040503050406030204" pitchFamily="18" charset="0"/>
                 <a:cs typeface="Times New Roman" panose="02020603050405020304" pitchFamily="18" charset="0"/>
               </a:rPr>
               <a:t>0.5</a:t>
@@ -59244,10 +57975,10 @@
       </p:sp>
       <p:sp>
         <p:nvSpPr>
-          <p:cNvPr id="162" name="object 25">
+          <p:cNvPr id="133" name="object 25">
             <a:extLst>
               <a:ext uri="{FF2B5EF4-FFF2-40B4-BE49-F238E27FC236}">
-                <a16:creationId xmlns:a16="http://schemas.microsoft.com/office/drawing/2014/main" id="{313A5CB5-97FB-8B3D-0BE9-D79D7276E0EB}"/>
+                <a16:creationId xmlns:a16="http://schemas.microsoft.com/office/drawing/2014/main" id="{E3403556-82D5-9C3C-3DEF-C8F0C12E4913}"/>
               </a:ext>
             </a:extLst>
           </p:cNvPr>
@@ -59256,8 +57987,8 @@
         </p:nvSpPr>
         <p:spPr>
           <a:xfrm>
-            <a:off x="8921750" y="5064690"/>
-            <a:ext cx="1007725" cy="182101"/>
+            <a:off x="8464550" y="5251017"/>
+            <a:ext cx="1007725" cy="259045"/>
           </a:xfrm>
           <a:prstGeom prst="rect">
             <a:avLst/>
@@ -59286,7 +58017,10 @@
           </a:lstStyle>
           <a:p>
             <a:r>
-              <a:rPr dirty="0"/>
+              <a:rPr sz="1600" dirty="0">
+                <a:latin typeface="Cambria Math" panose="02040503050406030204" pitchFamily="18" charset="0"/>
+                <a:ea typeface="Cambria Math" panose="02040503050406030204" pitchFamily="18" charset="0"/>
+              </a:rPr>
               <a:t>Pearson's r</a:t>
             </a:r>
           </a:p>
@@ -59294,10 +58028,10 @@
       </p:sp>
       <p:grpSp>
         <p:nvGrpSpPr>
-          <p:cNvPr id="163" name="组合 162">
+          <p:cNvPr id="134" name="组合 133">
             <a:extLst>
               <a:ext uri="{FF2B5EF4-FFF2-40B4-BE49-F238E27FC236}">
-                <a16:creationId xmlns:a16="http://schemas.microsoft.com/office/drawing/2014/main" id="{3262EFB4-74EC-6943-816A-AC4CF7DB4122}"/>
+                <a16:creationId xmlns:a16="http://schemas.microsoft.com/office/drawing/2014/main" id="{B3699857-9A4A-4950-BADC-6B5ECEC12638}"/>
               </a:ext>
             </a:extLst>
           </p:cNvPr>
@@ -59306,7 +58040,7 @@
         </p:nvGrpSpPr>
         <p:grpSpPr>
           <a:xfrm>
-            <a:off x="9611892" y="4881245"/>
+            <a:off x="9542804" y="5107457"/>
             <a:ext cx="219962" cy="627125"/>
             <a:chOff x="9357706" y="4987925"/>
             <a:chExt cx="219962" cy="627125"/>
@@ -59314,10 +58048,10 @@
         </p:grpSpPr>
         <p:sp>
           <p:nvSpPr>
-            <p:cNvPr id="164" name="object 26">
+            <p:cNvPr id="135" name="object 26">
               <a:extLst>
                 <a:ext uri="{FF2B5EF4-FFF2-40B4-BE49-F238E27FC236}">
-                  <a16:creationId xmlns:a16="http://schemas.microsoft.com/office/drawing/2014/main" id="{D89990B5-18DD-6E67-4C6F-05C0BE9907E3}"/>
+                  <a16:creationId xmlns:a16="http://schemas.microsoft.com/office/drawing/2014/main" id="{4F4193FD-F731-6524-B0FC-BD0295620523}"/>
                 </a:ext>
               </a:extLst>
             </p:cNvPr>
@@ -59356,8 +58090,9 @@
             <a:bodyPr wrap="square" lIns="0" tIns="0" rIns="0" bIns="0" rtlCol="0"/>
             <a:lstStyle/>
             <a:p>
-              <a:endParaRPr sz="1100">
-                <a:latin typeface="Times New Roman" panose="02020603050405020304" pitchFamily="18" charset="0"/>
+              <a:endParaRPr sz="1600">
+                <a:latin typeface="Cambria Math" panose="02040503050406030204" pitchFamily="18" charset="0"/>
+                <a:ea typeface="Cambria Math" panose="02040503050406030204" pitchFamily="18" charset="0"/>
                 <a:cs typeface="Times New Roman" panose="02020603050405020304" pitchFamily="18" charset="0"/>
               </a:endParaRPr>
             </a:p>
@@ -59365,10 +58100,10 @@
         </p:sp>
         <p:sp>
           <p:nvSpPr>
-            <p:cNvPr id="165" name="object 27">
+            <p:cNvPr id="136" name="object 27">
               <a:extLst>
                 <a:ext uri="{FF2B5EF4-FFF2-40B4-BE49-F238E27FC236}">
-                  <a16:creationId xmlns:a16="http://schemas.microsoft.com/office/drawing/2014/main" id="{04069EFC-6B7D-298D-6826-6ED6120EA57C}"/>
+                  <a16:creationId xmlns:a16="http://schemas.microsoft.com/office/drawing/2014/main" id="{7861F477-300B-C600-FFC5-A1B37F236A85}"/>
                 </a:ext>
               </a:extLst>
             </p:cNvPr>
@@ -59407,8 +58142,9 @@
             <a:bodyPr wrap="square" lIns="0" tIns="0" rIns="0" bIns="0" rtlCol="0"/>
             <a:lstStyle/>
             <a:p>
-              <a:endParaRPr sz="1100">
-                <a:latin typeface="Times New Roman" panose="02020603050405020304" pitchFamily="18" charset="0"/>
+              <a:endParaRPr sz="1600">
+                <a:latin typeface="Cambria Math" panose="02040503050406030204" pitchFamily="18" charset="0"/>
+                <a:ea typeface="Cambria Math" panose="02040503050406030204" pitchFamily="18" charset="0"/>
                 <a:cs typeface="Times New Roman" panose="02020603050405020304" pitchFamily="18" charset="0"/>
               </a:endParaRPr>
             </a:p>
@@ -59416,10 +58152,10 @@
         </p:sp>
         <p:sp>
           <p:nvSpPr>
-            <p:cNvPr id="166" name="object 28">
+            <p:cNvPr id="137" name="object 28">
               <a:extLst>
                 <a:ext uri="{FF2B5EF4-FFF2-40B4-BE49-F238E27FC236}">
-                  <a16:creationId xmlns:a16="http://schemas.microsoft.com/office/drawing/2014/main" id="{8F0926FB-5B98-3850-BCC4-61341C86C44F}"/>
+                  <a16:creationId xmlns:a16="http://schemas.microsoft.com/office/drawing/2014/main" id="{0FC89978-BDC4-CFDB-0913-8B242B3F3575}"/>
                 </a:ext>
               </a:extLst>
             </p:cNvPr>
@@ -59458,8 +58194,9 @@
             <a:bodyPr wrap="square" lIns="0" tIns="0" rIns="0" bIns="0" rtlCol="0"/>
             <a:lstStyle/>
             <a:p>
-              <a:endParaRPr sz="1100">
-                <a:latin typeface="Times New Roman" panose="02020603050405020304" pitchFamily="18" charset="0"/>
+              <a:endParaRPr sz="1600">
+                <a:latin typeface="Cambria Math" panose="02040503050406030204" pitchFamily="18" charset="0"/>
+                <a:ea typeface="Cambria Math" panose="02040503050406030204" pitchFamily="18" charset="0"/>
                 <a:cs typeface="Times New Roman" panose="02020603050405020304" pitchFamily="18" charset="0"/>
               </a:endParaRPr>
             </a:p>
@@ -59467,10 +58204,10 @@
         </p:sp>
         <p:sp>
           <p:nvSpPr>
-            <p:cNvPr id="167" name="object 29">
+            <p:cNvPr id="138" name="object 29">
               <a:extLst>
                 <a:ext uri="{FF2B5EF4-FFF2-40B4-BE49-F238E27FC236}">
-                  <a16:creationId xmlns:a16="http://schemas.microsoft.com/office/drawing/2014/main" id="{10325AEF-F39D-FE75-1C16-32FF73C51C60}"/>
+                  <a16:creationId xmlns:a16="http://schemas.microsoft.com/office/drawing/2014/main" id="{F9700D8C-C00A-48DC-E90E-45797F9022A1}"/>
                 </a:ext>
               </a:extLst>
             </p:cNvPr>
@@ -59509,8 +58246,9 @@
             <a:bodyPr wrap="square" lIns="0" tIns="0" rIns="0" bIns="0" rtlCol="0"/>
             <a:lstStyle/>
             <a:p>
-              <a:endParaRPr sz="1100">
-                <a:latin typeface="Times New Roman" panose="02020603050405020304" pitchFamily="18" charset="0"/>
+              <a:endParaRPr sz="1600">
+                <a:latin typeface="Cambria Math" panose="02040503050406030204" pitchFamily="18" charset="0"/>
+                <a:ea typeface="Cambria Math" panose="02040503050406030204" pitchFamily="18" charset="0"/>
                 <a:cs typeface="Times New Roman" panose="02020603050405020304" pitchFamily="18" charset="0"/>
               </a:endParaRPr>
             </a:p>
@@ -59518,10 +58256,10 @@
         </p:sp>
         <p:sp>
           <p:nvSpPr>
-            <p:cNvPr id="168" name="object 30">
+            <p:cNvPr id="139" name="object 30">
               <a:extLst>
                 <a:ext uri="{FF2B5EF4-FFF2-40B4-BE49-F238E27FC236}">
-                  <a16:creationId xmlns:a16="http://schemas.microsoft.com/office/drawing/2014/main" id="{48596CD9-D2BD-991B-273C-9FBD01F946D8}"/>
+                  <a16:creationId xmlns:a16="http://schemas.microsoft.com/office/drawing/2014/main" id="{8340A24C-DF82-550F-9FC1-120D89F0B6B0}"/>
                 </a:ext>
               </a:extLst>
             </p:cNvPr>
@@ -59560,8 +58298,9 @@
             <a:bodyPr wrap="square" lIns="0" tIns="0" rIns="0" bIns="0" rtlCol="0"/>
             <a:lstStyle/>
             <a:p>
-              <a:endParaRPr sz="1100">
-                <a:latin typeface="Times New Roman" panose="02020603050405020304" pitchFamily="18" charset="0"/>
+              <a:endParaRPr sz="1600">
+                <a:latin typeface="Cambria Math" panose="02040503050406030204" pitchFamily="18" charset="0"/>
+                <a:ea typeface="Cambria Math" panose="02040503050406030204" pitchFamily="18" charset="0"/>
                 <a:cs typeface="Times New Roman" panose="02020603050405020304" pitchFamily="18" charset="0"/>
               </a:endParaRPr>
             </a:p>
@@ -59569,10 +58308,10 @@
         </p:sp>
         <p:sp>
           <p:nvSpPr>
-            <p:cNvPr id="169" name="object 31">
+            <p:cNvPr id="140" name="object 31">
               <a:extLst>
                 <a:ext uri="{FF2B5EF4-FFF2-40B4-BE49-F238E27FC236}">
-                  <a16:creationId xmlns:a16="http://schemas.microsoft.com/office/drawing/2014/main" id="{19118F3C-4925-B734-A04A-2C2AE8CA5380}"/>
+                  <a16:creationId xmlns:a16="http://schemas.microsoft.com/office/drawing/2014/main" id="{15A13AD4-4C7F-C6AC-88E7-670910B40C08}"/>
                 </a:ext>
               </a:extLst>
             </p:cNvPr>
@@ -59611,8 +58350,9 @@
             <a:bodyPr wrap="square" lIns="0" tIns="0" rIns="0" bIns="0" rtlCol="0"/>
             <a:lstStyle/>
             <a:p>
-              <a:endParaRPr sz="1100">
-                <a:latin typeface="Times New Roman" panose="02020603050405020304" pitchFamily="18" charset="0"/>
+              <a:endParaRPr sz="1600">
+                <a:latin typeface="Cambria Math" panose="02040503050406030204" pitchFamily="18" charset="0"/>
+                <a:ea typeface="Cambria Math" panose="02040503050406030204" pitchFamily="18" charset="0"/>
                 <a:cs typeface="Times New Roman" panose="02020603050405020304" pitchFamily="18" charset="0"/>
               </a:endParaRPr>
             </a:p>
@@ -59621,10 +58361,10 @@
       </p:grpSp>
       <p:sp>
         <p:nvSpPr>
-          <p:cNvPr id="170" name="矩形 169">
+          <p:cNvPr id="141" name="矩形 140">
             <a:extLst>
               <a:ext uri="{FF2B5EF4-FFF2-40B4-BE49-F238E27FC236}">
-                <a16:creationId xmlns:a16="http://schemas.microsoft.com/office/drawing/2014/main" id="{9CE4391C-7741-A4FA-0FE2-7F00499FA031}"/>
+                <a16:creationId xmlns:a16="http://schemas.microsoft.com/office/drawing/2014/main" id="{83C55D9D-CCAD-C9E5-6561-1CB613B2798D}"/>
               </a:ext>
             </a:extLst>
           </p:cNvPr>
@@ -59633,7 +58373,7 @@
         </p:nvSpPr>
         <p:spPr>
           <a:xfrm>
-            <a:off x="9611892" y="4542638"/>
+            <a:off x="9542804" y="4768850"/>
             <a:ext cx="218964" cy="1219293"/>
           </a:xfrm>
           <a:prstGeom prst="rect">
@@ -59683,10 +58423,1895 @@
           <a:lstStyle/>
           <a:p>
             <a:pPr algn="ctr"/>
-            <a:endParaRPr lang="zh-CN" altLang="en-US"/>
-          </a:p>
-        </p:txBody>
-      </p:sp>
+            <a:endParaRPr lang="zh-CN" altLang="en-US" sz="1600">
+              <a:latin typeface="Cambria Math" panose="02040503050406030204" pitchFamily="18" charset="0"/>
+              <a:cs typeface="Times New Roman" panose="02020603050405020304" pitchFamily="18" charset="0"/>
+            </a:endParaRPr>
+          </a:p>
+        </p:txBody>
+      </p:sp>
+      <p:sp>
+        <p:nvSpPr>
+          <p:cNvPr id="65" name="文本框 64">
+            <a:extLst>
+              <a:ext uri="{FF2B5EF4-FFF2-40B4-BE49-F238E27FC236}">
+                <a16:creationId xmlns:a16="http://schemas.microsoft.com/office/drawing/2014/main" id="{9ABC50B9-C248-4899-5276-F53649D55D05}"/>
+              </a:ext>
+            </a:extLst>
+          </p:cNvPr>
+          <p:cNvSpPr txBox="1"/>
+          <p:nvPr/>
+        </p:nvSpPr>
+        <p:spPr>
+          <a:xfrm>
+            <a:off x="1835156" y="2949013"/>
+            <a:ext cx="727610" cy="259045"/>
+          </a:xfrm>
+          <a:prstGeom prst="rect">
+            <a:avLst/>
+          </a:prstGeom>
+        </p:spPr>
+        <p:txBody>
+          <a:bodyPr vert="horz" wrap="square" lIns="0" tIns="12700" rIns="0" bIns="0" rtlCol="0">
+            <a:spAutoFit/>
+          </a:bodyPr>
+          <a:lstStyle>
+            <a:defPPr>
+              <a:defRPr lang="zh-CN"/>
+            </a:defPPr>
+            <a:lvl1pPr marL="12700">
+              <a:lnSpc>
+                <a:spcPct val="100000"/>
+              </a:lnSpc>
+              <a:spcBef>
+                <a:spcPts val="100"/>
+              </a:spcBef>
+              <a:defRPr sz="1100" i="1">
+                <a:latin typeface="Times New Roman" panose="02020603050405020304" pitchFamily="18" charset="0"/>
+                <a:cs typeface="Times New Roman" panose="02020603050405020304" pitchFamily="18" charset="0"/>
+              </a:defRPr>
+            </a:lvl1pPr>
+          </a:lstStyle>
+          <a:p>
+            <a:pPr algn="r"/>
+            <a:r>
+              <a:rPr lang="en-US" altLang="zh-CN" sz="1600" i="0" dirty="0">
+                <a:latin typeface="Cambria Math" panose="02040503050406030204" pitchFamily="18" charset="0"/>
+                <a:ea typeface="Cambria Math" panose="02040503050406030204" pitchFamily="18" charset="0"/>
+              </a:rPr>
+              <a:t>Ⅱ-Area</a:t>
+            </a:r>
+            <a:endParaRPr lang="zh-CN" altLang="en-US" sz="1600" i="0" dirty="0">
+              <a:latin typeface="Cambria Math" panose="02040503050406030204" pitchFamily="18" charset="0"/>
+            </a:endParaRPr>
+          </a:p>
+        </p:txBody>
+      </p:sp>
+      <p:sp>
+        <p:nvSpPr>
+          <p:cNvPr id="66" name="文本框 65">
+            <a:extLst>
+              <a:ext uri="{FF2B5EF4-FFF2-40B4-BE49-F238E27FC236}">
+                <a16:creationId xmlns:a16="http://schemas.microsoft.com/office/drawing/2014/main" id="{B4CF8E6C-932D-29FE-494F-D7C856D56C69}"/>
+              </a:ext>
+            </a:extLst>
+          </p:cNvPr>
+          <p:cNvSpPr txBox="1"/>
+          <p:nvPr/>
+        </p:nvSpPr>
+        <p:spPr>
+          <a:xfrm>
+            <a:off x="1835156" y="3169648"/>
+            <a:ext cx="727610" cy="259045"/>
+          </a:xfrm>
+          <a:prstGeom prst="rect">
+            <a:avLst/>
+          </a:prstGeom>
+        </p:spPr>
+        <p:txBody>
+          <a:bodyPr vert="horz" wrap="square" lIns="0" tIns="12700" rIns="0" bIns="0" rtlCol="0">
+            <a:spAutoFit/>
+          </a:bodyPr>
+          <a:lstStyle>
+            <a:defPPr>
+              <a:defRPr lang="zh-CN"/>
+            </a:defPPr>
+            <a:lvl1pPr marL="12700">
+              <a:lnSpc>
+                <a:spcPct val="100000"/>
+              </a:lnSpc>
+              <a:spcBef>
+                <a:spcPts val="100"/>
+              </a:spcBef>
+              <a:defRPr sz="1100" i="1">
+                <a:latin typeface="Times New Roman" panose="02020603050405020304" pitchFamily="18" charset="0"/>
+                <a:cs typeface="Times New Roman" panose="02020603050405020304" pitchFamily="18" charset="0"/>
+              </a:defRPr>
+            </a:lvl1pPr>
+          </a:lstStyle>
+          <a:p>
+            <a:pPr algn="r"/>
+            <a:r>
+              <a:rPr lang="en-US" altLang="zh-CN" sz="1600" i="0" dirty="0">
+                <a:latin typeface="Cambria Math" panose="02040503050406030204" pitchFamily="18" charset="0"/>
+                <a:ea typeface="Cambria Math" panose="02040503050406030204" pitchFamily="18" charset="0"/>
+              </a:rPr>
+              <a:t>Ⅲ-Area</a:t>
+            </a:r>
+            <a:endParaRPr lang="zh-CN" altLang="en-US" sz="1600" i="0" dirty="0">
+              <a:latin typeface="Cambria Math" panose="02040503050406030204" pitchFamily="18" charset="0"/>
+            </a:endParaRPr>
+          </a:p>
+        </p:txBody>
+      </p:sp>
+      <p:sp>
+        <p:nvSpPr>
+          <p:cNvPr id="67" name="文本框 66">
+            <a:extLst>
+              <a:ext uri="{FF2B5EF4-FFF2-40B4-BE49-F238E27FC236}">
+                <a16:creationId xmlns:a16="http://schemas.microsoft.com/office/drawing/2014/main" id="{F7FB6762-A9A9-448C-C272-BE03386BF8D0}"/>
+              </a:ext>
+            </a:extLst>
+          </p:cNvPr>
+          <p:cNvSpPr txBox="1"/>
+          <p:nvPr/>
+        </p:nvSpPr>
+        <p:spPr>
+          <a:xfrm>
+            <a:off x="1835156" y="3414050"/>
+            <a:ext cx="727610" cy="259045"/>
+          </a:xfrm>
+          <a:prstGeom prst="rect">
+            <a:avLst/>
+          </a:prstGeom>
+        </p:spPr>
+        <p:txBody>
+          <a:bodyPr vert="horz" wrap="square" lIns="0" tIns="12700" rIns="0" bIns="0" rtlCol="0">
+            <a:spAutoFit/>
+          </a:bodyPr>
+          <a:lstStyle>
+            <a:defPPr>
+              <a:defRPr lang="zh-CN"/>
+            </a:defPPr>
+            <a:lvl1pPr marL="12700">
+              <a:lnSpc>
+                <a:spcPct val="100000"/>
+              </a:lnSpc>
+              <a:spcBef>
+                <a:spcPts val="100"/>
+              </a:spcBef>
+              <a:defRPr sz="1100" i="1">
+                <a:latin typeface="Times New Roman" panose="02020603050405020304" pitchFamily="18" charset="0"/>
+                <a:cs typeface="Times New Roman" panose="02020603050405020304" pitchFamily="18" charset="0"/>
+              </a:defRPr>
+            </a:lvl1pPr>
+          </a:lstStyle>
+          <a:p>
+            <a:pPr algn="r"/>
+            <a:r>
+              <a:rPr lang="en-US" altLang="zh-CN" sz="1600" i="0" dirty="0">
+                <a:latin typeface="Cambria Math" panose="02040503050406030204" pitchFamily="18" charset="0"/>
+                <a:ea typeface="Cambria Math" panose="02040503050406030204" pitchFamily="18" charset="0"/>
+              </a:rPr>
+              <a:t>Ⅳ-Area</a:t>
+            </a:r>
+            <a:endParaRPr lang="zh-CN" altLang="en-US" sz="1600" i="0" dirty="0">
+              <a:latin typeface="Cambria Math" panose="02040503050406030204" pitchFamily="18" charset="0"/>
+            </a:endParaRPr>
+          </a:p>
+        </p:txBody>
+      </p:sp>
+      <p:sp>
+        <p:nvSpPr>
+          <p:cNvPr id="68" name="文本框 67">
+            <a:extLst>
+              <a:ext uri="{FF2B5EF4-FFF2-40B4-BE49-F238E27FC236}">
+                <a16:creationId xmlns:a16="http://schemas.microsoft.com/office/drawing/2014/main" id="{C29AEAAE-CE36-9694-AF21-767A23559DC3}"/>
+              </a:ext>
+            </a:extLst>
+          </p:cNvPr>
+          <p:cNvSpPr txBox="1"/>
+          <p:nvPr/>
+        </p:nvSpPr>
+        <p:spPr>
+          <a:xfrm>
+            <a:off x="1835156" y="3645401"/>
+            <a:ext cx="727610" cy="259045"/>
+          </a:xfrm>
+          <a:prstGeom prst="rect">
+            <a:avLst/>
+          </a:prstGeom>
+        </p:spPr>
+        <p:txBody>
+          <a:bodyPr vert="horz" wrap="square" lIns="0" tIns="12700" rIns="0" bIns="0" rtlCol="0">
+            <a:spAutoFit/>
+          </a:bodyPr>
+          <a:lstStyle>
+            <a:defPPr>
+              <a:defRPr lang="zh-CN"/>
+            </a:defPPr>
+            <a:lvl1pPr marL="12700">
+              <a:lnSpc>
+                <a:spcPct val="100000"/>
+              </a:lnSpc>
+              <a:spcBef>
+                <a:spcPts val="100"/>
+              </a:spcBef>
+              <a:defRPr sz="1100" i="1">
+                <a:latin typeface="Times New Roman" panose="02020603050405020304" pitchFamily="18" charset="0"/>
+                <a:cs typeface="Times New Roman" panose="02020603050405020304" pitchFamily="18" charset="0"/>
+              </a:defRPr>
+            </a:lvl1pPr>
+          </a:lstStyle>
+          <a:p>
+            <a:pPr algn="r"/>
+            <a:r>
+              <a:rPr lang="en-US" altLang="zh-CN" sz="1600" i="0" dirty="0">
+                <a:latin typeface="Cambria Math" panose="02040503050406030204" pitchFamily="18" charset="0"/>
+                <a:ea typeface="Cambria Math" panose="02040503050406030204" pitchFamily="18" charset="0"/>
+              </a:rPr>
+              <a:t>Ⅴ-Area</a:t>
+            </a:r>
+            <a:endParaRPr lang="zh-CN" altLang="en-US" sz="1600" i="0" dirty="0">
+              <a:latin typeface="Cambria Math" panose="02040503050406030204" pitchFamily="18" charset="0"/>
+            </a:endParaRPr>
+          </a:p>
+        </p:txBody>
+      </p:sp>
+      <p:grpSp>
+        <p:nvGrpSpPr>
+          <p:cNvPr id="112" name="组合 111">
+            <a:extLst>
+              <a:ext uri="{FF2B5EF4-FFF2-40B4-BE49-F238E27FC236}">
+                <a16:creationId xmlns:a16="http://schemas.microsoft.com/office/drawing/2014/main" id="{A8C07B82-D112-0908-0A31-D5F84144415A}"/>
+              </a:ext>
+            </a:extLst>
+          </p:cNvPr>
+          <p:cNvGrpSpPr/>
+          <p:nvPr/>
+        </p:nvGrpSpPr>
+        <p:grpSpPr>
+          <a:xfrm rot="16200000">
+            <a:off x="4586784" y="3793509"/>
+            <a:ext cx="1355452" cy="5349009"/>
+            <a:chOff x="3989524" y="546074"/>
+            <a:chExt cx="1355452" cy="5349009"/>
+          </a:xfrm>
+        </p:grpSpPr>
+        <p:sp>
+          <p:nvSpPr>
+            <p:cNvPr id="89" name="文本框 88">
+              <a:extLst>
+                <a:ext uri="{FF2B5EF4-FFF2-40B4-BE49-F238E27FC236}">
+                  <a16:creationId xmlns:a16="http://schemas.microsoft.com/office/drawing/2014/main" id="{0DE4538F-F012-C41C-9058-251888CDC25D}"/>
+                </a:ext>
+              </a:extLst>
+            </p:cNvPr>
+            <p:cNvSpPr txBox="1"/>
+            <p:nvPr/>
+          </p:nvSpPr>
+          <p:spPr>
+            <a:xfrm>
+              <a:off x="5030316" y="546074"/>
+              <a:ext cx="285455" cy="259045"/>
+            </a:xfrm>
+            <a:prstGeom prst="rect">
+              <a:avLst/>
+            </a:prstGeom>
+          </p:spPr>
+          <p:txBody>
+            <a:bodyPr vert="horz" wrap="square" lIns="0" tIns="12700" rIns="0" bIns="0" rtlCol="0">
+              <a:spAutoFit/>
+            </a:bodyPr>
+            <a:lstStyle>
+              <a:defPPr>
+                <a:defRPr lang="zh-CN"/>
+              </a:defPPr>
+              <a:lvl1pPr marL="12700">
+                <a:lnSpc>
+                  <a:spcPct val="100000"/>
+                </a:lnSpc>
+                <a:spcBef>
+                  <a:spcPts val="100"/>
+                </a:spcBef>
+                <a:defRPr sz="1100" i="1">
+                  <a:latin typeface="Times New Roman" panose="02020603050405020304" pitchFamily="18" charset="0"/>
+                  <a:cs typeface="Times New Roman" panose="02020603050405020304" pitchFamily="18" charset="0"/>
+                </a:defRPr>
+              </a:lvl1pPr>
+            </a:lstStyle>
+            <a:p>
+              <a:r>
+                <a:rPr lang="en-US" altLang="zh-CN" sz="1600" i="0" dirty="0">
+                  <a:latin typeface="Cambria Math" panose="02040503050406030204" pitchFamily="18" charset="0"/>
+                  <a:ea typeface="Cambria Math" panose="02040503050406030204" pitchFamily="18" charset="0"/>
+                </a:rPr>
+                <a:t>TN</a:t>
+              </a:r>
+              <a:endParaRPr lang="zh-CN" altLang="en-US" sz="1600" i="0" dirty="0">
+                <a:latin typeface="Cambria Math" panose="02040503050406030204" pitchFamily="18" charset="0"/>
+              </a:endParaRPr>
+            </a:p>
+          </p:txBody>
+        </p:sp>
+        <p:sp>
+          <p:nvSpPr>
+            <p:cNvPr id="90" name="文本框 89">
+              <a:extLst>
+                <a:ext uri="{FF2B5EF4-FFF2-40B4-BE49-F238E27FC236}">
+                  <a16:creationId xmlns:a16="http://schemas.microsoft.com/office/drawing/2014/main" id="{A8FEE4D6-4388-8DE9-5B45-788792B2B8F6}"/>
+                </a:ext>
+              </a:extLst>
+            </p:cNvPr>
+            <p:cNvSpPr txBox="1"/>
+            <p:nvPr/>
+          </p:nvSpPr>
+          <p:spPr>
+            <a:xfrm>
+              <a:off x="5059521" y="780871"/>
+              <a:ext cx="285455" cy="259045"/>
+            </a:xfrm>
+            <a:prstGeom prst="rect">
+              <a:avLst/>
+            </a:prstGeom>
+          </p:spPr>
+          <p:txBody>
+            <a:bodyPr vert="horz" wrap="square" lIns="0" tIns="12700" rIns="0" bIns="0" rtlCol="0">
+              <a:spAutoFit/>
+            </a:bodyPr>
+            <a:lstStyle>
+              <a:defPPr>
+                <a:defRPr lang="zh-CN"/>
+              </a:defPPr>
+              <a:lvl1pPr marL="12700">
+                <a:lnSpc>
+                  <a:spcPct val="100000"/>
+                </a:lnSpc>
+                <a:spcBef>
+                  <a:spcPts val="100"/>
+                </a:spcBef>
+                <a:defRPr sz="1100" i="1">
+                  <a:latin typeface="Times New Roman" panose="02020603050405020304" pitchFamily="18" charset="0"/>
+                  <a:cs typeface="Times New Roman" panose="02020603050405020304" pitchFamily="18" charset="0"/>
+                </a:defRPr>
+              </a:lvl1pPr>
+            </a:lstStyle>
+            <a:p>
+              <a:r>
+                <a:rPr lang="en-US" altLang="zh-CN" sz="1600" i="0" dirty="0">
+                  <a:latin typeface="Cambria Math" panose="02040503050406030204" pitchFamily="18" charset="0"/>
+                  <a:ea typeface="Cambria Math" panose="02040503050406030204" pitchFamily="18" charset="0"/>
+                </a:rPr>
+                <a:t>TP</a:t>
+              </a:r>
+              <a:endParaRPr lang="zh-CN" altLang="en-US" sz="1600" i="0" dirty="0">
+                <a:latin typeface="Cambria Math" panose="02040503050406030204" pitchFamily="18" charset="0"/>
+              </a:endParaRPr>
+            </a:p>
+          </p:txBody>
+        </p:sp>
+        <p:sp>
+          <p:nvSpPr>
+            <p:cNvPr id="91" name="文本框 90">
+              <a:extLst>
+                <a:ext uri="{FF2B5EF4-FFF2-40B4-BE49-F238E27FC236}">
+                  <a16:creationId xmlns:a16="http://schemas.microsoft.com/office/drawing/2014/main" id="{BDB018D5-6D90-E1DC-31A5-5C326F670C74}"/>
+                </a:ext>
+              </a:extLst>
+            </p:cNvPr>
+            <p:cNvSpPr txBox="1"/>
+            <p:nvPr/>
+          </p:nvSpPr>
+          <p:spPr>
+            <a:xfrm>
+              <a:off x="5016940" y="969915"/>
+              <a:ext cx="302233" cy="259045"/>
+            </a:xfrm>
+            <a:prstGeom prst="rect">
+              <a:avLst/>
+            </a:prstGeom>
+          </p:spPr>
+          <p:txBody>
+            <a:bodyPr vert="horz" wrap="square" lIns="0" tIns="12700" rIns="0" bIns="0" rtlCol="0">
+              <a:spAutoFit/>
+            </a:bodyPr>
+            <a:lstStyle>
+              <a:defPPr>
+                <a:defRPr lang="zh-CN"/>
+              </a:defPPr>
+              <a:lvl1pPr marL="12700">
+                <a:lnSpc>
+                  <a:spcPct val="100000"/>
+                </a:lnSpc>
+                <a:spcBef>
+                  <a:spcPts val="100"/>
+                </a:spcBef>
+                <a:defRPr sz="1100" i="1">
+                  <a:latin typeface="Times New Roman" panose="02020603050405020304" pitchFamily="18" charset="0"/>
+                  <a:cs typeface="Times New Roman" panose="02020603050405020304" pitchFamily="18" charset="0"/>
+                </a:defRPr>
+              </a:lvl1pPr>
+            </a:lstStyle>
+            <a:p>
+              <a:pPr algn="r"/>
+              <a:r>
+                <a:rPr lang="en-US" altLang="zh-CN" sz="1600" i="0" dirty="0">
+                  <a:latin typeface="Cambria Math" panose="02040503050406030204" pitchFamily="18" charset="0"/>
+                  <a:ea typeface="Cambria Math" panose="02040503050406030204" pitchFamily="18" charset="0"/>
+                </a:rPr>
+                <a:t>d</a:t>
+              </a:r>
+              <a:r>
+                <a:rPr lang="en-US" altLang="zh-CN" sz="1600" i="0" baseline="-25000" dirty="0">
+                  <a:latin typeface="Cambria Math" panose="02040503050406030204" pitchFamily="18" charset="0"/>
+                  <a:ea typeface="Cambria Math" panose="02040503050406030204" pitchFamily="18" charset="0"/>
+                </a:rPr>
+                <a:t>0.1</a:t>
+              </a:r>
+              <a:endParaRPr lang="zh-CN" altLang="en-US" sz="1600" i="0" dirty="0">
+                <a:latin typeface="Cambria Math" panose="02040503050406030204" pitchFamily="18" charset="0"/>
+              </a:endParaRPr>
+            </a:p>
+          </p:txBody>
+        </p:sp>
+        <p:sp>
+          <p:nvSpPr>
+            <p:cNvPr id="92" name="文本框 91">
+              <a:extLst>
+                <a:ext uri="{FF2B5EF4-FFF2-40B4-BE49-F238E27FC236}">
+                  <a16:creationId xmlns:a16="http://schemas.microsoft.com/office/drawing/2014/main" id="{54FCF231-3EBE-C557-DB9A-DA5E38A9102E}"/>
+                </a:ext>
+              </a:extLst>
+            </p:cNvPr>
+            <p:cNvSpPr txBox="1"/>
+            <p:nvPr/>
+          </p:nvSpPr>
+          <p:spPr>
+            <a:xfrm>
+              <a:off x="4424475" y="1197118"/>
+              <a:ext cx="884646" cy="259045"/>
+            </a:xfrm>
+            <a:prstGeom prst="rect">
+              <a:avLst/>
+            </a:prstGeom>
+          </p:spPr>
+          <p:txBody>
+            <a:bodyPr vert="horz" wrap="square" lIns="0" tIns="12700" rIns="0" bIns="0" rtlCol="0">
+              <a:spAutoFit/>
+            </a:bodyPr>
+            <a:lstStyle>
+              <a:defPPr>
+                <a:defRPr lang="zh-CN"/>
+              </a:defPPr>
+              <a:lvl1pPr marL="12700">
+                <a:lnSpc>
+                  <a:spcPct val="100000"/>
+                </a:lnSpc>
+                <a:spcBef>
+                  <a:spcPts val="100"/>
+                </a:spcBef>
+                <a:defRPr sz="1100" i="1">
+                  <a:latin typeface="Times New Roman" panose="02020603050405020304" pitchFamily="18" charset="0"/>
+                  <a:cs typeface="Times New Roman" panose="02020603050405020304" pitchFamily="18" charset="0"/>
+                </a:defRPr>
+              </a:lvl1pPr>
+            </a:lstStyle>
+            <a:p>
+              <a:pPr algn="r"/>
+              <a:r>
+                <a:rPr lang="en-US" altLang="zh-CN" sz="1600" i="0" dirty="0">
+                  <a:latin typeface="Cambria Math" panose="02040503050406030204" pitchFamily="18" charset="0"/>
+                  <a:ea typeface="Cambria Math" panose="02040503050406030204" pitchFamily="18" charset="0"/>
+                </a:rPr>
+                <a:t>d</a:t>
+              </a:r>
+              <a:r>
+                <a:rPr lang="en-US" altLang="zh-CN" sz="1600" i="0" baseline="-25000" dirty="0">
+                  <a:latin typeface="Cambria Math" panose="02040503050406030204" pitchFamily="18" charset="0"/>
+                  <a:ea typeface="Cambria Math" panose="02040503050406030204" pitchFamily="18" charset="0"/>
+                </a:rPr>
+                <a:t>0.5</a:t>
+              </a:r>
+              <a:endParaRPr lang="zh-CN" altLang="en-US" sz="1600" i="0" dirty="0">
+                <a:latin typeface="Cambria Math" panose="02040503050406030204" pitchFamily="18" charset="0"/>
+              </a:endParaRPr>
+            </a:p>
+          </p:txBody>
+        </p:sp>
+        <p:sp>
+          <p:nvSpPr>
+            <p:cNvPr id="93" name="文本框 92">
+              <a:extLst>
+                <a:ext uri="{FF2B5EF4-FFF2-40B4-BE49-F238E27FC236}">
+                  <a16:creationId xmlns:a16="http://schemas.microsoft.com/office/drawing/2014/main" id="{090E9E3E-4D33-3D7D-EBB9-2B60906D3691}"/>
+                </a:ext>
+              </a:extLst>
+            </p:cNvPr>
+            <p:cNvSpPr txBox="1"/>
+            <p:nvPr/>
+          </p:nvSpPr>
+          <p:spPr>
+            <a:xfrm>
+              <a:off x="4421247" y="1434151"/>
+              <a:ext cx="884646" cy="259045"/>
+            </a:xfrm>
+            <a:prstGeom prst="rect">
+              <a:avLst/>
+            </a:prstGeom>
+          </p:spPr>
+          <p:txBody>
+            <a:bodyPr vert="horz" wrap="square" lIns="0" tIns="12700" rIns="0" bIns="0" rtlCol="0">
+              <a:spAutoFit/>
+            </a:bodyPr>
+            <a:lstStyle>
+              <a:defPPr>
+                <a:defRPr lang="zh-CN"/>
+              </a:defPPr>
+              <a:lvl1pPr marL="12700">
+                <a:lnSpc>
+                  <a:spcPct val="100000"/>
+                </a:lnSpc>
+                <a:spcBef>
+                  <a:spcPts val="100"/>
+                </a:spcBef>
+                <a:defRPr sz="1100" i="1">
+                  <a:latin typeface="Times New Roman" panose="02020603050405020304" pitchFamily="18" charset="0"/>
+                  <a:cs typeface="Times New Roman" panose="02020603050405020304" pitchFamily="18" charset="0"/>
+                </a:defRPr>
+              </a:lvl1pPr>
+            </a:lstStyle>
+            <a:p>
+              <a:pPr algn="r"/>
+              <a:r>
+                <a:rPr lang="en-US" altLang="zh-CN" sz="1600" i="0" dirty="0">
+                  <a:latin typeface="Cambria Math" panose="02040503050406030204" pitchFamily="18" charset="0"/>
+                  <a:ea typeface="Cambria Math" panose="02040503050406030204" pitchFamily="18" charset="0"/>
+                </a:rPr>
+                <a:t>d</a:t>
+              </a:r>
+              <a:r>
+                <a:rPr lang="en-US" altLang="zh-CN" sz="1600" i="0" baseline="-25000" dirty="0">
+                  <a:latin typeface="Cambria Math" panose="02040503050406030204" pitchFamily="18" charset="0"/>
+                  <a:ea typeface="Cambria Math" panose="02040503050406030204" pitchFamily="18" charset="0"/>
+                </a:rPr>
+                <a:t>0.9</a:t>
+              </a:r>
+              <a:endParaRPr lang="zh-CN" altLang="en-US" sz="1600" i="0" dirty="0">
+                <a:latin typeface="Cambria Math" panose="02040503050406030204" pitchFamily="18" charset="0"/>
+              </a:endParaRPr>
+            </a:p>
+          </p:txBody>
+        </p:sp>
+        <p:sp>
+          <p:nvSpPr>
+            <p:cNvPr id="94" name="文本框 93">
+              <a:extLst>
+                <a:ext uri="{FF2B5EF4-FFF2-40B4-BE49-F238E27FC236}">
+                  <a16:creationId xmlns:a16="http://schemas.microsoft.com/office/drawing/2014/main" id="{FE7BF9D5-FE74-FD43-4E88-391AD4A95996}"/>
+                </a:ext>
+              </a:extLst>
+            </p:cNvPr>
+            <p:cNvSpPr txBox="1"/>
+            <p:nvPr/>
+          </p:nvSpPr>
+          <p:spPr>
+            <a:xfrm>
+              <a:off x="3989524" y="1677541"/>
+              <a:ext cx="1348777" cy="259045"/>
+            </a:xfrm>
+            <a:prstGeom prst="rect">
+              <a:avLst/>
+            </a:prstGeom>
+          </p:spPr>
+          <p:txBody>
+            <a:bodyPr vert="horz" wrap="square" lIns="0" tIns="12700" rIns="0" bIns="0" rtlCol="0">
+              <a:spAutoFit/>
+            </a:bodyPr>
+            <a:lstStyle>
+              <a:defPPr>
+                <a:defRPr lang="zh-CN"/>
+              </a:defPPr>
+              <a:lvl1pPr marL="12700">
+                <a:lnSpc>
+                  <a:spcPct val="100000"/>
+                </a:lnSpc>
+                <a:spcBef>
+                  <a:spcPts val="100"/>
+                </a:spcBef>
+                <a:defRPr sz="1100" i="1">
+                  <a:latin typeface="Times New Roman" panose="02020603050405020304" pitchFamily="18" charset="0"/>
+                  <a:cs typeface="Times New Roman" panose="02020603050405020304" pitchFamily="18" charset="0"/>
+                </a:defRPr>
+              </a:lvl1pPr>
+            </a:lstStyle>
+            <a:p>
+              <a:pPr algn="r"/>
+              <a:r>
+                <a:rPr lang="en-US" altLang="zh-CN" sz="1600" i="0" dirty="0">
+                  <a:latin typeface="Cambria Math" panose="02040503050406030204" pitchFamily="18" charset="0"/>
+                  <a:ea typeface="Cambria Math" panose="02040503050406030204" pitchFamily="18" charset="0"/>
+                </a:rPr>
+                <a:t>(d</a:t>
+              </a:r>
+              <a:r>
+                <a:rPr lang="en-US" altLang="zh-CN" sz="1600" i="0" baseline="-25000" dirty="0">
+                  <a:latin typeface="Cambria Math" panose="02040503050406030204" pitchFamily="18" charset="0"/>
+                  <a:ea typeface="Cambria Math" panose="02040503050406030204" pitchFamily="18" charset="0"/>
+                </a:rPr>
+                <a:t>0.9</a:t>
+              </a:r>
+              <a:r>
+                <a:rPr lang="en-US" altLang="zh-CN" sz="1600" i="0" dirty="0">
+                  <a:latin typeface="Cambria Math" panose="02040503050406030204" pitchFamily="18" charset="0"/>
+                  <a:ea typeface="Cambria Math" panose="02040503050406030204" pitchFamily="18" charset="0"/>
+                </a:rPr>
+                <a:t>-d</a:t>
+              </a:r>
+              <a:r>
+                <a:rPr lang="en-US" altLang="zh-CN" sz="1600" i="0" baseline="-25000" dirty="0">
+                  <a:latin typeface="Cambria Math" panose="02040503050406030204" pitchFamily="18" charset="0"/>
+                  <a:ea typeface="Cambria Math" panose="02040503050406030204" pitchFamily="18" charset="0"/>
+                </a:rPr>
+                <a:t>0.1</a:t>
+              </a:r>
+              <a:r>
+                <a:rPr lang="en-US" altLang="zh-CN" sz="1600" i="0" dirty="0">
+                  <a:latin typeface="Cambria Math" panose="02040503050406030204" pitchFamily="18" charset="0"/>
+                  <a:ea typeface="Cambria Math" panose="02040503050406030204" pitchFamily="18" charset="0"/>
+                </a:rPr>
+                <a:t>)/d</a:t>
+              </a:r>
+              <a:r>
+                <a:rPr lang="en-US" altLang="zh-CN" sz="1600" i="0" baseline="-25000" dirty="0">
+                  <a:latin typeface="Cambria Math" panose="02040503050406030204" pitchFamily="18" charset="0"/>
+                  <a:ea typeface="Cambria Math" panose="02040503050406030204" pitchFamily="18" charset="0"/>
+                </a:rPr>
+                <a:t>0.5</a:t>
+              </a:r>
+              <a:endParaRPr lang="zh-CN" altLang="en-US" sz="1600" i="0" dirty="0">
+                <a:latin typeface="Cambria Math" panose="02040503050406030204" pitchFamily="18" charset="0"/>
+              </a:endParaRPr>
+            </a:p>
+          </p:txBody>
+        </p:sp>
+        <p:sp>
+          <p:nvSpPr>
+            <p:cNvPr id="95" name="文本框 94">
+              <a:extLst>
+                <a:ext uri="{FF2B5EF4-FFF2-40B4-BE49-F238E27FC236}">
+                  <a16:creationId xmlns:a16="http://schemas.microsoft.com/office/drawing/2014/main" id="{A43734DE-111B-C9C2-9D98-5DAA0EE004ED}"/>
+                </a:ext>
+              </a:extLst>
+            </p:cNvPr>
+            <p:cNvSpPr txBox="1"/>
+            <p:nvPr/>
+          </p:nvSpPr>
+          <p:spPr>
+            <a:xfrm>
+              <a:off x="4992708" y="1943216"/>
+              <a:ext cx="317151" cy="259045"/>
+            </a:xfrm>
+            <a:prstGeom prst="rect">
+              <a:avLst/>
+            </a:prstGeom>
+          </p:spPr>
+          <p:txBody>
+            <a:bodyPr vert="horz" wrap="square" lIns="0" tIns="12700" rIns="0" bIns="0" rtlCol="0">
+              <a:spAutoFit/>
+            </a:bodyPr>
+            <a:lstStyle>
+              <a:defPPr>
+                <a:defRPr lang="zh-CN"/>
+              </a:defPPr>
+              <a:lvl1pPr marL="12700">
+                <a:lnSpc>
+                  <a:spcPct val="100000"/>
+                </a:lnSpc>
+                <a:spcBef>
+                  <a:spcPts val="100"/>
+                </a:spcBef>
+                <a:defRPr sz="1100" i="1">
+                  <a:latin typeface="Times New Roman" panose="02020603050405020304" pitchFamily="18" charset="0"/>
+                  <a:cs typeface="Times New Roman" panose="02020603050405020304" pitchFamily="18" charset="0"/>
+                </a:defRPr>
+              </a:lvl1pPr>
+            </a:lstStyle>
+            <a:p>
+              <a:pPr algn="r"/>
+              <a:r>
+                <a:rPr lang="en-US" altLang="zh-CN" sz="1600" i="0" dirty="0">
+                  <a:latin typeface="Cambria Math" panose="02040503050406030204" pitchFamily="18" charset="0"/>
+                  <a:ea typeface="Cambria Math" panose="02040503050406030204" pitchFamily="18" charset="0"/>
+                </a:rPr>
+                <a:t>FI</a:t>
+              </a:r>
+              <a:endParaRPr lang="zh-CN" altLang="en-US" sz="1600" i="0" dirty="0">
+                <a:latin typeface="Cambria Math" panose="02040503050406030204" pitchFamily="18" charset="0"/>
+              </a:endParaRPr>
+            </a:p>
+          </p:txBody>
+        </p:sp>
+        <p:sp>
+          <p:nvSpPr>
+            <p:cNvPr id="96" name="文本框 95">
+              <a:extLst>
+                <a:ext uri="{FF2B5EF4-FFF2-40B4-BE49-F238E27FC236}">
+                  <a16:creationId xmlns:a16="http://schemas.microsoft.com/office/drawing/2014/main" id="{8A09EEB2-1AD9-1C75-CABE-286706048BE0}"/>
+                </a:ext>
+              </a:extLst>
+            </p:cNvPr>
+            <p:cNvSpPr txBox="1"/>
+            <p:nvPr/>
+          </p:nvSpPr>
+          <p:spPr>
+            <a:xfrm>
+              <a:off x="4853030" y="2153337"/>
+              <a:ext cx="473707" cy="259045"/>
+            </a:xfrm>
+            <a:prstGeom prst="rect">
+              <a:avLst/>
+            </a:prstGeom>
+          </p:spPr>
+          <p:txBody>
+            <a:bodyPr vert="horz" wrap="square" lIns="0" tIns="12700" rIns="0" bIns="0" rtlCol="0">
+              <a:spAutoFit/>
+            </a:bodyPr>
+            <a:lstStyle>
+              <a:defPPr>
+                <a:defRPr lang="zh-CN"/>
+              </a:defPPr>
+              <a:lvl1pPr marL="12700">
+                <a:lnSpc>
+                  <a:spcPct val="100000"/>
+                </a:lnSpc>
+                <a:spcBef>
+                  <a:spcPts val="100"/>
+                </a:spcBef>
+                <a:defRPr sz="1100" i="1">
+                  <a:latin typeface="Times New Roman" panose="02020603050405020304" pitchFamily="18" charset="0"/>
+                  <a:cs typeface="Times New Roman" panose="02020603050405020304" pitchFamily="18" charset="0"/>
+                </a:defRPr>
+              </a:lvl1pPr>
+            </a:lstStyle>
+            <a:p>
+              <a:pPr algn="r"/>
+              <a:r>
+                <a:rPr lang="en-US" altLang="zh-CN" sz="1600" i="0" dirty="0">
+                  <a:latin typeface="Cambria Math" panose="02040503050406030204" pitchFamily="18" charset="0"/>
+                  <a:ea typeface="Cambria Math" panose="02040503050406030204" pitchFamily="18" charset="0"/>
+                </a:rPr>
+                <a:t>BIX</a:t>
+              </a:r>
+              <a:endParaRPr lang="zh-CN" altLang="en-US" sz="1600" i="0" dirty="0">
+                <a:latin typeface="Cambria Math" panose="02040503050406030204" pitchFamily="18" charset="0"/>
+              </a:endParaRPr>
+            </a:p>
+          </p:txBody>
+        </p:sp>
+        <p:sp>
+          <p:nvSpPr>
+            <p:cNvPr id="97" name="文本框 96">
+              <a:extLst>
+                <a:ext uri="{FF2B5EF4-FFF2-40B4-BE49-F238E27FC236}">
+                  <a16:creationId xmlns:a16="http://schemas.microsoft.com/office/drawing/2014/main" id="{215B18F2-76FE-783C-ED34-4A689CA6394F}"/>
+                </a:ext>
+              </a:extLst>
+            </p:cNvPr>
+            <p:cNvSpPr txBox="1"/>
+            <p:nvPr/>
+          </p:nvSpPr>
+          <p:spPr>
+            <a:xfrm>
+              <a:off x="4887776" y="2389150"/>
+              <a:ext cx="446898" cy="259045"/>
+            </a:xfrm>
+            <a:prstGeom prst="rect">
+              <a:avLst/>
+            </a:prstGeom>
+          </p:spPr>
+          <p:txBody>
+            <a:bodyPr vert="horz" wrap="square" lIns="0" tIns="12700" rIns="0" bIns="0" rtlCol="0">
+              <a:spAutoFit/>
+            </a:bodyPr>
+            <a:lstStyle>
+              <a:defPPr>
+                <a:defRPr lang="zh-CN"/>
+              </a:defPPr>
+              <a:lvl1pPr marL="12700">
+                <a:lnSpc>
+                  <a:spcPct val="100000"/>
+                </a:lnSpc>
+                <a:spcBef>
+                  <a:spcPts val="100"/>
+                </a:spcBef>
+                <a:defRPr sz="1100" i="1">
+                  <a:latin typeface="Times New Roman" panose="02020603050405020304" pitchFamily="18" charset="0"/>
+                  <a:cs typeface="Times New Roman" panose="02020603050405020304" pitchFamily="18" charset="0"/>
+                </a:defRPr>
+              </a:lvl1pPr>
+            </a:lstStyle>
+            <a:p>
+              <a:pPr algn="r"/>
+              <a:r>
+                <a:rPr lang="en-US" altLang="zh-CN" sz="1600" i="0" dirty="0">
+                  <a:latin typeface="Cambria Math" panose="02040503050406030204" pitchFamily="18" charset="0"/>
+                  <a:ea typeface="Cambria Math" panose="02040503050406030204" pitchFamily="18" charset="0"/>
+                </a:rPr>
+                <a:t>HIX</a:t>
+              </a:r>
+              <a:endParaRPr lang="zh-CN" altLang="en-US" sz="1600" i="0" dirty="0">
+                <a:latin typeface="Cambria Math" panose="02040503050406030204" pitchFamily="18" charset="0"/>
+              </a:endParaRPr>
+            </a:p>
+          </p:txBody>
+        </p:sp>
+        <p:sp>
+          <p:nvSpPr>
+            <p:cNvPr id="98" name="文本框 97">
+              <a:extLst>
+                <a:ext uri="{FF2B5EF4-FFF2-40B4-BE49-F238E27FC236}">
+                  <a16:creationId xmlns:a16="http://schemas.microsoft.com/office/drawing/2014/main" id="{4B90B4EE-8F80-DCBB-6BCF-3A0DB30CEFDC}"/>
+                </a:ext>
+              </a:extLst>
+            </p:cNvPr>
+            <p:cNvSpPr txBox="1"/>
+            <p:nvPr/>
+          </p:nvSpPr>
+          <p:spPr>
+            <a:xfrm>
+              <a:off x="4874636" y="2602919"/>
+              <a:ext cx="437098" cy="259045"/>
+            </a:xfrm>
+            <a:prstGeom prst="rect">
+              <a:avLst/>
+            </a:prstGeom>
+          </p:spPr>
+          <p:txBody>
+            <a:bodyPr vert="horz" wrap="square" lIns="0" tIns="12700" rIns="0" bIns="0" rtlCol="0">
+              <a:spAutoFit/>
+            </a:bodyPr>
+            <a:lstStyle>
+              <a:defPPr>
+                <a:defRPr lang="zh-CN"/>
+              </a:defPPr>
+              <a:lvl1pPr marL="12700">
+                <a:lnSpc>
+                  <a:spcPct val="100000"/>
+                </a:lnSpc>
+                <a:spcBef>
+                  <a:spcPts val="100"/>
+                </a:spcBef>
+                <a:defRPr sz="1100" i="1">
+                  <a:latin typeface="Times New Roman" panose="02020603050405020304" pitchFamily="18" charset="0"/>
+                  <a:cs typeface="Times New Roman" panose="02020603050405020304" pitchFamily="18" charset="0"/>
+                </a:defRPr>
+              </a:lvl1pPr>
+            </a:lstStyle>
+            <a:p>
+              <a:pPr algn="r"/>
+              <a:r>
+                <a:rPr lang="el-GR" altLang="zh-CN" sz="1600" i="0" dirty="0">
+                  <a:latin typeface="Cambria Math" panose="02040503050406030204" pitchFamily="18" charset="0"/>
+                  <a:ea typeface="Cambria Math" panose="02040503050406030204" pitchFamily="18" charset="0"/>
+                </a:rPr>
+                <a:t>β:α</a:t>
+              </a:r>
+              <a:endParaRPr lang="zh-CN" altLang="en-US" sz="1600" i="0" dirty="0">
+                <a:latin typeface="Cambria Math" panose="02040503050406030204" pitchFamily="18" charset="0"/>
+              </a:endParaRPr>
+            </a:p>
+          </p:txBody>
+        </p:sp>
+        <p:sp>
+          <p:nvSpPr>
+            <p:cNvPr id="99" name="文本框 98">
+              <a:extLst>
+                <a:ext uri="{FF2B5EF4-FFF2-40B4-BE49-F238E27FC236}">
+                  <a16:creationId xmlns:a16="http://schemas.microsoft.com/office/drawing/2014/main" id="{88170C36-1376-BAD7-FEC4-A8FF8DD1A328}"/>
+                </a:ext>
+              </a:extLst>
+            </p:cNvPr>
+            <p:cNvSpPr txBox="1"/>
+            <p:nvPr/>
+          </p:nvSpPr>
+          <p:spPr>
+            <a:xfrm>
+              <a:off x="4599122" y="2829637"/>
+              <a:ext cx="727615" cy="259045"/>
+            </a:xfrm>
+            <a:prstGeom prst="rect">
+              <a:avLst/>
+            </a:prstGeom>
+          </p:spPr>
+          <p:txBody>
+            <a:bodyPr vert="horz" wrap="square" lIns="0" tIns="12700" rIns="0" bIns="0" rtlCol="0">
+              <a:spAutoFit/>
+            </a:bodyPr>
+            <a:lstStyle>
+              <a:defPPr>
+                <a:defRPr lang="zh-CN"/>
+              </a:defPPr>
+              <a:lvl1pPr marL="12700">
+                <a:lnSpc>
+                  <a:spcPct val="100000"/>
+                </a:lnSpc>
+                <a:spcBef>
+                  <a:spcPts val="100"/>
+                </a:spcBef>
+                <a:defRPr sz="1100" i="1">
+                  <a:latin typeface="Times New Roman" panose="02020603050405020304" pitchFamily="18" charset="0"/>
+                  <a:cs typeface="Times New Roman" panose="02020603050405020304" pitchFamily="18" charset="0"/>
+                </a:defRPr>
+              </a:lvl1pPr>
+            </a:lstStyle>
+            <a:p>
+              <a:pPr algn="r"/>
+              <a:r>
+                <a:rPr lang="en-US" altLang="zh-CN" sz="1600" i="0" dirty="0">
+                  <a:latin typeface="Cambria Math" panose="02040503050406030204" pitchFamily="18" charset="0"/>
+                  <a:ea typeface="Cambria Math" panose="02040503050406030204" pitchFamily="18" charset="0"/>
+                </a:rPr>
+                <a:t>Ⅰ-Area</a:t>
+              </a:r>
+              <a:endParaRPr lang="zh-CN" altLang="en-US" sz="1600" i="0" dirty="0">
+                <a:latin typeface="Cambria Math" panose="02040503050406030204" pitchFamily="18" charset="0"/>
+              </a:endParaRPr>
+            </a:p>
+          </p:txBody>
+        </p:sp>
+        <p:sp>
+          <p:nvSpPr>
+            <p:cNvPr id="100" name="文本框 99">
+              <a:extLst>
+                <a:ext uri="{FF2B5EF4-FFF2-40B4-BE49-F238E27FC236}">
+                  <a16:creationId xmlns:a16="http://schemas.microsoft.com/office/drawing/2014/main" id="{24AA4316-0EDF-9051-2E01-CF09F6AE2B40}"/>
+                </a:ext>
+              </a:extLst>
+            </p:cNvPr>
+            <p:cNvSpPr txBox="1"/>
+            <p:nvPr/>
+          </p:nvSpPr>
+          <p:spPr>
+            <a:xfrm>
+              <a:off x="4988422" y="3990463"/>
+              <a:ext cx="310420" cy="259045"/>
+            </a:xfrm>
+            <a:prstGeom prst="rect">
+              <a:avLst/>
+            </a:prstGeom>
+          </p:spPr>
+          <p:txBody>
+            <a:bodyPr vert="horz" wrap="square" lIns="0" tIns="12700" rIns="0" bIns="0" rtlCol="0">
+              <a:spAutoFit/>
+            </a:bodyPr>
+            <a:lstStyle>
+              <a:defPPr>
+                <a:defRPr lang="zh-CN"/>
+              </a:defPPr>
+              <a:lvl1pPr marL="12700">
+                <a:lnSpc>
+                  <a:spcPct val="100000"/>
+                </a:lnSpc>
+                <a:spcBef>
+                  <a:spcPts val="100"/>
+                </a:spcBef>
+                <a:defRPr sz="1100" i="1">
+                  <a:latin typeface="Times New Roman" panose="02020603050405020304" pitchFamily="18" charset="0"/>
+                  <a:cs typeface="Times New Roman" panose="02020603050405020304" pitchFamily="18" charset="0"/>
+                </a:defRPr>
+              </a:lvl1pPr>
+            </a:lstStyle>
+            <a:p>
+              <a:pPr algn="r"/>
+              <a:r>
+                <a:rPr lang="en-US" altLang="zh-CN" sz="1600" i="0" dirty="0">
+                  <a:latin typeface="Cambria Math" panose="02040503050406030204" pitchFamily="18" charset="0"/>
+                  <a:ea typeface="Cambria Math" panose="02040503050406030204" pitchFamily="18" charset="0"/>
+                </a:rPr>
+                <a:t>pH</a:t>
+              </a:r>
+              <a:endParaRPr lang="zh-CN" altLang="en-US" sz="1600" i="0" dirty="0">
+                <a:latin typeface="Cambria Math" panose="02040503050406030204" pitchFamily="18" charset="0"/>
+              </a:endParaRPr>
+            </a:p>
+          </p:txBody>
+        </p:sp>
+        <p:sp>
+          <p:nvSpPr>
+            <p:cNvPr id="101" name="文本框 100">
+              <a:extLst>
+                <a:ext uri="{FF2B5EF4-FFF2-40B4-BE49-F238E27FC236}">
+                  <a16:creationId xmlns:a16="http://schemas.microsoft.com/office/drawing/2014/main" id="{B5B70504-CB40-EE83-795C-911158B01052}"/>
+                </a:ext>
+              </a:extLst>
+            </p:cNvPr>
+            <p:cNvSpPr txBox="1"/>
+            <p:nvPr/>
+          </p:nvSpPr>
+          <p:spPr>
+            <a:xfrm>
+              <a:off x="4992326" y="4227030"/>
+              <a:ext cx="317913" cy="259045"/>
+            </a:xfrm>
+            <a:prstGeom prst="rect">
+              <a:avLst/>
+            </a:prstGeom>
+          </p:spPr>
+          <p:txBody>
+            <a:bodyPr vert="horz" wrap="square" lIns="0" tIns="12700" rIns="0" bIns="0" rtlCol="0">
+              <a:spAutoFit/>
+            </a:bodyPr>
+            <a:lstStyle>
+              <a:defPPr>
+                <a:defRPr lang="zh-CN"/>
+              </a:defPPr>
+              <a:lvl1pPr marL="12700">
+                <a:lnSpc>
+                  <a:spcPct val="100000"/>
+                </a:lnSpc>
+                <a:spcBef>
+                  <a:spcPts val="100"/>
+                </a:spcBef>
+                <a:defRPr sz="1100" i="1">
+                  <a:latin typeface="Times New Roman" panose="02020603050405020304" pitchFamily="18" charset="0"/>
+                  <a:cs typeface="Times New Roman" panose="02020603050405020304" pitchFamily="18" charset="0"/>
+                </a:defRPr>
+              </a:lvl1pPr>
+            </a:lstStyle>
+            <a:p>
+              <a:pPr algn="r"/>
+              <a:r>
+                <a:rPr lang="en-US" altLang="zh-CN" sz="1600" i="0" dirty="0">
+                  <a:latin typeface="Cambria Math" panose="02040503050406030204" pitchFamily="18" charset="0"/>
+                  <a:ea typeface="Cambria Math" panose="02040503050406030204" pitchFamily="18" charset="0"/>
+                </a:rPr>
+                <a:t>DO</a:t>
+              </a:r>
+              <a:endParaRPr lang="zh-CN" altLang="en-US" sz="1600" i="0" dirty="0">
+                <a:latin typeface="Cambria Math" panose="02040503050406030204" pitchFamily="18" charset="0"/>
+              </a:endParaRPr>
+            </a:p>
+          </p:txBody>
+        </p:sp>
+        <p:sp>
+          <p:nvSpPr>
+            <p:cNvPr id="102" name="文本框 101">
+              <a:extLst>
+                <a:ext uri="{FF2B5EF4-FFF2-40B4-BE49-F238E27FC236}">
+                  <a16:creationId xmlns:a16="http://schemas.microsoft.com/office/drawing/2014/main" id="{66B977E0-FD10-6D19-D719-0D0227CC8123}"/>
+                </a:ext>
+              </a:extLst>
+            </p:cNvPr>
+            <p:cNvSpPr txBox="1"/>
+            <p:nvPr/>
+          </p:nvSpPr>
+          <p:spPr>
+            <a:xfrm>
+              <a:off x="5012523" y="4460058"/>
+              <a:ext cx="291346" cy="259045"/>
+            </a:xfrm>
+            <a:prstGeom prst="rect">
+              <a:avLst/>
+            </a:prstGeom>
+          </p:spPr>
+          <p:txBody>
+            <a:bodyPr vert="horz" wrap="square" lIns="0" tIns="12700" rIns="0" bIns="0" rtlCol="0">
+              <a:spAutoFit/>
+            </a:bodyPr>
+            <a:lstStyle>
+              <a:defPPr>
+                <a:defRPr lang="zh-CN"/>
+              </a:defPPr>
+              <a:lvl1pPr marL="12700">
+                <a:lnSpc>
+                  <a:spcPct val="100000"/>
+                </a:lnSpc>
+                <a:spcBef>
+                  <a:spcPts val="100"/>
+                </a:spcBef>
+                <a:defRPr sz="1100" i="1">
+                  <a:latin typeface="Times New Roman" panose="02020603050405020304" pitchFamily="18" charset="0"/>
+                  <a:cs typeface="Times New Roman" panose="02020603050405020304" pitchFamily="18" charset="0"/>
+                </a:defRPr>
+              </a:lvl1pPr>
+            </a:lstStyle>
+            <a:p>
+              <a:r>
+                <a:rPr lang="en-US" altLang="zh-CN" sz="1600" i="0" dirty="0">
+                  <a:latin typeface="Cambria Math" panose="02040503050406030204" pitchFamily="18" charset="0"/>
+                  <a:ea typeface="Cambria Math" panose="02040503050406030204" pitchFamily="18" charset="0"/>
+                </a:rPr>
+                <a:t>TN</a:t>
+              </a:r>
+              <a:endParaRPr lang="zh-CN" altLang="en-US" sz="1600" i="0" dirty="0">
+                <a:latin typeface="Cambria Math" panose="02040503050406030204" pitchFamily="18" charset="0"/>
+              </a:endParaRPr>
+            </a:p>
+          </p:txBody>
+        </p:sp>
+        <mc:AlternateContent xmlns:mc="http://schemas.openxmlformats.org/markup-compatibility/2006" xmlns:a14="http://schemas.microsoft.com/office/drawing/2010/main">
+          <mc:Choice Requires="a14">
+            <p:sp>
+              <p:nvSpPr>
+                <p:cNvPr id="103" name="文本框 102">
+                  <a:extLst>
+                    <a:ext uri="{FF2B5EF4-FFF2-40B4-BE49-F238E27FC236}">
+                      <a16:creationId xmlns:a16="http://schemas.microsoft.com/office/drawing/2014/main" id="{67A95F13-574B-6720-212E-B66A3DCDEFB1}"/>
+                    </a:ext>
+                  </a:extLst>
+                </p:cNvPr>
+                <p:cNvSpPr txBox="1"/>
+                <p:nvPr/>
+              </p:nvSpPr>
+              <p:spPr>
+                <a:xfrm>
+                  <a:off x="4936817" y="4680963"/>
+                  <a:ext cx="247318" cy="259045"/>
+                </a:xfrm>
+                <a:prstGeom prst="rect">
+                  <a:avLst/>
+                </a:prstGeom>
+              </p:spPr>
+              <p:txBody>
+                <a:bodyPr vert="horz" wrap="square" lIns="0" tIns="12700" rIns="0" bIns="0" rtlCol="0">
+                  <a:spAutoFit/>
+                </a:bodyPr>
+                <a:lstStyle>
+                  <a:defPPr>
+                    <a:defRPr lang="zh-CN"/>
+                  </a:defPPr>
+                  <a:lvl1pPr marL="12700">
+                    <a:lnSpc>
+                      <a:spcPct val="100000"/>
+                    </a:lnSpc>
+                    <a:spcBef>
+                      <a:spcPts val="100"/>
+                    </a:spcBef>
+                    <a:defRPr sz="1100" i="1">
+                      <a:latin typeface="Times New Roman" panose="02020603050405020304" pitchFamily="18" charset="0"/>
+                      <a:cs typeface="Times New Roman" panose="02020603050405020304" pitchFamily="18" charset="0"/>
+                    </a:defRPr>
+                  </a:lvl1pPr>
+                </a:lstStyle>
+                <a:p>
+                  <a:pPr/>
+                  <a14:m>
+                    <m:oMathPara xmlns:m="http://schemas.openxmlformats.org/officeDocument/2006/math">
+                      <m:oMathParaPr>
+                        <m:jc m:val="centerGroup"/>
+                      </m:oMathParaPr>
+                      <m:oMath xmlns:m="http://schemas.openxmlformats.org/officeDocument/2006/math">
+                        <m:sSubSup>
+                          <m:sSubSupPr>
+                            <m:ctrlPr>
+                              <a:rPr lang="en-US" altLang="zh-CN" sz="1600" i="1">
+                                <a:latin typeface="Cambria Math" panose="02040503050406030204" pitchFamily="18" charset="0"/>
+                                <a:ea typeface="Cambria Math" panose="02040503050406030204" pitchFamily="18" charset="0"/>
+                              </a:rPr>
+                            </m:ctrlPr>
+                          </m:sSubSupPr>
+                          <m:e>
+                            <m:r>
+                              <m:rPr>
+                                <m:sty m:val="p"/>
+                              </m:rPr>
+                              <a:rPr lang="en-US" altLang="zh-CN" sz="1600" i="0" smtClean="0">
+                                <a:latin typeface="Cambria Math" panose="02040503050406030204" pitchFamily="18" charset="0"/>
+                                <a:ea typeface="Cambria Math" panose="02040503050406030204" pitchFamily="18" charset="0"/>
+                              </a:rPr>
+                              <m:t>NO</m:t>
+                            </m:r>
+                          </m:e>
+                          <m:sub>
+                            <m:r>
+                              <a:rPr lang="en-US" altLang="zh-CN" sz="1600" i="0" smtClean="0">
+                                <a:latin typeface="Cambria Math" panose="02040503050406030204" pitchFamily="18" charset="0"/>
+                                <a:ea typeface="Cambria Math" panose="02040503050406030204" pitchFamily="18" charset="0"/>
+                              </a:rPr>
+                              <m:t>2</m:t>
+                            </m:r>
+                          </m:sub>
+                          <m:sup>
+                            <m:r>
+                              <a:rPr lang="en-US" altLang="zh-CN" sz="1600" i="0" smtClean="0">
+                                <a:latin typeface="Cambria Math" panose="02040503050406030204" pitchFamily="18" charset="0"/>
+                                <a:ea typeface="Cambria Math" panose="02040503050406030204" pitchFamily="18" charset="0"/>
+                              </a:rPr>
+                              <m:t>−</m:t>
+                            </m:r>
+                          </m:sup>
+                        </m:sSubSup>
+                      </m:oMath>
+                    </m:oMathPara>
+                  </a14:m>
+                  <a:endParaRPr lang="zh-CN" altLang="en-US" sz="1600" i="0" dirty="0">
+                    <a:latin typeface="Cambria Math" panose="02040503050406030204" pitchFamily="18" charset="0"/>
+                  </a:endParaRPr>
+                </a:p>
+              </p:txBody>
+            </p:sp>
+          </mc:Choice>
+          <mc:Fallback xmlns="">
+            <p:sp>
+              <p:nvSpPr>
+                <p:cNvPr id="103" name="文本框 102">
+                  <a:extLst>
+                    <a:ext uri="{FF2B5EF4-FFF2-40B4-BE49-F238E27FC236}">
+                      <a16:creationId xmlns:a16="http://schemas.microsoft.com/office/drawing/2014/main" id="{67A95F13-574B-6720-212E-B66A3DCDEFB1}"/>
+                    </a:ext>
+                  </a:extLst>
+                </p:cNvPr>
+                <p:cNvSpPr txBox="1">
+                  <a:spLocks noRot="1" noChangeAspect="1" noMove="1" noResize="1" noEditPoints="1" noAdjustHandles="1" noChangeArrowheads="1" noChangeShapeType="1" noTextEdit="1"/>
+                </p:cNvSpPr>
+                <p:nvPr/>
+              </p:nvSpPr>
+              <p:spPr>
+                <a:xfrm>
+                  <a:off x="4936817" y="4680963"/>
+                  <a:ext cx="247318" cy="259045"/>
+                </a:xfrm>
+                <a:prstGeom prst="rect">
+                  <a:avLst/>
+                </a:prstGeom>
+                <a:blipFill>
+                  <a:blip r:embed="rId6"/>
+                  <a:stretch>
+                    <a:fillRect t="-68293" r="-16279" b="-21951"/>
+                  </a:stretch>
+                </a:blipFill>
+              </p:spPr>
+              <p:txBody>
+                <a:bodyPr/>
+                <a:lstStyle/>
+                <a:p>
+                  <a:r>
+                    <a:rPr lang="zh-CN" altLang="en-US">
+                      <a:noFill/>
+                    </a:rPr>
+                    <a:t> </a:t>
+                  </a:r>
+                </a:p>
+              </p:txBody>
+            </p:sp>
+          </mc:Fallback>
+        </mc:AlternateContent>
+        <mc:AlternateContent xmlns:mc="http://schemas.openxmlformats.org/markup-compatibility/2006" xmlns:a14="http://schemas.microsoft.com/office/drawing/2010/main">
+          <mc:Choice Requires="a14">
+            <p:sp>
+              <p:nvSpPr>
+                <p:cNvPr id="104" name="文本框 103">
+                  <a:extLst>
+                    <a:ext uri="{FF2B5EF4-FFF2-40B4-BE49-F238E27FC236}">
+                      <a16:creationId xmlns:a16="http://schemas.microsoft.com/office/drawing/2014/main" id="{64A0C7E0-8E0B-2BF1-4E58-5CE56D65446A}"/>
+                    </a:ext>
+                  </a:extLst>
+                </p:cNvPr>
+                <p:cNvSpPr txBox="1"/>
+                <p:nvPr/>
+              </p:nvSpPr>
+              <p:spPr>
+                <a:xfrm>
+                  <a:off x="4914670" y="4930918"/>
+                  <a:ext cx="247318" cy="259045"/>
+                </a:xfrm>
+                <a:prstGeom prst="rect">
+                  <a:avLst/>
+                </a:prstGeom>
+              </p:spPr>
+              <p:txBody>
+                <a:bodyPr vert="horz" wrap="square" lIns="0" tIns="12700" rIns="0" bIns="0" rtlCol="0">
+                  <a:spAutoFit/>
+                </a:bodyPr>
+                <a:lstStyle>
+                  <a:defPPr>
+                    <a:defRPr lang="zh-CN"/>
+                  </a:defPPr>
+                  <a:lvl1pPr marL="12700">
+                    <a:lnSpc>
+                      <a:spcPct val="100000"/>
+                    </a:lnSpc>
+                    <a:spcBef>
+                      <a:spcPts val="100"/>
+                    </a:spcBef>
+                    <a:defRPr sz="1100" i="1">
+                      <a:latin typeface="Times New Roman" panose="02020603050405020304" pitchFamily="18" charset="0"/>
+                      <a:cs typeface="Times New Roman" panose="02020603050405020304" pitchFamily="18" charset="0"/>
+                    </a:defRPr>
+                  </a:lvl1pPr>
+                </a:lstStyle>
+                <a:p>
+                  <a:pPr/>
+                  <a14:m>
+                    <m:oMathPara xmlns:m="http://schemas.openxmlformats.org/officeDocument/2006/math">
+                      <m:oMathParaPr>
+                        <m:jc m:val="centerGroup"/>
+                      </m:oMathParaPr>
+                      <m:oMath xmlns:m="http://schemas.openxmlformats.org/officeDocument/2006/math">
+                        <m:sSubSup>
+                          <m:sSubSupPr>
+                            <m:ctrlPr>
+                              <a:rPr lang="en-US" altLang="zh-CN" sz="1600" i="1">
+                                <a:latin typeface="Cambria Math" panose="02040503050406030204" pitchFamily="18" charset="0"/>
+                                <a:ea typeface="Cambria Math" panose="02040503050406030204" pitchFamily="18" charset="0"/>
+                              </a:rPr>
+                            </m:ctrlPr>
+                          </m:sSubSupPr>
+                          <m:e>
+                            <m:r>
+                              <m:rPr>
+                                <m:sty m:val="p"/>
+                              </m:rPr>
+                              <a:rPr lang="en-US" altLang="zh-CN" sz="1600" i="0" smtClean="0">
+                                <a:latin typeface="Cambria Math" panose="02040503050406030204" pitchFamily="18" charset="0"/>
+                                <a:ea typeface="Cambria Math" panose="02040503050406030204" pitchFamily="18" charset="0"/>
+                              </a:rPr>
+                              <m:t>NO</m:t>
+                            </m:r>
+                          </m:e>
+                          <m:sub>
+                            <m:r>
+                              <a:rPr lang="en-US" altLang="zh-CN" sz="1600" i="0" smtClean="0">
+                                <a:latin typeface="Cambria Math" panose="02040503050406030204" pitchFamily="18" charset="0"/>
+                                <a:ea typeface="Cambria Math" panose="02040503050406030204" pitchFamily="18" charset="0"/>
+                              </a:rPr>
+                              <m:t>3</m:t>
+                            </m:r>
+                          </m:sub>
+                          <m:sup>
+                            <m:r>
+                              <a:rPr lang="en-US" altLang="zh-CN" sz="1600" i="0" smtClean="0">
+                                <a:latin typeface="Cambria Math" panose="02040503050406030204" pitchFamily="18" charset="0"/>
+                                <a:ea typeface="Cambria Math" panose="02040503050406030204" pitchFamily="18" charset="0"/>
+                              </a:rPr>
+                              <m:t>−</m:t>
+                            </m:r>
+                          </m:sup>
+                        </m:sSubSup>
+                      </m:oMath>
+                    </m:oMathPara>
+                  </a14:m>
+                  <a:endParaRPr lang="zh-CN" altLang="en-US" sz="1600" i="0" dirty="0">
+                    <a:latin typeface="Cambria Math" panose="02040503050406030204" pitchFamily="18" charset="0"/>
+                  </a:endParaRPr>
+                </a:p>
+              </p:txBody>
+            </p:sp>
+          </mc:Choice>
+          <mc:Fallback xmlns="">
+            <p:sp>
+              <p:nvSpPr>
+                <p:cNvPr id="104" name="文本框 103">
+                  <a:extLst>
+                    <a:ext uri="{FF2B5EF4-FFF2-40B4-BE49-F238E27FC236}">
+                      <a16:creationId xmlns:a16="http://schemas.microsoft.com/office/drawing/2014/main" id="{64A0C7E0-8E0B-2BF1-4E58-5CE56D65446A}"/>
+                    </a:ext>
+                  </a:extLst>
+                </p:cNvPr>
+                <p:cNvSpPr txBox="1">
+                  <a:spLocks noRot="1" noChangeAspect="1" noMove="1" noResize="1" noEditPoints="1" noAdjustHandles="1" noChangeArrowheads="1" noChangeShapeType="1" noTextEdit="1"/>
+                </p:cNvSpPr>
+                <p:nvPr/>
+              </p:nvSpPr>
+              <p:spPr>
+                <a:xfrm>
+                  <a:off x="4914670" y="4930918"/>
+                  <a:ext cx="247318" cy="259045"/>
+                </a:xfrm>
+                <a:prstGeom prst="rect">
+                  <a:avLst/>
+                </a:prstGeom>
+                <a:blipFill>
+                  <a:blip r:embed="rId7"/>
+                  <a:stretch>
+                    <a:fillRect t="-70000" r="-16279" b="-25000"/>
+                  </a:stretch>
+                </a:blipFill>
+              </p:spPr>
+              <p:txBody>
+                <a:bodyPr/>
+                <a:lstStyle/>
+                <a:p>
+                  <a:r>
+                    <a:rPr lang="zh-CN" altLang="en-US">
+                      <a:noFill/>
+                    </a:rPr>
+                    <a:t> </a:t>
+                  </a:r>
+                </a:p>
+              </p:txBody>
+            </p:sp>
+          </mc:Fallback>
+        </mc:AlternateContent>
+        <mc:AlternateContent xmlns:mc="http://schemas.openxmlformats.org/markup-compatibility/2006" xmlns:a14="http://schemas.microsoft.com/office/drawing/2010/main">
+          <mc:Choice Requires="a14">
+            <p:sp>
+              <p:nvSpPr>
+                <p:cNvPr id="105" name="文本框 104">
+                  <a:extLst>
+                    <a:ext uri="{FF2B5EF4-FFF2-40B4-BE49-F238E27FC236}">
+                      <a16:creationId xmlns:a16="http://schemas.microsoft.com/office/drawing/2014/main" id="{33B81FB1-CA2D-0EDE-0AE7-5AA4F2B1A32A}"/>
+                    </a:ext>
+                  </a:extLst>
+                </p:cNvPr>
+                <p:cNvSpPr txBox="1"/>
+                <p:nvPr/>
+              </p:nvSpPr>
+              <p:spPr>
+                <a:xfrm>
+                  <a:off x="4900954" y="5181345"/>
+                  <a:ext cx="245086" cy="259045"/>
+                </a:xfrm>
+                <a:prstGeom prst="rect">
+                  <a:avLst/>
+                </a:prstGeom>
+              </p:spPr>
+              <p:txBody>
+                <a:bodyPr vert="horz" wrap="square" lIns="0" tIns="12700" rIns="0" bIns="0" rtlCol="0">
+                  <a:spAutoFit/>
+                </a:bodyPr>
+                <a:lstStyle>
+                  <a:defPPr>
+                    <a:defRPr lang="zh-CN"/>
+                  </a:defPPr>
+                  <a:lvl1pPr marL="12700">
+                    <a:lnSpc>
+                      <a:spcPct val="100000"/>
+                    </a:lnSpc>
+                    <a:spcBef>
+                      <a:spcPts val="100"/>
+                    </a:spcBef>
+                    <a:defRPr sz="1100" i="1">
+                      <a:latin typeface="Times New Roman" panose="02020603050405020304" pitchFamily="18" charset="0"/>
+                      <a:cs typeface="Times New Roman" panose="02020603050405020304" pitchFamily="18" charset="0"/>
+                    </a:defRPr>
+                  </a:lvl1pPr>
+                </a:lstStyle>
+                <a:p>
+                  <a:pPr/>
+                  <a14:m>
+                    <m:oMathPara xmlns:m="http://schemas.openxmlformats.org/officeDocument/2006/math">
+                      <m:oMathParaPr>
+                        <m:jc m:val="centerGroup"/>
+                      </m:oMathParaPr>
+                      <m:oMath xmlns:m="http://schemas.openxmlformats.org/officeDocument/2006/math">
+                        <m:sSubSup>
+                          <m:sSubSupPr>
+                            <m:ctrlPr>
+                              <a:rPr lang="en-US" altLang="zh-CN" sz="1600" i="1">
+                                <a:latin typeface="Cambria Math" panose="02040503050406030204" pitchFamily="18" charset="0"/>
+                                <a:ea typeface="Cambria Math" panose="02040503050406030204" pitchFamily="18" charset="0"/>
+                              </a:rPr>
+                            </m:ctrlPr>
+                          </m:sSubSupPr>
+                          <m:e>
+                            <m:r>
+                              <m:rPr>
+                                <m:sty m:val="p"/>
+                              </m:rPr>
+                              <a:rPr lang="en-US" altLang="zh-CN" sz="1600" i="0" smtClean="0">
+                                <a:latin typeface="Cambria Math" panose="02040503050406030204" pitchFamily="18" charset="0"/>
+                                <a:ea typeface="Cambria Math" panose="02040503050406030204" pitchFamily="18" charset="0"/>
+                              </a:rPr>
+                              <m:t>NH</m:t>
+                            </m:r>
+                          </m:e>
+                          <m:sub>
+                            <m:r>
+                              <a:rPr lang="en-US" altLang="zh-CN" sz="1600" i="0" smtClean="0">
+                                <a:latin typeface="Cambria Math" panose="02040503050406030204" pitchFamily="18" charset="0"/>
+                                <a:ea typeface="Cambria Math" panose="02040503050406030204" pitchFamily="18" charset="0"/>
+                              </a:rPr>
+                              <m:t>4</m:t>
+                            </m:r>
+                          </m:sub>
+                          <m:sup>
+                            <m:r>
+                              <a:rPr lang="en-US" altLang="zh-CN" sz="1600" i="0" smtClean="0">
+                                <a:latin typeface="Cambria Math" panose="02040503050406030204" pitchFamily="18" charset="0"/>
+                                <a:ea typeface="Cambria Math" panose="02040503050406030204" pitchFamily="18" charset="0"/>
+                              </a:rPr>
+                              <m:t>+</m:t>
+                            </m:r>
+                          </m:sup>
+                        </m:sSubSup>
+                      </m:oMath>
+                    </m:oMathPara>
+                  </a14:m>
+                  <a:endParaRPr lang="zh-CN" altLang="en-US" sz="1600" i="0" dirty="0">
+                    <a:latin typeface="Cambria Math" panose="02040503050406030204" pitchFamily="18" charset="0"/>
+                  </a:endParaRPr>
+                </a:p>
+              </p:txBody>
+            </p:sp>
+          </mc:Choice>
+          <mc:Fallback xmlns="">
+            <p:sp>
+              <p:nvSpPr>
+                <p:cNvPr id="105" name="文本框 104">
+                  <a:extLst>
+                    <a:ext uri="{FF2B5EF4-FFF2-40B4-BE49-F238E27FC236}">
+                      <a16:creationId xmlns:a16="http://schemas.microsoft.com/office/drawing/2014/main" id="{33B81FB1-CA2D-0EDE-0AE7-5AA4F2B1A32A}"/>
+                    </a:ext>
+                  </a:extLst>
+                </p:cNvPr>
+                <p:cNvSpPr txBox="1">
+                  <a:spLocks noRot="1" noChangeAspect="1" noMove="1" noResize="1" noEditPoints="1" noAdjustHandles="1" noChangeArrowheads="1" noChangeShapeType="1" noTextEdit="1"/>
+                </p:cNvSpPr>
+                <p:nvPr/>
+              </p:nvSpPr>
+              <p:spPr>
+                <a:xfrm>
+                  <a:off x="4900954" y="5181345"/>
+                  <a:ext cx="245086" cy="259045"/>
+                </a:xfrm>
+                <a:prstGeom prst="rect">
+                  <a:avLst/>
+                </a:prstGeom>
+                <a:blipFill>
+                  <a:blip r:embed="rId8"/>
+                  <a:stretch>
+                    <a:fillRect t="-80488" r="-16279" b="-21951"/>
+                  </a:stretch>
+                </a:blipFill>
+              </p:spPr>
+              <p:txBody>
+                <a:bodyPr/>
+                <a:lstStyle/>
+                <a:p>
+                  <a:r>
+                    <a:rPr lang="zh-CN" altLang="en-US">
+                      <a:noFill/>
+                    </a:rPr>
+                    <a:t> </a:t>
+                  </a:r>
+                </a:p>
+              </p:txBody>
+            </p:sp>
+          </mc:Fallback>
+        </mc:AlternateContent>
+        <p:sp>
+          <p:nvSpPr>
+            <p:cNvPr id="106" name="文本框 105">
+              <a:extLst>
+                <a:ext uri="{FF2B5EF4-FFF2-40B4-BE49-F238E27FC236}">
+                  <a16:creationId xmlns:a16="http://schemas.microsoft.com/office/drawing/2014/main" id="{9AC8851C-63CF-87E6-9BB8-A051F8C9A46B}"/>
+                </a:ext>
+              </a:extLst>
+            </p:cNvPr>
+            <p:cNvSpPr txBox="1"/>
+            <p:nvPr/>
+          </p:nvSpPr>
+          <p:spPr>
+            <a:xfrm>
+              <a:off x="4837826" y="5422682"/>
+              <a:ext cx="472413" cy="259045"/>
+            </a:xfrm>
+            <a:prstGeom prst="rect">
+              <a:avLst/>
+            </a:prstGeom>
+          </p:spPr>
+          <p:txBody>
+            <a:bodyPr vert="horz" wrap="square" lIns="0" tIns="12700" rIns="0" bIns="0" rtlCol="0">
+              <a:spAutoFit/>
+            </a:bodyPr>
+            <a:lstStyle>
+              <a:defPPr>
+                <a:defRPr lang="zh-CN"/>
+              </a:defPPr>
+              <a:lvl1pPr marL="12700">
+                <a:lnSpc>
+                  <a:spcPct val="100000"/>
+                </a:lnSpc>
+                <a:spcBef>
+                  <a:spcPts val="100"/>
+                </a:spcBef>
+                <a:defRPr sz="1100" i="1">
+                  <a:latin typeface="Times New Roman" panose="02020603050405020304" pitchFamily="18" charset="0"/>
+                  <a:cs typeface="Times New Roman" panose="02020603050405020304" pitchFamily="18" charset="0"/>
+                </a:defRPr>
+              </a:lvl1pPr>
+            </a:lstStyle>
+            <a:p>
+              <a:pPr algn="r"/>
+              <a:r>
+                <a:rPr lang="en-US" altLang="zh-CN" sz="1600" i="0" dirty="0">
+                  <a:latin typeface="Cambria Math" panose="02040503050406030204" pitchFamily="18" charset="0"/>
+                  <a:ea typeface="Cambria Math" panose="02040503050406030204" pitchFamily="18" charset="0"/>
+                </a:rPr>
+                <a:t>COD</a:t>
+              </a:r>
+              <a:endParaRPr lang="zh-CN" altLang="en-US" sz="1600" i="0" dirty="0">
+                <a:latin typeface="Cambria Math" panose="02040503050406030204" pitchFamily="18" charset="0"/>
+              </a:endParaRPr>
+            </a:p>
+          </p:txBody>
+        </p:sp>
+        <p:sp>
+          <p:nvSpPr>
+            <p:cNvPr id="107" name="文本框 106">
+              <a:extLst>
+                <a:ext uri="{FF2B5EF4-FFF2-40B4-BE49-F238E27FC236}">
+                  <a16:creationId xmlns:a16="http://schemas.microsoft.com/office/drawing/2014/main" id="{AC8EE932-0092-AF75-52CA-19D3D8C15EAF}"/>
+                </a:ext>
+              </a:extLst>
+            </p:cNvPr>
+            <p:cNvSpPr txBox="1"/>
+            <p:nvPr/>
+          </p:nvSpPr>
+          <p:spPr>
+            <a:xfrm>
+              <a:off x="5168056" y="5636038"/>
+              <a:ext cx="64193" cy="259045"/>
+            </a:xfrm>
+            <a:prstGeom prst="rect">
+              <a:avLst/>
+            </a:prstGeom>
+          </p:spPr>
+          <p:txBody>
+            <a:bodyPr vert="horz" wrap="square" lIns="0" tIns="12700" rIns="0" bIns="0" rtlCol="0">
+              <a:spAutoFit/>
+            </a:bodyPr>
+            <a:lstStyle>
+              <a:defPPr>
+                <a:defRPr lang="zh-CN"/>
+              </a:defPPr>
+              <a:lvl1pPr marL="12700">
+                <a:lnSpc>
+                  <a:spcPct val="100000"/>
+                </a:lnSpc>
+                <a:spcBef>
+                  <a:spcPts val="100"/>
+                </a:spcBef>
+                <a:defRPr sz="1100" i="1">
+                  <a:latin typeface="Times New Roman" panose="02020603050405020304" pitchFamily="18" charset="0"/>
+                  <a:cs typeface="Times New Roman" panose="02020603050405020304" pitchFamily="18" charset="0"/>
+                </a:defRPr>
+              </a:lvl1pPr>
+            </a:lstStyle>
+            <a:p>
+              <a:r>
+                <a:rPr lang="en-US" altLang="zh-CN" sz="1600" i="0" dirty="0">
+                  <a:latin typeface="Cambria Math" panose="02040503050406030204" pitchFamily="18" charset="0"/>
+                  <a:ea typeface="Cambria Math" panose="02040503050406030204" pitchFamily="18" charset="0"/>
+                </a:rPr>
+                <a:t>T</a:t>
+              </a:r>
+              <a:endParaRPr lang="zh-CN" altLang="en-US" sz="1600" i="0" dirty="0">
+                <a:latin typeface="Cambria Math" panose="02040503050406030204" pitchFamily="18" charset="0"/>
+              </a:endParaRPr>
+            </a:p>
+          </p:txBody>
+        </p:sp>
+        <p:sp>
+          <p:nvSpPr>
+            <p:cNvPr id="108" name="文本框 107">
+              <a:extLst>
+                <a:ext uri="{FF2B5EF4-FFF2-40B4-BE49-F238E27FC236}">
+                  <a16:creationId xmlns:a16="http://schemas.microsoft.com/office/drawing/2014/main" id="{40E67C57-403B-B826-E566-BA81D0BEF1B8}"/>
+                </a:ext>
+              </a:extLst>
+            </p:cNvPr>
+            <p:cNvSpPr txBox="1"/>
+            <p:nvPr/>
+          </p:nvSpPr>
+          <p:spPr>
+            <a:xfrm>
+              <a:off x="4599128" y="3078535"/>
+              <a:ext cx="727610" cy="259045"/>
+            </a:xfrm>
+            <a:prstGeom prst="rect">
+              <a:avLst/>
+            </a:prstGeom>
+          </p:spPr>
+          <p:txBody>
+            <a:bodyPr vert="horz" wrap="square" lIns="0" tIns="12700" rIns="0" bIns="0" rtlCol="0">
+              <a:spAutoFit/>
+            </a:bodyPr>
+            <a:lstStyle>
+              <a:defPPr>
+                <a:defRPr lang="zh-CN"/>
+              </a:defPPr>
+              <a:lvl1pPr marL="12700">
+                <a:lnSpc>
+                  <a:spcPct val="100000"/>
+                </a:lnSpc>
+                <a:spcBef>
+                  <a:spcPts val="100"/>
+                </a:spcBef>
+                <a:defRPr sz="1100" i="1">
+                  <a:latin typeface="Times New Roman" panose="02020603050405020304" pitchFamily="18" charset="0"/>
+                  <a:cs typeface="Times New Roman" panose="02020603050405020304" pitchFamily="18" charset="0"/>
+                </a:defRPr>
+              </a:lvl1pPr>
+            </a:lstStyle>
+            <a:p>
+              <a:pPr algn="r"/>
+              <a:r>
+                <a:rPr lang="en-US" altLang="zh-CN" sz="1600" i="0" dirty="0">
+                  <a:latin typeface="Cambria Math" panose="02040503050406030204" pitchFamily="18" charset="0"/>
+                  <a:ea typeface="Cambria Math" panose="02040503050406030204" pitchFamily="18" charset="0"/>
+                </a:rPr>
+                <a:t>Ⅱ-Area</a:t>
+              </a:r>
+              <a:endParaRPr lang="zh-CN" altLang="en-US" sz="1600" i="0" dirty="0">
+                <a:latin typeface="Cambria Math" panose="02040503050406030204" pitchFamily="18" charset="0"/>
+              </a:endParaRPr>
+            </a:p>
+          </p:txBody>
+        </p:sp>
+        <p:sp>
+          <p:nvSpPr>
+            <p:cNvPr id="109" name="文本框 108">
+              <a:extLst>
+                <a:ext uri="{FF2B5EF4-FFF2-40B4-BE49-F238E27FC236}">
+                  <a16:creationId xmlns:a16="http://schemas.microsoft.com/office/drawing/2014/main" id="{ECD2DBB3-7C2B-3856-5E38-39F1323BD8DB}"/>
+                </a:ext>
+              </a:extLst>
+            </p:cNvPr>
+            <p:cNvSpPr txBox="1"/>
+            <p:nvPr/>
+          </p:nvSpPr>
+          <p:spPr>
+            <a:xfrm>
+              <a:off x="4599128" y="3299170"/>
+              <a:ext cx="727610" cy="259045"/>
+            </a:xfrm>
+            <a:prstGeom prst="rect">
+              <a:avLst/>
+            </a:prstGeom>
+          </p:spPr>
+          <p:txBody>
+            <a:bodyPr vert="horz" wrap="square" lIns="0" tIns="12700" rIns="0" bIns="0" rtlCol="0">
+              <a:spAutoFit/>
+            </a:bodyPr>
+            <a:lstStyle>
+              <a:defPPr>
+                <a:defRPr lang="zh-CN"/>
+              </a:defPPr>
+              <a:lvl1pPr marL="12700">
+                <a:lnSpc>
+                  <a:spcPct val="100000"/>
+                </a:lnSpc>
+                <a:spcBef>
+                  <a:spcPts val="100"/>
+                </a:spcBef>
+                <a:defRPr sz="1100" i="1">
+                  <a:latin typeface="Times New Roman" panose="02020603050405020304" pitchFamily="18" charset="0"/>
+                  <a:cs typeface="Times New Roman" panose="02020603050405020304" pitchFamily="18" charset="0"/>
+                </a:defRPr>
+              </a:lvl1pPr>
+            </a:lstStyle>
+            <a:p>
+              <a:pPr algn="r"/>
+              <a:r>
+                <a:rPr lang="en-US" altLang="zh-CN" sz="1600" i="0" dirty="0">
+                  <a:latin typeface="Cambria Math" panose="02040503050406030204" pitchFamily="18" charset="0"/>
+                  <a:ea typeface="Cambria Math" panose="02040503050406030204" pitchFamily="18" charset="0"/>
+                </a:rPr>
+                <a:t>Ⅲ-Area</a:t>
+              </a:r>
+              <a:endParaRPr lang="zh-CN" altLang="en-US" sz="1600" i="0" dirty="0">
+                <a:latin typeface="Cambria Math" panose="02040503050406030204" pitchFamily="18" charset="0"/>
+              </a:endParaRPr>
+            </a:p>
+          </p:txBody>
+        </p:sp>
+        <p:sp>
+          <p:nvSpPr>
+            <p:cNvPr id="110" name="文本框 109">
+              <a:extLst>
+                <a:ext uri="{FF2B5EF4-FFF2-40B4-BE49-F238E27FC236}">
+                  <a16:creationId xmlns:a16="http://schemas.microsoft.com/office/drawing/2014/main" id="{16556024-1EB0-3812-54F8-D865C0B512A0}"/>
+                </a:ext>
+              </a:extLst>
+            </p:cNvPr>
+            <p:cNvSpPr txBox="1"/>
+            <p:nvPr/>
+          </p:nvSpPr>
+          <p:spPr>
+            <a:xfrm>
+              <a:off x="4599128" y="3543572"/>
+              <a:ext cx="727610" cy="259045"/>
+            </a:xfrm>
+            <a:prstGeom prst="rect">
+              <a:avLst/>
+            </a:prstGeom>
+          </p:spPr>
+          <p:txBody>
+            <a:bodyPr vert="horz" wrap="square" lIns="0" tIns="12700" rIns="0" bIns="0" rtlCol="0">
+              <a:spAutoFit/>
+            </a:bodyPr>
+            <a:lstStyle>
+              <a:defPPr>
+                <a:defRPr lang="zh-CN"/>
+              </a:defPPr>
+              <a:lvl1pPr marL="12700">
+                <a:lnSpc>
+                  <a:spcPct val="100000"/>
+                </a:lnSpc>
+                <a:spcBef>
+                  <a:spcPts val="100"/>
+                </a:spcBef>
+                <a:defRPr sz="1100" i="1">
+                  <a:latin typeface="Times New Roman" panose="02020603050405020304" pitchFamily="18" charset="0"/>
+                  <a:cs typeface="Times New Roman" panose="02020603050405020304" pitchFamily="18" charset="0"/>
+                </a:defRPr>
+              </a:lvl1pPr>
+            </a:lstStyle>
+            <a:p>
+              <a:pPr algn="r"/>
+              <a:r>
+                <a:rPr lang="en-US" altLang="zh-CN" sz="1600" i="0" dirty="0">
+                  <a:latin typeface="Cambria Math" panose="02040503050406030204" pitchFamily="18" charset="0"/>
+                  <a:ea typeface="Cambria Math" panose="02040503050406030204" pitchFamily="18" charset="0"/>
+                </a:rPr>
+                <a:t>Ⅳ-Area</a:t>
+              </a:r>
+              <a:endParaRPr lang="zh-CN" altLang="en-US" sz="1600" i="0" dirty="0">
+                <a:latin typeface="Cambria Math" panose="02040503050406030204" pitchFamily="18" charset="0"/>
+              </a:endParaRPr>
+            </a:p>
+          </p:txBody>
+        </p:sp>
+        <p:sp>
+          <p:nvSpPr>
+            <p:cNvPr id="111" name="文本框 110">
+              <a:extLst>
+                <a:ext uri="{FF2B5EF4-FFF2-40B4-BE49-F238E27FC236}">
+                  <a16:creationId xmlns:a16="http://schemas.microsoft.com/office/drawing/2014/main" id="{A4B317A5-B678-68EE-8AA0-78C1441032EA}"/>
+                </a:ext>
+              </a:extLst>
+            </p:cNvPr>
+            <p:cNvSpPr txBox="1"/>
+            <p:nvPr/>
+          </p:nvSpPr>
+          <p:spPr>
+            <a:xfrm>
+              <a:off x="4599128" y="3774923"/>
+              <a:ext cx="727610" cy="259045"/>
+            </a:xfrm>
+            <a:prstGeom prst="rect">
+              <a:avLst/>
+            </a:prstGeom>
+          </p:spPr>
+          <p:txBody>
+            <a:bodyPr vert="horz" wrap="square" lIns="0" tIns="12700" rIns="0" bIns="0" rtlCol="0">
+              <a:spAutoFit/>
+            </a:bodyPr>
+            <a:lstStyle>
+              <a:defPPr>
+                <a:defRPr lang="zh-CN"/>
+              </a:defPPr>
+              <a:lvl1pPr marL="12700">
+                <a:lnSpc>
+                  <a:spcPct val="100000"/>
+                </a:lnSpc>
+                <a:spcBef>
+                  <a:spcPts val="100"/>
+                </a:spcBef>
+                <a:defRPr sz="1100" i="1">
+                  <a:latin typeface="Times New Roman" panose="02020603050405020304" pitchFamily="18" charset="0"/>
+                  <a:cs typeface="Times New Roman" panose="02020603050405020304" pitchFamily="18" charset="0"/>
+                </a:defRPr>
+              </a:lvl1pPr>
+            </a:lstStyle>
+            <a:p>
+              <a:pPr algn="r"/>
+              <a:r>
+                <a:rPr lang="en-US" altLang="zh-CN" sz="1600" i="0" dirty="0">
+                  <a:latin typeface="Cambria Math" panose="02040503050406030204" pitchFamily="18" charset="0"/>
+                  <a:ea typeface="Cambria Math" panose="02040503050406030204" pitchFamily="18" charset="0"/>
+                </a:rPr>
+                <a:t>Ⅴ-Area</a:t>
+              </a:r>
+              <a:endParaRPr lang="zh-CN" altLang="en-US" sz="1600" i="0" dirty="0">
+                <a:latin typeface="Cambria Math" panose="02040503050406030204" pitchFamily="18" charset="0"/>
+              </a:endParaRPr>
+            </a:p>
+          </p:txBody>
+        </p:sp>
+      </p:grpSp>
     </p:spTree>
   </p:cSld>
   <p:clrMapOvr>
@@ -59976,4 +60601,299 @@
   <a:objectDefaults/>
   <a:extraClrSchemeLst/>
 </a:theme>
+</file>
+
+<file path=ppt/theme/theme2.xml><?xml version="1.0" encoding="utf-8"?>
+<a:theme xmlns:a="http://schemas.openxmlformats.org/drawingml/2006/main" name="Office 主题​​">
+  <a:themeElements>
+    <a:clrScheme name="Office">
+      <a:dk1>
+        <a:sysClr val="windowText" lastClr="000000"/>
+      </a:dk1>
+      <a:lt1>
+        <a:sysClr val="window" lastClr="FFFFFF"/>
+      </a:lt1>
+      <a:dk2>
+        <a:srgbClr val="44546A"/>
+      </a:dk2>
+      <a:lt2>
+        <a:srgbClr val="E7E6E6"/>
+      </a:lt2>
+      <a:accent1>
+        <a:srgbClr val="4472C4"/>
+      </a:accent1>
+      <a:accent2>
+        <a:srgbClr val="ED7D31"/>
+      </a:accent2>
+      <a:accent3>
+        <a:srgbClr val="A5A5A5"/>
+      </a:accent3>
+      <a:accent4>
+        <a:srgbClr val="FFC000"/>
+      </a:accent4>
+      <a:accent5>
+        <a:srgbClr val="5B9BD5"/>
+      </a:accent5>
+      <a:accent6>
+        <a:srgbClr val="70AD47"/>
+      </a:accent6>
+      <a:hlink>
+        <a:srgbClr val="0563C1"/>
+      </a:hlink>
+      <a:folHlink>
+        <a:srgbClr val="954F72"/>
+      </a:folHlink>
+    </a:clrScheme>
+    <a:fontScheme name="Office">
+      <a:majorFont>
+        <a:latin typeface="等线 Light" panose="020F0302020204030204"/>
+        <a:ea typeface=""/>
+        <a:cs typeface=""/>
+        <a:font script="Jpan" typeface="游ゴシック Light"/>
+        <a:font script="Hang" typeface="맑은 고딕"/>
+        <a:font script="Hans" typeface="等线 Light"/>
+        <a:font script="Hant" typeface="新細明體"/>
+        <a:font script="Arab" typeface="Times New Roman"/>
+        <a:font script="Hebr" typeface="Times New Roman"/>
+        <a:font script="Thai" typeface="Angsana New"/>
+        <a:font script="Ethi" typeface="Nyala"/>
+        <a:font script="Beng" typeface="Vrinda"/>
+        <a:font script="Gujr" typeface="Shruti"/>
+        <a:font script="Khmr" typeface="MoolBoran"/>
+        <a:font script="Knda" typeface="Tunga"/>
+        <a:font script="Guru" typeface="Raavi"/>
+        <a:font script="Cans" typeface="Euphemia"/>
+        <a:font script="Cher" typeface="Plantagenet Cherokee"/>
+        <a:font script="Yiii" typeface="Microsoft Yi Baiti"/>
+        <a:font script="Tibt" typeface="Microsoft Himalaya"/>
+        <a:font script="Thaa" typeface="MV Boli"/>
+        <a:font script="Deva" typeface="Mangal"/>
+        <a:font script="Telu" typeface="Gautami"/>
+        <a:font script="Taml" typeface="Latha"/>
+        <a:font script="Syrc" typeface="Estrangelo Edessa"/>
+        <a:font script="Orya" typeface="Kalinga"/>
+        <a:font script="Mlym" typeface="Kartika"/>
+        <a:font script="Laoo" typeface="DokChampa"/>
+        <a:font script="Sinh" typeface="Iskoola Pota"/>
+        <a:font script="Mong" typeface="Mongolian Baiti"/>
+        <a:font script="Viet" typeface="Times New Roman"/>
+        <a:font script="Uigh" typeface="Microsoft Uighur"/>
+        <a:font script="Geor" typeface="Sylfaen"/>
+        <a:font script="Armn" typeface="Arial"/>
+        <a:font script="Bugi" typeface="Leelawadee UI"/>
+        <a:font script="Bopo" typeface="Microsoft JhengHei"/>
+        <a:font script="Java" typeface="Javanese Text"/>
+        <a:font script="Lisu" typeface="Segoe UI"/>
+        <a:font script="Mymr" typeface="Myanmar Text"/>
+        <a:font script="Nkoo" typeface="Ebrima"/>
+        <a:font script="Olck" typeface="Nirmala UI"/>
+        <a:font script="Osma" typeface="Ebrima"/>
+        <a:font script="Phag" typeface="Phagspa"/>
+        <a:font script="Syrn" typeface="Estrangelo Edessa"/>
+        <a:font script="Syrj" typeface="Estrangelo Edessa"/>
+        <a:font script="Syre" typeface="Estrangelo Edessa"/>
+        <a:font script="Sora" typeface="Nirmala UI"/>
+        <a:font script="Tale" typeface="Microsoft Tai Le"/>
+        <a:font script="Talu" typeface="Microsoft New Tai Lue"/>
+        <a:font script="Tfng" typeface="Ebrima"/>
+      </a:majorFont>
+      <a:minorFont>
+        <a:latin typeface="等线" panose="020F0502020204030204"/>
+        <a:ea typeface=""/>
+        <a:cs typeface=""/>
+        <a:font script="Jpan" typeface="游ゴシック"/>
+        <a:font script="Hang" typeface="맑은 고딕"/>
+        <a:font script="Hans" typeface="等线"/>
+        <a:font script="Hant" typeface="新細明體"/>
+        <a:font script="Arab" typeface="Arial"/>
+        <a:font script="Hebr" typeface="Arial"/>
+        <a:font script="Thai" typeface="Cordia New"/>
+        <a:font script="Ethi" typeface="Nyala"/>
+        <a:font script="Beng" typeface="Vrinda"/>
+        <a:font script="Gujr" typeface="Shruti"/>
+        <a:font script="Khmr" typeface="DaunPenh"/>
+        <a:font script="Knda" typeface="Tunga"/>
+        <a:font script="Guru" typeface="Raavi"/>
+        <a:font script="Cans" typeface="Euphemia"/>
+        <a:font script="Cher" typeface="Plantagenet Cherokee"/>
+        <a:font script="Yiii" typeface="Microsoft Yi Baiti"/>
+        <a:font script="Tibt" typeface="Microsoft Himalaya"/>
+        <a:font script="Thaa" typeface="MV Boli"/>
+        <a:font script="Deva" typeface="Mangal"/>
+        <a:font script="Telu" typeface="Gautami"/>
+        <a:font script="Taml" typeface="Latha"/>
+        <a:font script="Syrc" typeface="Estrangelo Edessa"/>
+        <a:font script="Orya" typeface="Kalinga"/>
+        <a:font script="Mlym" typeface="Kartika"/>
+        <a:font script="Laoo" typeface="DokChampa"/>
+        <a:font script="Sinh" typeface="Iskoola Pota"/>
+        <a:font script="Mong" typeface="Mongolian Baiti"/>
+        <a:font script="Viet" typeface="Arial"/>
+        <a:font script="Uigh" typeface="Microsoft Uighur"/>
+        <a:font script="Geor" typeface="Sylfaen"/>
+        <a:font script="Armn" typeface="Arial"/>
+        <a:font script="Bugi" typeface="Leelawadee UI"/>
+        <a:font script="Bopo" typeface="Microsoft JhengHei"/>
+        <a:font script="Java" typeface="Javanese Text"/>
+        <a:font script="Lisu" typeface="Segoe UI"/>
+        <a:font script="Mymr" typeface="Myanmar Text"/>
+        <a:font script="Nkoo" typeface="Ebrima"/>
+        <a:font script="Olck" typeface="Nirmala UI"/>
+        <a:font script="Osma" typeface="Ebrima"/>
+        <a:font script="Phag" typeface="Phagspa"/>
+        <a:font script="Syrn" typeface="Estrangelo Edessa"/>
+        <a:font script="Syrj" typeface="Estrangelo Edessa"/>
+        <a:font script="Syre" typeface="Estrangelo Edessa"/>
+        <a:font script="Sora" typeface="Nirmala UI"/>
+        <a:font script="Tale" typeface="Microsoft Tai Le"/>
+        <a:font script="Talu" typeface="Microsoft New Tai Lue"/>
+        <a:font script="Tfng" typeface="Ebrima"/>
+      </a:minorFont>
+    </a:fontScheme>
+    <a:fmtScheme name="Office">
+      <a:fillStyleLst>
+        <a:solidFill>
+          <a:schemeClr val="phClr"/>
+        </a:solidFill>
+        <a:gradFill rotWithShape="1">
+          <a:gsLst>
+            <a:gs pos="0">
+              <a:schemeClr val="phClr">
+                <a:lumMod val="110000"/>
+                <a:satMod val="105000"/>
+                <a:tint val="67000"/>
+              </a:schemeClr>
+            </a:gs>
+            <a:gs pos="50000">
+              <a:schemeClr val="phClr">
+                <a:lumMod val="105000"/>
+                <a:satMod val="103000"/>
+                <a:tint val="73000"/>
+              </a:schemeClr>
+            </a:gs>
+            <a:gs pos="100000">
+              <a:schemeClr val="phClr">
+                <a:lumMod val="105000"/>
+                <a:satMod val="109000"/>
+                <a:tint val="81000"/>
+              </a:schemeClr>
+            </a:gs>
+          </a:gsLst>
+          <a:lin ang="5400000" scaled="0"/>
+        </a:gradFill>
+        <a:gradFill rotWithShape="1">
+          <a:gsLst>
+            <a:gs pos="0">
+              <a:schemeClr val="phClr">
+                <a:satMod val="103000"/>
+                <a:lumMod val="102000"/>
+                <a:tint val="94000"/>
+              </a:schemeClr>
+            </a:gs>
+            <a:gs pos="50000">
+              <a:schemeClr val="phClr">
+                <a:satMod val="110000"/>
+                <a:lumMod val="100000"/>
+                <a:shade val="100000"/>
+              </a:schemeClr>
+            </a:gs>
+            <a:gs pos="100000">
+              <a:schemeClr val="phClr">
+                <a:lumMod val="99000"/>
+                <a:satMod val="120000"/>
+                <a:shade val="78000"/>
+              </a:schemeClr>
+            </a:gs>
+          </a:gsLst>
+          <a:lin ang="5400000" scaled="0"/>
+        </a:gradFill>
+      </a:fillStyleLst>
+      <a:lnStyleLst>
+        <a:ln w="6350" cap="flat" cmpd="sng" algn="ctr">
+          <a:solidFill>
+            <a:schemeClr val="phClr"/>
+          </a:solidFill>
+          <a:prstDash val="solid"/>
+          <a:miter lim="800000"/>
+        </a:ln>
+        <a:ln w="12700" cap="flat" cmpd="sng" algn="ctr">
+          <a:solidFill>
+            <a:schemeClr val="phClr"/>
+          </a:solidFill>
+          <a:prstDash val="solid"/>
+          <a:miter lim="800000"/>
+        </a:ln>
+        <a:ln w="19050" cap="flat" cmpd="sng" algn="ctr">
+          <a:solidFill>
+            <a:schemeClr val="phClr"/>
+          </a:solidFill>
+          <a:prstDash val="solid"/>
+          <a:miter lim="800000"/>
+        </a:ln>
+      </a:lnStyleLst>
+      <a:effectStyleLst>
+        <a:effectStyle>
+          <a:effectLst/>
+        </a:effectStyle>
+        <a:effectStyle>
+          <a:effectLst/>
+        </a:effectStyle>
+        <a:effectStyle>
+          <a:effectLst>
+            <a:outerShdw blurRad="57150" dist="19050" dir="5400000" algn="ctr" rotWithShape="0">
+              <a:srgbClr val="000000">
+                <a:alpha val="63000"/>
+              </a:srgbClr>
+            </a:outerShdw>
+          </a:effectLst>
+        </a:effectStyle>
+      </a:effectStyleLst>
+      <a:bgFillStyleLst>
+        <a:solidFill>
+          <a:schemeClr val="phClr"/>
+        </a:solidFill>
+        <a:solidFill>
+          <a:schemeClr val="phClr">
+            <a:tint val="95000"/>
+            <a:satMod val="170000"/>
+          </a:schemeClr>
+        </a:solidFill>
+        <a:gradFill rotWithShape="1">
+          <a:gsLst>
+            <a:gs pos="0">
+              <a:schemeClr val="phClr">
+                <a:tint val="93000"/>
+                <a:satMod val="150000"/>
+                <a:shade val="98000"/>
+                <a:lumMod val="102000"/>
+              </a:schemeClr>
+            </a:gs>
+            <a:gs pos="50000">
+              <a:schemeClr val="phClr">
+                <a:tint val="98000"/>
+                <a:satMod val="130000"/>
+                <a:shade val="90000"/>
+                <a:lumMod val="103000"/>
+              </a:schemeClr>
+            </a:gs>
+            <a:gs pos="100000">
+              <a:schemeClr val="phClr">
+                <a:shade val="63000"/>
+                <a:satMod val="120000"/>
+              </a:schemeClr>
+            </a:gs>
+          </a:gsLst>
+          <a:lin ang="5400000" scaled="0"/>
+        </a:gradFill>
+      </a:bgFillStyleLst>
+    </a:fmtScheme>
+  </a:themeElements>
+  <a:objectDefaults/>
+  <a:extraClrSchemeLst/>
+  <a:extLst>
+    <a:ext uri="{05A4C25C-085E-4340-85A3-A5531E510DB2}">
+      <thm15:themeFamily xmlns:thm15="http://schemas.microsoft.com/office/thememl/2012/main" name="Office Theme" id="{62F939B6-93AF-4DB8-9C6B-D6C7DFDC589F}" vid="{4A3C46E8-61CC-4603-A589-7422A47A8E4A}"/>
+    </a:ext>
+  </a:extLst>
+</a:theme>
 </file>